--- a/2020/ECP/slides/09-cplo.pptx
+++ b/2020/ECP/slides/09-cplo.pptx
@@ -5,23 +5,29 @@
     <p:sldMasterId id="2147483935" r:id="rId4"/>
   </p:sldMasterIdLst>
   <p:notesMasterIdLst>
-    <p:notesMasterId r:id="rId16"/>
+    <p:notesMasterId r:id="rId22"/>
   </p:notesMasterIdLst>
   <p:handoutMasterIdLst>
-    <p:handoutMasterId r:id="rId17"/>
+    <p:handoutMasterId r:id="rId23"/>
   </p:handoutMasterIdLst>
   <p:sldIdLst>
     <p:sldId id="406" r:id="rId5"/>
     <p:sldId id="408" r:id="rId6"/>
-    <p:sldId id="411" r:id="rId7"/>
-    <p:sldId id="409" r:id="rId8"/>
-    <p:sldId id="410" r:id="rId9"/>
-    <p:sldId id="404" r:id="rId10"/>
-    <p:sldId id="405" r:id="rId11"/>
-    <p:sldId id="412" r:id="rId12"/>
-    <p:sldId id="413" r:id="rId13"/>
-    <p:sldId id="414" r:id="rId14"/>
-    <p:sldId id="415" r:id="rId15"/>
+    <p:sldId id="422" r:id="rId7"/>
+    <p:sldId id="411" r:id="rId8"/>
+    <p:sldId id="409" r:id="rId9"/>
+    <p:sldId id="410" r:id="rId10"/>
+    <p:sldId id="404" r:id="rId11"/>
+    <p:sldId id="405" r:id="rId12"/>
+    <p:sldId id="412" r:id="rId13"/>
+    <p:sldId id="413" r:id="rId14"/>
+    <p:sldId id="418" r:id="rId15"/>
+    <p:sldId id="419" r:id="rId16"/>
+    <p:sldId id="420" r:id="rId17"/>
+    <p:sldId id="416" r:id="rId18"/>
+    <p:sldId id="417" r:id="rId19"/>
+    <p:sldId id="414" r:id="rId20"/>
+    <p:sldId id="415" r:id="rId21"/>
   </p:sldIdLst>
   <p:sldSz cx="12188825" cy="6858000"/>
   <p:notesSz cx="7010400" cy="9296400"/>
@@ -271,7 +277,7 @@
           <a:p>
             <a:fld id="{0B842F42-2CE9-4E35-95C1-410DC08A50B1}" type="datetimeFigureOut">
               <a:rPr lang="en-US" smtClean="0"/>
-              <a:t>1/28/2020</a:t>
+              <a:t>2/3/2020</a:t>
             </a:fld>
             <a:endParaRPr lang="en-US"/>
           </a:p>
@@ -436,7 +442,7 @@
           <a:p>
             <a:fld id="{6F282904-F315-4730-8D91-37D99E141A6F}" type="datetimeFigureOut">
               <a:rPr lang="en-US" smtClean="0"/>
-              <a:t>1/28/2020</a:t>
+              <a:t>2/3/2020</a:t>
             </a:fld>
             <a:endParaRPr lang="en-US"/>
           </a:p>
@@ -3411,6 +3417,46 @@
       </p:grpSpPr>
       <p:sp>
         <p:nvSpPr>
+          <p:cNvPr id="5" name="Content Placeholder 4"/>
+          <p:cNvSpPr>
+            <a:spLocks noGrp="1"/>
+          </p:cNvSpPr>
+          <p:nvPr>
+            <p:ph idx="1"/>
+          </p:nvPr>
+        </p:nvSpPr>
+        <p:spPr>
+          <a:xfrm>
+            <a:off x="709302" y="1475740"/>
+            <a:ext cx="6575076" cy="4047778"/>
+          </a:xfrm>
+        </p:spPr>
+        <p:txBody>
+          <a:bodyPr/>
+          <a:lstStyle/>
+          <a:p>
+            <a:r>
+              <a:rPr lang="en-US" dirty="0" smtClean="0"/>
+              <a:t>How many epochs are used on average by strategy and stage?</a:t>
+            </a:r>
+          </a:p>
+          <a:p>
+            <a:r>
+              <a:rPr lang="en-US" dirty="0" smtClean="0"/>
+              <a:t>Given the opportunity, typical models exit after 6-8 epochs</a:t>
+            </a:r>
+          </a:p>
+          <a:p>
+            <a:r>
+              <a:rPr lang="en-US" dirty="0" smtClean="0"/>
+              <a:t>If they are forced to exit early in later stages, does that affect error?</a:t>
+            </a:r>
+            <a:endParaRPr lang="en-US" dirty="0"/>
+          </a:p>
+        </p:txBody>
+      </p:sp>
+      <p:sp>
+        <p:nvSpPr>
           <p:cNvPr id="2" name="Title 1"/>
           <p:cNvSpPr>
             <a:spLocks noGrp="1"/>
@@ -3425,8 +3471,743 @@
           <a:lstStyle/>
           <a:p>
             <a:r>
+              <a:rPr lang="en-US" dirty="0"/>
+              <a:t>Data analysis workflow: </a:t>
+            </a:r>
+            <a:r>
               <a:rPr lang="en-US" dirty="0" smtClean="0"/>
-              <a:t>Summary and future work</a:t>
+              <a:t>Actual epochs trained</a:t>
+            </a:r>
+            <a:endParaRPr lang="en-US" dirty="0"/>
+          </a:p>
+        </p:txBody>
+      </p:sp>
+      <p:pic>
+        <p:nvPicPr>
+          <p:cNvPr id="4098" name="Picture 2" descr="https://lh4.googleusercontent.com/7rkuQ7wKWCs31SIEh89ta-mtuoi25Me4paiV0s0kVNLky7YXsueYhFkjoq3E66dJOoQh4vED7A6kCuw2pWaaJiZeAGfB7JW4GBgBh1uTTICAO7JVXcho7HjNJOXJI6nOogi_JThx"/>
+          <p:cNvPicPr>
+            <a:picLocks noChangeAspect="1" noChangeArrowheads="1"/>
+          </p:cNvPicPr>
+          <p:nvPr/>
+        </p:nvPicPr>
+        <p:blipFill>
+          <a:blip r:embed="rId2" cstate="print">
+            <a:extLst>
+              <a:ext uri="{28A0092B-C50C-407E-A947-70E740481C1C}">
+                <a14:useLocalDpi xmlns:a14="http://schemas.microsoft.com/office/drawing/2010/main" val="0"/>
+              </a:ext>
+            </a:extLst>
+          </a:blip>
+          <a:srcRect/>
+          <a:stretch>
+            <a:fillRect/>
+          </a:stretch>
+        </p:blipFill>
+        <p:spPr bwMode="auto">
+          <a:xfrm>
+            <a:off x="7168836" y="896711"/>
+            <a:ext cx="5019989" cy="5031478"/>
+          </a:xfrm>
+          <a:prstGeom prst="rect">
+            <a:avLst/>
+          </a:prstGeom>
+          <a:noFill/>
+          <a:extLst>
+            <a:ext uri="{909E8E84-426E-40DD-AFC4-6F175D3DCCD1}">
+              <a14:hiddenFill xmlns:a14="http://schemas.microsoft.com/office/drawing/2010/main">
+                <a:solidFill>
+                  <a:srgbClr val="FFFFFF"/>
+                </a:solidFill>
+              </a14:hiddenFill>
+            </a:ext>
+          </a:extLst>
+        </p:spPr>
+      </p:pic>
+    </p:spTree>
+    <p:extLst>
+      <p:ext uri="{BB962C8B-B14F-4D97-AF65-F5344CB8AC3E}">
+        <p14:creationId xmlns:p14="http://schemas.microsoft.com/office/powerpoint/2010/main" val="3588300581"/>
+      </p:ext>
+    </p:extLst>
+  </p:cSld>
+  <p:clrMapOvr>
+    <a:masterClrMapping/>
+  </p:clrMapOvr>
+</p:sld>
+</file>
+
+<file path=ppt/slides/slide11.xml><?xml version="1.0" encoding="utf-8"?>
+<p:sld xmlns:a="http://schemas.openxmlformats.org/drawingml/2006/main" xmlns:r="http://schemas.openxmlformats.org/officeDocument/2006/relationships" xmlns:p="http://schemas.openxmlformats.org/presentationml/2006/main">
+  <p:cSld>
+    <p:spTree>
+      <p:nvGrpSpPr>
+        <p:cNvPr id="1" name=""/>
+        <p:cNvGrpSpPr/>
+        <p:nvPr/>
+      </p:nvGrpSpPr>
+      <p:grpSpPr>
+        <a:xfrm>
+          <a:off x="0" y="0"/>
+          <a:ext cx="0" cy="0"/>
+          <a:chOff x="0" y="0"/>
+          <a:chExt cx="0" cy="0"/>
+        </a:xfrm>
+      </p:grpSpPr>
+      <p:sp>
+        <p:nvSpPr>
+          <p:cNvPr id="2" name="Title 1"/>
+          <p:cNvSpPr>
+            <a:spLocks noGrp="1"/>
+          </p:cNvSpPr>
+          <p:nvPr>
+            <p:ph type="title"/>
+          </p:nvPr>
+        </p:nvSpPr>
+        <p:spPr/>
+        <p:txBody>
+          <a:bodyPr/>
+          <a:lstStyle/>
+          <a:p>
+            <a:r>
+              <a:rPr lang="en-US" dirty="0"/>
+              <a:t>Data analysis workflow : </a:t>
+            </a:r>
+            <a:r>
+              <a:rPr lang="en-US" dirty="0" smtClean="0"/>
+              <a:t>Validation loss by strategy</a:t>
+            </a:r>
+            <a:endParaRPr lang="en-US" dirty="0"/>
+          </a:p>
+        </p:txBody>
+      </p:sp>
+      <p:pic>
+        <p:nvPicPr>
+          <p:cNvPr id="4101" name="Picture 5" descr="https://lh5.googleusercontent.com/sub9rASlsHdleL3QXBLKKBRSzLQtWaDgMYcUAOwpCcaltLJx9fz6cXcmJE1r176eiSp5BwatDTLJj1_HF18zyz4lAs9ofR_Qid2m-Tk6uiNLpsfss_J_uxr7hfO9Gz4JggiY_5rz"/>
+          <p:cNvPicPr>
+            <a:picLocks noChangeAspect="1" noChangeArrowheads="1"/>
+          </p:cNvPicPr>
+          <p:nvPr/>
+        </p:nvPicPr>
+        <p:blipFill>
+          <a:blip r:embed="rId2" cstate="print">
+            <a:extLst>
+              <a:ext uri="{28A0092B-C50C-407E-A947-70E740481C1C}">
+                <a14:useLocalDpi xmlns:a14="http://schemas.microsoft.com/office/drawing/2010/main" val="0"/>
+              </a:ext>
+            </a:extLst>
+          </a:blip>
+          <a:srcRect/>
+          <a:stretch>
+            <a:fillRect/>
+          </a:stretch>
+        </p:blipFill>
+        <p:spPr bwMode="auto">
+          <a:xfrm>
+            <a:off x="3634702" y="1029639"/>
+            <a:ext cx="2625870" cy="2639405"/>
+          </a:xfrm>
+          <a:prstGeom prst="rect">
+            <a:avLst/>
+          </a:prstGeom>
+          <a:noFill/>
+          <a:extLst>
+            <a:ext uri="{909E8E84-426E-40DD-AFC4-6F175D3DCCD1}">
+              <a14:hiddenFill xmlns:a14="http://schemas.microsoft.com/office/drawing/2010/main">
+                <a:solidFill>
+                  <a:srgbClr val="FFFFFF"/>
+                </a:solidFill>
+              </a14:hiddenFill>
+            </a:ext>
+          </a:extLst>
+        </p:spPr>
+      </p:pic>
+      <p:pic>
+        <p:nvPicPr>
+          <p:cNvPr id="4102" name="Picture 6" descr="https://lh3.googleusercontent.com/x9tp3zV5jOlrj1ib_v0Avi2ZDY6yrtuCYpUws9bqOlPVf4zg3vevFY5E1VZfQOJw0FZZbXA9Brkp6RRU0MwFa9-GmAnzKkYxZw9LtYYF4b_QcFwFdJqUlt5pl_xvUDewgcmThOuA"/>
+          <p:cNvPicPr>
+            <a:picLocks noChangeAspect="1" noChangeArrowheads="1"/>
+          </p:cNvPicPr>
+          <p:nvPr/>
+        </p:nvPicPr>
+        <p:blipFill>
+          <a:blip r:embed="rId3" cstate="print">
+            <a:extLst>
+              <a:ext uri="{28A0092B-C50C-407E-A947-70E740481C1C}">
+                <a14:useLocalDpi xmlns:a14="http://schemas.microsoft.com/office/drawing/2010/main" val="0"/>
+              </a:ext>
+            </a:extLst>
+          </a:blip>
+          <a:srcRect/>
+          <a:stretch>
+            <a:fillRect/>
+          </a:stretch>
+        </p:blipFill>
+        <p:spPr bwMode="auto">
+          <a:xfrm>
+            <a:off x="6615969" y="1029639"/>
+            <a:ext cx="2625870" cy="2639405"/>
+          </a:xfrm>
+          <a:prstGeom prst="rect">
+            <a:avLst/>
+          </a:prstGeom>
+          <a:noFill/>
+          <a:extLst>
+            <a:ext uri="{909E8E84-426E-40DD-AFC4-6F175D3DCCD1}">
+              <a14:hiddenFill xmlns:a14="http://schemas.microsoft.com/office/drawing/2010/main">
+                <a:solidFill>
+                  <a:srgbClr val="FFFFFF"/>
+                </a:solidFill>
+              </a14:hiddenFill>
+            </a:ext>
+          </a:extLst>
+        </p:spPr>
+      </p:pic>
+      <p:pic>
+        <p:nvPicPr>
+          <p:cNvPr id="4103" name="Picture 7" descr="https://lh4.googleusercontent.com/QSZsONTfsZzcr_cWu19JzxMe6R3YCB3reitbpC8LeE1iLupHFJNV36ljRndRtbaKFZLRMEd3k0DpTRLe8wzXsQTco2wlVspn6OLkYPN8jyrA3QKbPHgLHf4CNi0j44nVAs5gGsdd"/>
+          <p:cNvPicPr>
+            <a:picLocks noChangeAspect="1" noChangeArrowheads="1"/>
+          </p:cNvPicPr>
+          <p:nvPr/>
+        </p:nvPicPr>
+        <p:blipFill>
+          <a:blip r:embed="rId4" cstate="print">
+            <a:extLst>
+              <a:ext uri="{28A0092B-C50C-407E-A947-70E740481C1C}">
+                <a14:useLocalDpi xmlns:a14="http://schemas.microsoft.com/office/drawing/2010/main" val="0"/>
+              </a:ext>
+            </a:extLst>
+          </a:blip>
+          <a:srcRect/>
+          <a:stretch>
+            <a:fillRect/>
+          </a:stretch>
+        </p:blipFill>
+        <p:spPr bwMode="auto">
+          <a:xfrm>
+            <a:off x="661860" y="3669044"/>
+            <a:ext cx="2625869" cy="2639404"/>
+          </a:xfrm>
+          <a:prstGeom prst="rect">
+            <a:avLst/>
+          </a:prstGeom>
+          <a:noFill/>
+          <a:extLst>
+            <a:ext uri="{909E8E84-426E-40DD-AFC4-6F175D3DCCD1}">
+              <a14:hiddenFill xmlns:a14="http://schemas.microsoft.com/office/drawing/2010/main">
+                <a:solidFill>
+                  <a:srgbClr val="FFFFFF"/>
+                </a:solidFill>
+              </a14:hiddenFill>
+            </a:ext>
+          </a:extLst>
+        </p:spPr>
+      </p:pic>
+      <p:pic>
+        <p:nvPicPr>
+          <p:cNvPr id="4104" name="Picture 8" descr="https://lh4.googleusercontent.com/y1ZlvL9vjgFJDu_MooLQJ4ElKkQnt-a9n7rcu7tlPSm14qq2j7aqj8Dp8efHlYrI6VzEWJ5nvDFeGeeWawFZJvEKy_bZ9_8UXlOBuIMRSMJ8Y78IIxIfQHeuouC0gUZy9BMpJJV9"/>
+          <p:cNvPicPr>
+            <a:picLocks noChangeAspect="1" noChangeArrowheads="1"/>
+          </p:cNvPicPr>
+          <p:nvPr/>
+        </p:nvPicPr>
+        <p:blipFill>
+          <a:blip r:embed="rId5" cstate="print">
+            <a:extLst>
+              <a:ext uri="{28A0092B-C50C-407E-A947-70E740481C1C}">
+                <a14:useLocalDpi xmlns:a14="http://schemas.microsoft.com/office/drawing/2010/main" val="0"/>
+              </a:ext>
+            </a:extLst>
+          </a:blip>
+          <a:srcRect/>
+          <a:stretch>
+            <a:fillRect/>
+          </a:stretch>
+        </p:blipFill>
+        <p:spPr bwMode="auto">
+          <a:xfrm>
+            <a:off x="3634702" y="3669044"/>
+            <a:ext cx="2625870" cy="2639405"/>
+          </a:xfrm>
+          <a:prstGeom prst="rect">
+            <a:avLst/>
+          </a:prstGeom>
+          <a:noFill/>
+          <a:extLst>
+            <a:ext uri="{909E8E84-426E-40DD-AFC4-6F175D3DCCD1}">
+              <a14:hiddenFill xmlns:a14="http://schemas.microsoft.com/office/drawing/2010/main">
+                <a:solidFill>
+                  <a:srgbClr val="FFFFFF"/>
+                </a:solidFill>
+              </a14:hiddenFill>
+            </a:ext>
+          </a:extLst>
+        </p:spPr>
+      </p:pic>
+      <p:pic>
+        <p:nvPicPr>
+          <p:cNvPr id="4100" name="Picture 4" descr="https://lh6.googleusercontent.com/k-u9_MhjxT0LtEbAdFkGxKFpH0Aws_i93a1SYY1w2YqfXePUNjnrbfaK66rfmT1_tNfNxI76Ri5_DHb1hFfbcPY-MnXv1tbkvbqhiDZ7TDLImGeViu023vFd8rtjildnu4txqTOV"/>
+          <p:cNvPicPr>
+            <a:picLocks noChangeAspect="1" noChangeArrowheads="1"/>
+          </p:cNvPicPr>
+          <p:nvPr/>
+        </p:nvPicPr>
+        <p:blipFill>
+          <a:blip r:embed="rId6" cstate="print">
+            <a:extLst>
+              <a:ext uri="{28A0092B-C50C-407E-A947-70E740481C1C}">
+                <a14:useLocalDpi xmlns:a14="http://schemas.microsoft.com/office/drawing/2010/main" val="0"/>
+              </a:ext>
+            </a:extLst>
+          </a:blip>
+          <a:srcRect/>
+          <a:stretch>
+            <a:fillRect/>
+          </a:stretch>
+        </p:blipFill>
+        <p:spPr bwMode="auto">
+          <a:xfrm>
+            <a:off x="661860" y="1029639"/>
+            <a:ext cx="2625870" cy="2639405"/>
+          </a:xfrm>
+          <a:prstGeom prst="rect">
+            <a:avLst/>
+          </a:prstGeom>
+          <a:noFill/>
+          <a:extLst>
+            <a:ext uri="{909E8E84-426E-40DD-AFC4-6F175D3DCCD1}">
+              <a14:hiddenFill xmlns:a14="http://schemas.microsoft.com/office/drawing/2010/main">
+                <a:solidFill>
+                  <a:srgbClr val="FFFFFF"/>
+                </a:solidFill>
+              </a14:hiddenFill>
+            </a:ext>
+          </a:extLst>
+        </p:spPr>
+      </p:pic>
+      <p:sp>
+        <p:nvSpPr>
+          <p:cNvPr id="10" name="Content Placeholder 4"/>
+          <p:cNvSpPr>
+            <a:spLocks noGrp="1"/>
+          </p:cNvSpPr>
+          <p:nvPr>
+            <p:ph idx="1"/>
+          </p:nvPr>
+        </p:nvSpPr>
+        <p:spPr>
+          <a:xfrm>
+            <a:off x="6615969" y="4335694"/>
+            <a:ext cx="5302053" cy="1746607"/>
+          </a:xfrm>
+        </p:spPr>
+        <p:txBody>
+          <a:bodyPr/>
+          <a:lstStyle/>
+          <a:p>
+            <a:r>
+              <a:rPr lang="en-US" dirty="0" smtClean="0"/>
+              <a:t>Typical validation loss is not affected by aggressive early stopping strategies </a:t>
+            </a:r>
+            <a:endParaRPr lang="en-US" dirty="0"/>
+          </a:p>
+        </p:txBody>
+      </p:sp>
+    </p:spTree>
+    <p:extLst>
+      <p:ext uri="{BB962C8B-B14F-4D97-AF65-F5344CB8AC3E}">
+        <p14:creationId xmlns:p14="http://schemas.microsoft.com/office/powerpoint/2010/main" val="4103757583"/>
+      </p:ext>
+    </p:extLst>
+  </p:cSld>
+  <p:clrMapOvr>
+    <a:masterClrMapping/>
+  </p:clrMapOvr>
+</p:sld>
+</file>
+
+<file path=ppt/slides/slide12.xml><?xml version="1.0" encoding="utf-8"?>
+<p:sld xmlns:a="http://schemas.openxmlformats.org/drawingml/2006/main" xmlns:r="http://schemas.openxmlformats.org/officeDocument/2006/relationships" xmlns:p="http://schemas.openxmlformats.org/presentationml/2006/main">
+  <p:cSld>
+    <p:spTree>
+      <p:nvGrpSpPr>
+        <p:cNvPr id="1" name=""/>
+        <p:cNvGrpSpPr/>
+        <p:nvPr/>
+      </p:nvGrpSpPr>
+      <p:grpSpPr>
+        <a:xfrm>
+          <a:off x="0" y="0"/>
+          <a:ext cx="0" cy="0"/>
+          <a:chOff x="0" y="0"/>
+          <a:chExt cx="0" cy="0"/>
+        </a:xfrm>
+      </p:grpSpPr>
+      <p:sp>
+        <p:nvSpPr>
+          <p:cNvPr id="2" name="Title 1"/>
+          <p:cNvSpPr>
+            <a:spLocks noGrp="1"/>
+          </p:cNvSpPr>
+          <p:nvPr>
+            <p:ph type="title"/>
+          </p:nvPr>
+        </p:nvSpPr>
+        <p:spPr/>
+        <p:txBody>
+          <a:bodyPr/>
+          <a:lstStyle/>
+          <a:p>
+            <a:r>
+              <a:rPr lang="en-US" dirty="0"/>
+              <a:t>Data analysis </a:t>
+            </a:r>
+            <a:r>
+              <a:rPr lang="en-US" dirty="0" smtClean="0"/>
+              <a:t>workflow: Finding unexpected data</a:t>
+            </a:r>
+            <a:endParaRPr lang="en-US" dirty="0"/>
+          </a:p>
+        </p:txBody>
+      </p:sp>
+      <p:sp>
+        <p:nvSpPr>
+          <p:cNvPr id="3" name="Content Placeholder 2"/>
+          <p:cNvSpPr>
+            <a:spLocks noGrp="1"/>
+          </p:cNvSpPr>
+          <p:nvPr>
+            <p:ph idx="1"/>
+          </p:nvPr>
+        </p:nvSpPr>
+        <p:spPr>
+          <a:xfrm>
+            <a:off x="365760" y="1475740"/>
+            <a:ext cx="6772107" cy="4047778"/>
+          </a:xfrm>
+        </p:spPr>
+        <p:txBody>
+          <a:bodyPr/>
+          <a:lstStyle/>
+          <a:p>
+            <a:r>
+              <a:rPr lang="en-US" dirty="0" smtClean="0"/>
+              <a:t>Given that </a:t>
+            </a:r>
+            <a:r>
+              <a:rPr lang="en-US" dirty="0" err="1" smtClean="0"/>
+              <a:t>val_loss</a:t>
+            </a:r>
+            <a:r>
+              <a:rPr lang="en-US" dirty="0" smtClean="0"/>
+              <a:t> can increase from one stage to the next, how often does this happen?</a:t>
+            </a:r>
+          </a:p>
+          <a:p>
+            <a:r>
+              <a:rPr lang="en-US" dirty="0" smtClean="0"/>
+              <a:t>Answer: almost 50% of the time</a:t>
+            </a:r>
+          </a:p>
+          <a:p>
+            <a:r>
+              <a:rPr lang="en-US" dirty="0" smtClean="0"/>
+              <a:t>Need to prioritize data subsets that produce the largest </a:t>
+            </a:r>
+            <a:r>
+              <a:rPr lang="en-US" dirty="0" err="1" smtClean="0"/>
+              <a:t>val_loss</a:t>
+            </a:r>
+            <a:r>
+              <a:rPr lang="en-US" dirty="0" smtClean="0"/>
+              <a:t> impacts</a:t>
+            </a:r>
+            <a:endParaRPr lang="en-US" dirty="0"/>
+          </a:p>
+        </p:txBody>
+      </p:sp>
+      <p:pic>
+        <p:nvPicPr>
+          <p:cNvPr id="1026" name="Picture 2" descr="C:\cygwin\home\wozniak\collab\papers\candle\2019\RSIF\plots\increase-deltas.png"/>
+          <p:cNvPicPr>
+            <a:picLocks noChangeAspect="1" noChangeArrowheads="1"/>
+          </p:cNvPicPr>
+          <p:nvPr/>
+        </p:nvPicPr>
+        <p:blipFill>
+          <a:blip r:embed="rId2" cstate="print">
+            <a:extLst>
+              <a:ext uri="{28A0092B-C50C-407E-A947-70E740481C1C}">
+                <a14:useLocalDpi xmlns:a14="http://schemas.microsoft.com/office/drawing/2010/main" val="0"/>
+              </a:ext>
+            </a:extLst>
+          </a:blip>
+          <a:srcRect/>
+          <a:stretch>
+            <a:fillRect/>
+          </a:stretch>
+        </p:blipFill>
+        <p:spPr bwMode="auto">
+          <a:xfrm>
+            <a:off x="7137867" y="957815"/>
+            <a:ext cx="4867631" cy="4867631"/>
+          </a:xfrm>
+          <a:prstGeom prst="rect">
+            <a:avLst/>
+          </a:prstGeom>
+          <a:noFill/>
+          <a:extLst>
+            <a:ext uri="{909E8E84-426E-40DD-AFC4-6F175D3DCCD1}">
+              <a14:hiddenFill xmlns:a14="http://schemas.microsoft.com/office/drawing/2010/main">
+                <a:solidFill>
+                  <a:srgbClr val="FFFFFF"/>
+                </a:solidFill>
+              </a14:hiddenFill>
+            </a:ext>
+          </a:extLst>
+        </p:spPr>
+      </p:pic>
+    </p:spTree>
+    <p:extLst>
+      <p:ext uri="{BB962C8B-B14F-4D97-AF65-F5344CB8AC3E}">
+        <p14:creationId xmlns:p14="http://schemas.microsoft.com/office/powerpoint/2010/main" val="224055296"/>
+      </p:ext>
+    </p:extLst>
+  </p:cSld>
+  <p:clrMapOvr>
+    <a:masterClrMapping/>
+  </p:clrMapOvr>
+</p:sld>
+</file>
+
+<file path=ppt/slides/slide13.xml><?xml version="1.0" encoding="utf-8"?>
+<p:sld xmlns:a="http://schemas.openxmlformats.org/drawingml/2006/main" xmlns:r="http://schemas.openxmlformats.org/officeDocument/2006/relationships" xmlns:p="http://schemas.openxmlformats.org/presentationml/2006/main">
+  <p:cSld>
+    <p:spTree>
+      <p:nvGrpSpPr>
+        <p:cNvPr id="1" name=""/>
+        <p:cNvGrpSpPr/>
+        <p:nvPr/>
+      </p:nvGrpSpPr>
+      <p:grpSpPr>
+        <a:xfrm>
+          <a:off x="0" y="0"/>
+          <a:ext cx="0" cy="0"/>
+          <a:chOff x="0" y="0"/>
+          <a:chExt cx="0" cy="0"/>
+        </a:xfrm>
+      </p:grpSpPr>
+      <p:sp>
+        <p:nvSpPr>
+          <p:cNvPr id="2" name="Title 1"/>
+          <p:cNvSpPr>
+            <a:spLocks noGrp="1"/>
+          </p:cNvSpPr>
+          <p:nvPr>
+            <p:ph type="title"/>
+          </p:nvPr>
+        </p:nvSpPr>
+        <p:spPr/>
+        <p:txBody>
+          <a:bodyPr/>
+          <a:lstStyle/>
+          <a:p>
+            <a:r>
+              <a:rPr lang="en-US" dirty="0"/>
+              <a:t>Data analysis </a:t>
+            </a:r>
+            <a:r>
+              <a:rPr lang="en-US" dirty="0" smtClean="0"/>
+              <a:t>workflow: Outlier level</a:t>
+            </a:r>
+            <a:endParaRPr lang="en-US" dirty="0"/>
+          </a:p>
+        </p:txBody>
+      </p:sp>
+      <p:sp>
+        <p:nvSpPr>
+          <p:cNvPr id="3" name="Content Placeholder 2"/>
+          <p:cNvSpPr>
+            <a:spLocks noGrp="1"/>
+          </p:cNvSpPr>
+          <p:nvPr>
+            <p:ph idx="1"/>
+          </p:nvPr>
+        </p:nvSpPr>
+        <p:spPr>
+          <a:xfrm>
+            <a:off x="365760" y="1475740"/>
+            <a:ext cx="7360405" cy="4047778"/>
+          </a:xfrm>
+        </p:spPr>
+        <p:txBody>
+          <a:bodyPr/>
+          <a:lstStyle/>
+          <a:p>
+            <a:r>
+              <a:rPr lang="en-US" dirty="0" smtClean="0"/>
+              <a:t>Want to find largest relative </a:t>
+            </a:r>
+            <a:r>
+              <a:rPr lang="en-US" dirty="0" err="1" smtClean="0"/>
+              <a:t>val_loss</a:t>
+            </a:r>
+            <a:r>
+              <a:rPr lang="en-US" dirty="0" smtClean="0"/>
+              <a:t> increases in child stages by strategy</a:t>
+            </a:r>
+          </a:p>
+          <a:p>
+            <a:r>
+              <a:rPr lang="en-US" dirty="0" smtClean="0"/>
+              <a:t>Defined outlier level as </a:t>
+            </a:r>
+          </a:p>
+          <a:p>
+            <a:pPr marL="0" indent="0" algn="ctr">
+              <a:buNone/>
+            </a:pPr>
+            <a:r>
+              <a:rPr lang="en-US" i="1" dirty="0" err="1" smtClean="0">
+                <a:latin typeface="Cambria Math" panose="02040503050406030204" pitchFamily="18" charset="0"/>
+                <a:ea typeface="Cambria Math" panose="02040503050406030204" pitchFamily="18" charset="0"/>
+                <a:cs typeface="Times New Roman" panose="02020603050405020304" pitchFamily="18" charset="0"/>
+              </a:rPr>
+              <a:t>val_loss</a:t>
+            </a:r>
+            <a:r>
+              <a:rPr lang="en-US" i="1" dirty="0" smtClean="0">
+                <a:latin typeface="Cambria Math" panose="02040503050406030204" pitchFamily="18" charset="0"/>
+                <a:ea typeface="Cambria Math" panose="02040503050406030204" pitchFamily="18" charset="0"/>
+                <a:cs typeface="Times New Roman" panose="02020603050405020304" pitchFamily="18" charset="0"/>
+              </a:rPr>
+              <a:t>[stage] / </a:t>
+            </a:r>
+            <a:r>
+              <a:rPr lang="en-US" i="1" dirty="0" err="1" smtClean="0">
+                <a:latin typeface="Cambria Math" panose="02040503050406030204" pitchFamily="18" charset="0"/>
+                <a:ea typeface="Cambria Math" panose="02040503050406030204" pitchFamily="18" charset="0"/>
+                <a:cs typeface="Times New Roman" panose="02020603050405020304" pitchFamily="18" charset="0"/>
+              </a:rPr>
+              <a:t>val_loss</a:t>
+            </a:r>
+            <a:r>
+              <a:rPr lang="en-US" i="1" dirty="0" smtClean="0">
+                <a:latin typeface="Cambria Math" panose="02040503050406030204" pitchFamily="18" charset="0"/>
+                <a:ea typeface="Cambria Math" panose="02040503050406030204" pitchFamily="18" charset="0"/>
+                <a:cs typeface="Times New Roman" panose="02020603050405020304" pitchFamily="18" charset="0"/>
+              </a:rPr>
+              <a:t>[stage-1]</a:t>
+            </a:r>
+            <a:r>
+              <a:rPr lang="en-US" dirty="0" smtClean="0"/>
+              <a:t> </a:t>
+            </a:r>
+          </a:p>
+          <a:p>
+            <a:r>
+              <a:rPr lang="en-US" dirty="0" smtClean="0"/>
+              <a:t>Very few workflow nodes have a high outlier level </a:t>
+            </a:r>
+          </a:p>
+          <a:p>
+            <a:r>
+              <a:rPr lang="en-US" dirty="0" smtClean="0"/>
+              <a:t>Greatly reduces the work needed to find unexpected data</a:t>
+            </a:r>
+            <a:endParaRPr lang="en-US" dirty="0"/>
+          </a:p>
+        </p:txBody>
+      </p:sp>
+      <p:pic>
+        <p:nvPicPr>
+          <p:cNvPr id="2050" name="Picture 2" descr="C:\cygwin\home\wozniak\collab\papers\candle\2019\RSIF\plots\outliers.png"/>
+          <p:cNvPicPr>
+            <a:picLocks noChangeAspect="1" noChangeArrowheads="1"/>
+          </p:cNvPicPr>
+          <p:nvPr/>
+        </p:nvPicPr>
+        <p:blipFill>
+          <a:blip r:embed="rId2" cstate="print">
+            <a:extLst>
+              <a:ext uri="{28A0092B-C50C-407E-A947-70E740481C1C}">
+                <a14:useLocalDpi xmlns:a14="http://schemas.microsoft.com/office/drawing/2010/main" val="0"/>
+              </a:ext>
+            </a:extLst>
+          </a:blip>
+          <a:srcRect/>
+          <a:stretch>
+            <a:fillRect/>
+          </a:stretch>
+        </p:blipFill>
+        <p:spPr bwMode="auto">
+          <a:xfrm>
+            <a:off x="7726165" y="1542620"/>
+            <a:ext cx="4231455" cy="4231455"/>
+          </a:xfrm>
+          <a:prstGeom prst="rect">
+            <a:avLst/>
+          </a:prstGeom>
+          <a:noFill/>
+          <a:extLst>
+            <a:ext uri="{909E8E84-426E-40DD-AFC4-6F175D3DCCD1}">
+              <a14:hiddenFill xmlns:a14="http://schemas.microsoft.com/office/drawing/2010/main">
+                <a:solidFill>
+                  <a:srgbClr val="FFFFFF"/>
+                </a:solidFill>
+              </a14:hiddenFill>
+            </a:ext>
+          </a:extLst>
+        </p:spPr>
+      </p:pic>
+    </p:spTree>
+    <p:extLst>
+      <p:ext uri="{BB962C8B-B14F-4D97-AF65-F5344CB8AC3E}">
+        <p14:creationId xmlns:p14="http://schemas.microsoft.com/office/powerpoint/2010/main" val="2085383580"/>
+      </p:ext>
+    </p:extLst>
+  </p:cSld>
+  <p:clrMapOvr>
+    <a:masterClrMapping/>
+  </p:clrMapOvr>
+</p:sld>
+</file>
+
+<file path=ppt/slides/slide14.xml><?xml version="1.0" encoding="utf-8"?>
+<p:sld xmlns:a="http://schemas.openxmlformats.org/drawingml/2006/main" xmlns:r="http://schemas.openxmlformats.org/officeDocument/2006/relationships" xmlns:p="http://schemas.openxmlformats.org/presentationml/2006/main">
+  <p:cSld>
+    <p:spTree>
+      <p:nvGrpSpPr>
+        <p:cNvPr id="1" name=""/>
+        <p:cNvGrpSpPr/>
+        <p:nvPr/>
+      </p:nvGrpSpPr>
+      <p:grpSpPr>
+        <a:xfrm>
+          <a:off x="0" y="0"/>
+          <a:ext cx="0" cy="0"/>
+          <a:chOff x="0" y="0"/>
+          <a:chExt cx="0" cy="0"/>
+        </a:xfrm>
+      </p:grpSpPr>
+      <p:sp>
+        <p:nvSpPr>
+          <p:cNvPr id="2" name="Title 1"/>
+          <p:cNvSpPr>
+            <a:spLocks noGrp="1"/>
+          </p:cNvSpPr>
+          <p:nvPr>
+            <p:ph type="title"/>
+          </p:nvPr>
+        </p:nvSpPr>
+        <p:spPr/>
+        <p:txBody>
+          <a:bodyPr/>
+          <a:lstStyle/>
+          <a:p>
+            <a:r>
+              <a:rPr lang="en-US" dirty="0" smtClean="0"/>
+              <a:t>CANDLE Restart Database</a:t>
             </a:r>
             <a:endParaRPr lang="en-US" dirty="0"/>
           </a:p>
@@ -3447,7 +4228,247 @@
           <a:bodyPr/>
           <a:lstStyle/>
           <a:p>
-            <a:endParaRPr lang="en-US"/>
+            <a:r>
+              <a:rPr lang="en-US" dirty="0" smtClean="0"/>
+              <a:t>All trial runs in the data analysis workflow record progress in a SQLite database </a:t>
+            </a:r>
+          </a:p>
+          <a:p>
+            <a:r>
+              <a:rPr lang="en-US" dirty="0" smtClean="0"/>
+              <a:t>Access is concurrent to the tasks, serialized by the Swift/T workflow</a:t>
+            </a:r>
+          </a:p>
+          <a:p>
+            <a:r>
+              <a:rPr lang="en-US" dirty="0" smtClean="0"/>
+              <a:t>Accessed using Python SQLite API</a:t>
+            </a:r>
+          </a:p>
+          <a:p>
+            <a:r>
+              <a:rPr lang="en-US" dirty="0" smtClean="0"/>
+              <a:t>Logs task start/stop status</a:t>
+            </a:r>
+          </a:p>
+          <a:p>
+            <a:r>
+              <a:rPr lang="en-US" dirty="0" smtClean="0"/>
+              <a:t>Enables progress statistics and restarts</a:t>
+            </a:r>
+          </a:p>
+          <a:p>
+            <a:endParaRPr lang="en-US" dirty="0"/>
+          </a:p>
+        </p:txBody>
+      </p:sp>
+    </p:spTree>
+    <p:extLst>
+      <p:ext uri="{BB962C8B-B14F-4D97-AF65-F5344CB8AC3E}">
+        <p14:creationId xmlns:p14="http://schemas.microsoft.com/office/powerpoint/2010/main" val="3775254565"/>
+      </p:ext>
+    </p:extLst>
+  </p:cSld>
+  <p:clrMapOvr>
+    <a:masterClrMapping/>
+  </p:clrMapOvr>
+</p:sld>
+</file>
+
+<file path=ppt/slides/slide15.xml><?xml version="1.0" encoding="utf-8"?>
+<p:sld xmlns:a="http://schemas.openxmlformats.org/drawingml/2006/main" xmlns:r="http://schemas.openxmlformats.org/officeDocument/2006/relationships" xmlns:p="http://schemas.openxmlformats.org/presentationml/2006/main">
+  <p:cSld>
+    <p:spTree>
+      <p:nvGrpSpPr>
+        <p:cNvPr id="1" name=""/>
+        <p:cNvGrpSpPr/>
+        <p:nvPr/>
+      </p:nvGrpSpPr>
+      <p:grpSpPr>
+        <a:xfrm>
+          <a:off x="0" y="0"/>
+          <a:ext cx="0" cy="0"/>
+          <a:chOff x="0" y="0"/>
+          <a:chExt cx="0" cy="0"/>
+        </a:xfrm>
+      </p:grpSpPr>
+      <p:sp>
+        <p:nvSpPr>
+          <p:cNvPr id="2" name="Title 1"/>
+          <p:cNvSpPr>
+            <a:spLocks noGrp="1"/>
+          </p:cNvSpPr>
+          <p:nvPr>
+            <p:ph type="title"/>
+          </p:nvPr>
+        </p:nvSpPr>
+        <p:spPr/>
+        <p:txBody>
+          <a:bodyPr/>
+          <a:lstStyle/>
+          <a:p>
+            <a:r>
+              <a:rPr lang="en-US" dirty="0" smtClean="0"/>
+              <a:t>Job ramp-up – efficient use of the machine</a:t>
+            </a:r>
+            <a:endParaRPr lang="en-US" dirty="0"/>
+          </a:p>
+        </p:txBody>
+      </p:sp>
+      <p:sp>
+        <p:nvSpPr>
+          <p:cNvPr id="3" name="Content Placeholder 2"/>
+          <p:cNvSpPr>
+            <a:spLocks noGrp="1"/>
+          </p:cNvSpPr>
+          <p:nvPr>
+            <p:ph idx="1"/>
+          </p:nvPr>
+        </p:nvSpPr>
+        <p:spPr/>
+        <p:txBody>
+          <a:bodyPr/>
+          <a:lstStyle/>
+          <a:p>
+            <a:r>
+              <a:rPr lang="en-US" dirty="0" smtClean="0"/>
+              <a:t>Typical runs start with 4 trained models, then 16, 64, …</a:t>
+            </a:r>
+          </a:p>
+          <a:p>
+            <a:r>
+              <a:rPr lang="en-US" dirty="0" smtClean="0"/>
+              <a:t>Total run over 1000 models</a:t>
+            </a:r>
+          </a:p>
+          <a:p>
+            <a:r>
+              <a:rPr lang="en-US" dirty="0" smtClean="0"/>
+              <a:t>User can easily specify a prior run to use as a restart location</a:t>
+            </a:r>
+          </a:p>
+          <a:p>
+            <a:r>
+              <a:rPr lang="en-US" dirty="0" smtClean="0"/>
+              <a:t>Output files and logs are archived for later reference</a:t>
+            </a:r>
+          </a:p>
+          <a:p>
+            <a:r>
+              <a:rPr lang="en-US" dirty="0" smtClean="0"/>
+              <a:t>We also prototyped functionality to automatically restart on job completion with a larger allocation</a:t>
+            </a:r>
+            <a:endParaRPr lang="en-US" dirty="0"/>
+          </a:p>
+        </p:txBody>
+      </p:sp>
+    </p:spTree>
+    <p:extLst>
+      <p:ext uri="{BB962C8B-B14F-4D97-AF65-F5344CB8AC3E}">
+        <p14:creationId xmlns:p14="http://schemas.microsoft.com/office/powerpoint/2010/main" val="2927020242"/>
+      </p:ext>
+    </p:extLst>
+  </p:cSld>
+  <p:clrMapOvr>
+    <a:masterClrMapping/>
+  </p:clrMapOvr>
+</p:sld>
+</file>
+
+<file path=ppt/slides/slide16.xml><?xml version="1.0" encoding="utf-8"?>
+<p:sld xmlns:a="http://schemas.openxmlformats.org/drawingml/2006/main" xmlns:r="http://schemas.openxmlformats.org/officeDocument/2006/relationships" xmlns:p="http://schemas.openxmlformats.org/presentationml/2006/main">
+  <p:cSld>
+    <p:spTree>
+      <p:nvGrpSpPr>
+        <p:cNvPr id="1" name=""/>
+        <p:cNvGrpSpPr/>
+        <p:nvPr/>
+      </p:nvGrpSpPr>
+      <p:grpSpPr>
+        <a:xfrm>
+          <a:off x="0" y="0"/>
+          <a:ext cx="0" cy="0"/>
+          <a:chOff x="0" y="0"/>
+          <a:chExt cx="0" cy="0"/>
+        </a:xfrm>
+      </p:grpSpPr>
+      <p:sp>
+        <p:nvSpPr>
+          <p:cNvPr id="2" name="Title 1"/>
+          <p:cNvSpPr>
+            <a:spLocks noGrp="1"/>
+          </p:cNvSpPr>
+          <p:nvPr>
+            <p:ph type="title"/>
+          </p:nvPr>
+        </p:nvSpPr>
+        <p:spPr/>
+        <p:txBody>
+          <a:bodyPr/>
+          <a:lstStyle/>
+          <a:p>
+            <a:r>
+              <a:rPr lang="en-US" dirty="0" smtClean="0"/>
+              <a:t>Summary and future work</a:t>
+            </a:r>
+            <a:endParaRPr lang="en-US" dirty="0"/>
+          </a:p>
+        </p:txBody>
+      </p:sp>
+      <p:sp>
+        <p:nvSpPr>
+          <p:cNvPr id="3" name="Content Placeholder 2"/>
+          <p:cNvSpPr>
+            <a:spLocks noGrp="1"/>
+          </p:cNvSpPr>
+          <p:nvPr>
+            <p:ph idx="1"/>
+          </p:nvPr>
+        </p:nvSpPr>
+        <p:spPr/>
+        <p:txBody>
+          <a:bodyPr/>
+          <a:lstStyle/>
+          <a:p>
+            <a:r>
+              <a:rPr lang="en-US" dirty="0" smtClean="0"/>
+              <a:t>CANDLE/Supervisor enables deep learning studies to be quickly developed and deployed on large-scale systems like Summit</a:t>
+            </a:r>
+          </a:p>
+          <a:p>
+            <a:r>
+              <a:rPr lang="en-US" dirty="0" smtClean="0"/>
+              <a:t>Investigated the Uno dataset to find data subsets that most significantly impact training accuracy</a:t>
+            </a:r>
+          </a:p>
+          <a:p>
+            <a:r>
+              <a:rPr lang="en-US" dirty="0" smtClean="0"/>
+              <a:t>Found that a very small number of records have a big impact</a:t>
+            </a:r>
+          </a:p>
+          <a:p>
+            <a:r>
+              <a:rPr lang="en-US" dirty="0" smtClean="0"/>
+              <a:t>Described the workflow implementation and database infrastructure</a:t>
+            </a:r>
+          </a:p>
+          <a:p>
+            <a:endParaRPr lang="en-US" dirty="0"/>
+          </a:p>
+          <a:p>
+            <a:r>
+              <a:rPr lang="en-US" dirty="0" smtClean="0"/>
+              <a:t>Future work: Apply </a:t>
+            </a:r>
+            <a:r>
+              <a:rPr lang="en-US" smtClean="0"/>
+              <a:t>these techniques to other deep learning apps</a:t>
+            </a:r>
+            <a:endParaRPr lang="en-US" dirty="0" smtClean="0"/>
+          </a:p>
+          <a:p>
+            <a:endParaRPr lang="en-US" dirty="0"/>
           </a:p>
         </p:txBody>
       </p:sp>
@@ -3464,7 +4485,7 @@
 </p:sld>
 </file>
 
-<file path=ppt/slides/slide11.xml><?xml version="1.0" encoding="utf-8"?>
+<file path=ppt/slides/slide17.xml><?xml version="1.0" encoding="utf-8"?>
 <p:sld xmlns:a="http://schemas.openxmlformats.org/drawingml/2006/main" xmlns:r="http://schemas.openxmlformats.org/officeDocument/2006/relationships" xmlns:p="http://schemas.openxmlformats.org/presentationml/2006/main">
   <p:cSld>
     <p:spTree>
@@ -3686,6 +4707,16 @@
             </a:r>
           </a:p>
           <a:p>
+            <a:r>
+              <a:rPr lang="en-US" dirty="0" smtClean="0"/>
+              <a:t>Implementation</a:t>
+            </a:r>
+          </a:p>
+          <a:p>
+            <a:r>
+              <a:rPr lang="en-US" dirty="0" smtClean="0"/>
+              <a:t>Results from epoch strategy experiments</a:t>
+            </a:r>
             <a:endParaRPr lang="en-US" dirty="0"/>
           </a:p>
           <a:p>
@@ -3733,6 +4764,1929 @@
             <p:ph type="title"/>
           </p:nvPr>
         </p:nvSpPr>
+        <p:spPr>
+          <a:xfrm>
+            <a:off x="257265" y="323009"/>
+            <a:ext cx="10510124" cy="510909"/>
+          </a:xfrm>
+        </p:spPr>
+        <p:txBody>
+          <a:bodyPr/>
+          <a:lstStyle/>
+          <a:p>
+            <a:r>
+              <a:rPr lang="en-US" b="1" dirty="0" smtClean="0"/>
+              <a:t>Uno Model for Cancer </a:t>
+            </a:r>
+            <a:r>
+              <a:rPr lang="en-US" b="1" dirty="0"/>
+              <a:t>Drug Response</a:t>
+            </a:r>
+          </a:p>
+        </p:txBody>
+      </p:sp>
+      <p:sp>
+        <p:nvSpPr>
+          <p:cNvPr id="4" name="Slide Number Placeholder 2"/>
+          <p:cNvSpPr>
+            <a:spLocks noGrp="1"/>
+          </p:cNvSpPr>
+          <p:nvPr>
+            <p:ph type="sldNum" sz="quarter" idx="4294967295"/>
+          </p:nvPr>
+        </p:nvSpPr>
+        <p:spPr>
+          <a:xfrm>
+            <a:off x="9064665" y="6293164"/>
+            <a:ext cx="2741772" cy="365030"/>
+          </a:xfrm>
+          <a:prstGeom prst="rect">
+            <a:avLst/>
+          </a:prstGeom>
+        </p:spPr>
+        <p:txBody>
+          <a:bodyPr/>
+          <a:lstStyle/>
+          <a:p>
+            <a:pPr defTabSz="914126">
+              <a:defRPr/>
+            </a:pPr>
+            <a:fld id="{AB88A6C8-59D7-4462-A495-42E1DF11019D}" type="slidenum">
+              <a:rPr lang="en-US">
+                <a:solidFill>
+                  <a:prstClr val="black">
+                    <a:tint val="75000"/>
+                  </a:prstClr>
+                </a:solidFill>
+                <a:latin typeface="Calibri" panose="020F0502020204030204"/>
+                <a:cs typeface="Arial" charset="0"/>
+              </a:rPr>
+              <a:pPr defTabSz="914126">
+                <a:defRPr/>
+              </a:pPr>
+              <a:t>3</a:t>
+            </a:fld>
+            <a:endParaRPr lang="en-US">
+              <a:solidFill>
+                <a:prstClr val="black">
+                  <a:tint val="75000"/>
+                </a:prstClr>
+              </a:solidFill>
+              <a:latin typeface="Calibri" panose="020F0502020204030204"/>
+              <a:cs typeface="Arial" charset="0"/>
+            </a:endParaRPr>
+          </a:p>
+        </p:txBody>
+      </p:sp>
+      <p:sp>
+        <p:nvSpPr>
+          <p:cNvPr id="5" name="TextBox 4"/>
+          <p:cNvSpPr txBox="1"/>
+          <p:nvPr/>
+        </p:nvSpPr>
+        <p:spPr>
+          <a:xfrm>
+            <a:off x="4454171" y="2987009"/>
+            <a:ext cx="3070075" cy="923090"/>
+          </a:xfrm>
+          <a:prstGeom prst="rect">
+            <a:avLst/>
+          </a:prstGeom>
+          <a:noFill/>
+        </p:spPr>
+        <p:txBody>
+          <a:bodyPr wrap="none" rtlCol="0">
+            <a:spAutoFit/>
+          </a:bodyPr>
+          <a:lstStyle/>
+          <a:p>
+            <a:pPr defTabSz="914126">
+              <a:defRPr/>
+            </a:pPr>
+            <a:r>
+              <a:rPr lang="en-US" sz="4399" i="1">
+                <a:solidFill>
+                  <a:prstClr val="black"/>
+                </a:solidFill>
+                <a:latin typeface="Calibri" panose="020F0502020204030204"/>
+                <a:cs typeface="Arial" charset="0"/>
+              </a:rPr>
+              <a:t>𝓡 =</a:t>
+            </a:r>
+            <a:r>
+              <a:rPr lang="en-US" sz="5398" b="1" i="1">
+                <a:solidFill>
+                  <a:prstClr val="black"/>
+                </a:solidFill>
+                <a:latin typeface="Calibri" panose="020F0502020204030204"/>
+                <a:cs typeface="Arial" charset="0"/>
+              </a:rPr>
+              <a:t> 𝑓</a:t>
+            </a:r>
+            <a:r>
+              <a:rPr lang="en-US" sz="4399" i="1">
+                <a:solidFill>
+                  <a:prstClr val="black"/>
+                </a:solidFill>
+                <a:latin typeface="Calibri" panose="020F0502020204030204"/>
+                <a:cs typeface="Arial" charset="0"/>
+              </a:rPr>
+              <a:t>(𝓣, 𝓓)</a:t>
+            </a:r>
+          </a:p>
+        </p:txBody>
+      </p:sp>
+      <p:sp>
+        <p:nvSpPr>
+          <p:cNvPr id="6" name="TextBox 5"/>
+          <p:cNvSpPr txBox="1"/>
+          <p:nvPr/>
+        </p:nvSpPr>
+        <p:spPr>
+          <a:xfrm>
+            <a:off x="5947695" y="4385295"/>
+            <a:ext cx="2286614" cy="1476943"/>
+          </a:xfrm>
+          <a:prstGeom prst="rect">
+            <a:avLst/>
+          </a:prstGeom>
+          <a:noFill/>
+        </p:spPr>
+        <p:txBody>
+          <a:bodyPr wrap="none" rtlCol="0">
+            <a:spAutoFit/>
+          </a:bodyPr>
+          <a:lstStyle/>
+          <a:p>
+            <a:pPr defTabSz="914126">
+              <a:defRPr/>
+            </a:pPr>
+            <a:r>
+              <a:rPr lang="en-US" sz="1799">
+                <a:solidFill>
+                  <a:prstClr val="black"/>
+                </a:solidFill>
+                <a:latin typeface="Calibri" panose="020F0502020204030204"/>
+                <a:cs typeface="Arial" charset="0"/>
+              </a:rPr>
+              <a:t>gene expression levels</a:t>
+            </a:r>
+          </a:p>
+          <a:p>
+            <a:pPr defTabSz="914126">
+              <a:defRPr/>
+            </a:pPr>
+            <a:r>
+              <a:rPr lang="en-US" sz="1799">
+                <a:solidFill>
+                  <a:prstClr val="black"/>
+                </a:solidFill>
+                <a:latin typeface="Calibri" panose="020F0502020204030204"/>
+                <a:cs typeface="Arial" charset="0"/>
+              </a:rPr>
+              <a:t>SNPs</a:t>
+            </a:r>
+          </a:p>
+          <a:p>
+            <a:pPr defTabSz="914126">
+              <a:defRPr/>
+            </a:pPr>
+            <a:r>
+              <a:rPr lang="en-US" sz="1799">
+                <a:solidFill>
+                  <a:prstClr val="black"/>
+                </a:solidFill>
+                <a:latin typeface="Calibri" panose="020F0502020204030204"/>
+                <a:cs typeface="Arial" charset="0"/>
+              </a:rPr>
+              <a:t>protein abundance</a:t>
+            </a:r>
+          </a:p>
+          <a:p>
+            <a:pPr defTabSz="914126">
+              <a:defRPr/>
+            </a:pPr>
+            <a:r>
+              <a:rPr lang="en-US" sz="1799">
+                <a:solidFill>
+                  <a:prstClr val="black"/>
+                </a:solidFill>
+                <a:latin typeface="Calibri" panose="020F0502020204030204"/>
+                <a:cs typeface="Arial" charset="0"/>
+              </a:rPr>
+              <a:t>microRNA</a:t>
+            </a:r>
+          </a:p>
+          <a:p>
+            <a:pPr defTabSz="914126">
+              <a:defRPr/>
+            </a:pPr>
+            <a:r>
+              <a:rPr lang="en-US" sz="1799">
+                <a:solidFill>
+                  <a:prstClr val="black"/>
+                </a:solidFill>
+                <a:latin typeface="Calibri" panose="020F0502020204030204"/>
+                <a:cs typeface="Arial" charset="0"/>
+              </a:rPr>
+              <a:t>methylation</a:t>
+            </a:r>
+          </a:p>
+        </p:txBody>
+      </p:sp>
+      <p:sp>
+        <p:nvSpPr>
+          <p:cNvPr id="7" name="TextBox 6"/>
+          <p:cNvSpPr txBox="1"/>
+          <p:nvPr/>
+        </p:nvSpPr>
+        <p:spPr>
+          <a:xfrm>
+            <a:off x="4439236" y="4495035"/>
+            <a:ext cx="1073091" cy="1476686"/>
+          </a:xfrm>
+          <a:prstGeom prst="rect">
+            <a:avLst/>
+          </a:prstGeom>
+          <a:noFill/>
+        </p:spPr>
+        <p:txBody>
+          <a:bodyPr wrap="none" rtlCol="0">
+            <a:spAutoFit/>
+          </a:bodyPr>
+          <a:lstStyle/>
+          <a:p>
+            <a:pPr defTabSz="914126">
+              <a:defRPr/>
+            </a:pPr>
+            <a:r>
+              <a:rPr lang="en-US" sz="1799" dirty="0">
+                <a:solidFill>
+                  <a:prstClr val="black"/>
+                </a:solidFill>
+                <a:latin typeface="Calibri" panose="020F0502020204030204"/>
+                <a:cs typeface="Arial" charset="0"/>
+              </a:rPr>
+              <a:t>IC50</a:t>
+            </a:r>
+          </a:p>
+          <a:p>
+            <a:pPr defTabSz="914126">
+              <a:defRPr/>
+            </a:pPr>
+            <a:r>
+              <a:rPr lang="en-US" sz="1799" dirty="0">
+                <a:solidFill>
+                  <a:prstClr val="black"/>
+                </a:solidFill>
+                <a:latin typeface="Calibri" panose="020F0502020204030204"/>
+                <a:cs typeface="Arial" charset="0"/>
+              </a:rPr>
+              <a:t>AUC</a:t>
+            </a:r>
+          </a:p>
+          <a:p>
+            <a:pPr defTabSz="914126">
+              <a:defRPr/>
+            </a:pPr>
+            <a:r>
+              <a:rPr lang="en-US" sz="1799" dirty="0">
+                <a:solidFill>
+                  <a:prstClr val="black"/>
+                </a:solidFill>
+                <a:latin typeface="Calibri" panose="020F0502020204030204"/>
+                <a:cs typeface="Arial" charset="0"/>
+              </a:rPr>
+              <a:t>GI50</a:t>
+            </a:r>
+          </a:p>
+          <a:p>
+            <a:pPr defTabSz="914126">
+              <a:defRPr/>
+            </a:pPr>
+            <a:r>
+              <a:rPr lang="en-US" sz="1799" dirty="0">
+                <a:solidFill>
+                  <a:prstClr val="black"/>
+                </a:solidFill>
+                <a:latin typeface="Calibri" panose="020F0502020204030204"/>
+                <a:cs typeface="Arial" charset="0"/>
+              </a:rPr>
+              <a:t>% growth</a:t>
+            </a:r>
+          </a:p>
+          <a:p>
+            <a:pPr defTabSz="914126">
+              <a:defRPr/>
+            </a:pPr>
+            <a:r>
+              <a:rPr lang="en-US" sz="1799" dirty="0">
+                <a:solidFill>
+                  <a:prstClr val="black"/>
+                </a:solidFill>
+                <a:latin typeface="Calibri" panose="020F0502020204030204"/>
+                <a:cs typeface="Arial" charset="0"/>
+              </a:rPr>
+              <a:t>Z-score</a:t>
+            </a:r>
+          </a:p>
+        </p:txBody>
+      </p:sp>
+      <p:sp>
+        <p:nvSpPr>
+          <p:cNvPr id="8" name="TextBox 7"/>
+          <p:cNvSpPr txBox="1"/>
+          <p:nvPr/>
+        </p:nvSpPr>
+        <p:spPr>
+          <a:xfrm>
+            <a:off x="6524149" y="1330036"/>
+            <a:ext cx="1396257" cy="1630791"/>
+          </a:xfrm>
+          <a:prstGeom prst="rect">
+            <a:avLst/>
+          </a:prstGeom>
+          <a:noFill/>
+        </p:spPr>
+        <p:txBody>
+          <a:bodyPr wrap="none" rtlCol="0">
+            <a:spAutoFit/>
+          </a:bodyPr>
+          <a:lstStyle/>
+          <a:p>
+            <a:pPr defTabSz="914126">
+              <a:defRPr/>
+            </a:pPr>
+            <a:r>
+              <a:rPr lang="en-US" sz="1999">
+                <a:solidFill>
+                  <a:prstClr val="black"/>
+                </a:solidFill>
+                <a:latin typeface="Calibri" panose="020F0502020204030204"/>
+                <a:cs typeface="Arial" charset="0"/>
+              </a:rPr>
+              <a:t>descriptors</a:t>
+            </a:r>
+          </a:p>
+          <a:p>
+            <a:pPr defTabSz="914126">
+              <a:defRPr/>
+            </a:pPr>
+            <a:r>
+              <a:rPr lang="en-US" sz="1999">
+                <a:solidFill>
+                  <a:prstClr val="black"/>
+                </a:solidFill>
+                <a:latin typeface="Calibri" panose="020F0502020204030204"/>
+                <a:cs typeface="Arial" charset="0"/>
+              </a:rPr>
+              <a:t>fingerprints</a:t>
+            </a:r>
+          </a:p>
+          <a:p>
+            <a:pPr defTabSz="914126">
+              <a:defRPr/>
+            </a:pPr>
+            <a:r>
+              <a:rPr lang="en-US" sz="1999">
+                <a:solidFill>
+                  <a:prstClr val="black"/>
+                </a:solidFill>
+                <a:latin typeface="Calibri" panose="020F0502020204030204"/>
+                <a:cs typeface="Arial" charset="0"/>
+              </a:rPr>
+              <a:t>structures</a:t>
+            </a:r>
+          </a:p>
+          <a:p>
+            <a:pPr defTabSz="914126">
+              <a:defRPr/>
+            </a:pPr>
+            <a:r>
+              <a:rPr lang="en-US" sz="1999">
+                <a:solidFill>
+                  <a:prstClr val="black"/>
+                </a:solidFill>
+                <a:latin typeface="Calibri" panose="020F0502020204030204"/>
+                <a:cs typeface="Arial" charset="0"/>
+              </a:rPr>
+              <a:t>SMILES</a:t>
+            </a:r>
+          </a:p>
+          <a:p>
+            <a:pPr defTabSz="914126">
+              <a:defRPr/>
+            </a:pPr>
+            <a:r>
+              <a:rPr lang="en-US" sz="1999">
+                <a:solidFill>
+                  <a:prstClr val="black"/>
+                </a:solidFill>
+                <a:latin typeface="Calibri" panose="020F0502020204030204"/>
+                <a:cs typeface="Arial" charset="0"/>
+              </a:rPr>
+              <a:t>dose</a:t>
+            </a:r>
+          </a:p>
+        </p:txBody>
+      </p:sp>
+      <p:sp>
+        <p:nvSpPr>
+          <p:cNvPr id="10" name="TextBox 9"/>
+          <p:cNvSpPr txBox="1"/>
+          <p:nvPr/>
+        </p:nvSpPr>
+        <p:spPr>
+          <a:xfrm>
+            <a:off x="6524148" y="969166"/>
+            <a:ext cx="1182671" cy="461545"/>
+          </a:xfrm>
+          <a:prstGeom prst="rect">
+            <a:avLst/>
+          </a:prstGeom>
+          <a:noFill/>
+        </p:spPr>
+        <p:txBody>
+          <a:bodyPr wrap="none" rtlCol="0">
+            <a:spAutoFit/>
+          </a:bodyPr>
+          <a:lstStyle/>
+          <a:p>
+            <a:pPr defTabSz="914126">
+              <a:defRPr/>
+            </a:pPr>
+            <a:r>
+              <a:rPr lang="en-US" sz="2399" b="1">
+                <a:solidFill>
+                  <a:prstClr val="black"/>
+                </a:solidFill>
+                <a:latin typeface="Calibri" panose="020F0502020204030204"/>
+                <a:cs typeface="Arial" charset="0"/>
+              </a:rPr>
+              <a:t>Drug (s)</a:t>
+            </a:r>
+          </a:p>
+        </p:txBody>
+      </p:sp>
+      <p:sp>
+        <p:nvSpPr>
+          <p:cNvPr id="11" name="TextBox 10"/>
+          <p:cNvSpPr txBox="1"/>
+          <p:nvPr/>
+        </p:nvSpPr>
+        <p:spPr>
+          <a:xfrm rot="16200000">
+            <a:off x="6113698" y="3852085"/>
+            <a:ext cx="543597" cy="522820"/>
+          </a:xfrm>
+          <a:prstGeom prst="rect">
+            <a:avLst/>
+          </a:prstGeom>
+          <a:noFill/>
+        </p:spPr>
+        <p:txBody>
+          <a:bodyPr wrap="none" rtlCol="0">
+            <a:spAutoFit/>
+          </a:bodyPr>
+          <a:lstStyle/>
+          <a:p>
+            <a:pPr defTabSz="914126">
+              <a:defRPr/>
+            </a:pPr>
+            <a:r>
+              <a:rPr lang="en-US" sz="2799">
+                <a:solidFill>
+                  <a:prstClr val="black"/>
+                </a:solidFill>
+                <a:latin typeface="Times"/>
+                <a:cs typeface="Times"/>
+              </a:rPr>
+              <a:t>→</a:t>
+            </a:r>
+            <a:endParaRPr lang="en-US" sz="2799">
+              <a:solidFill>
+                <a:prstClr val="black"/>
+              </a:solidFill>
+              <a:latin typeface="Calibri" panose="020F0502020204030204"/>
+              <a:cs typeface="Arial" charset="0"/>
+            </a:endParaRPr>
+          </a:p>
+        </p:txBody>
+      </p:sp>
+      <p:sp>
+        <p:nvSpPr>
+          <p:cNvPr id="12" name="TextBox 11"/>
+          <p:cNvSpPr txBox="1"/>
+          <p:nvPr/>
+        </p:nvSpPr>
+        <p:spPr>
+          <a:xfrm>
+            <a:off x="6053344" y="5729973"/>
+            <a:ext cx="1026910" cy="461545"/>
+          </a:xfrm>
+          <a:prstGeom prst="rect">
+            <a:avLst/>
+          </a:prstGeom>
+          <a:noFill/>
+        </p:spPr>
+        <p:txBody>
+          <a:bodyPr wrap="none" rtlCol="0">
+            <a:spAutoFit/>
+          </a:bodyPr>
+          <a:lstStyle/>
+          <a:p>
+            <a:pPr defTabSz="914126">
+              <a:defRPr/>
+            </a:pPr>
+            <a:r>
+              <a:rPr lang="en-US" sz="2399" b="1">
+                <a:solidFill>
+                  <a:prstClr val="black"/>
+                </a:solidFill>
+                <a:latin typeface="Calibri" panose="020F0502020204030204"/>
+                <a:cs typeface="Arial" charset="0"/>
+              </a:rPr>
+              <a:t>Tumor</a:t>
+            </a:r>
+          </a:p>
+        </p:txBody>
+      </p:sp>
+      <p:sp>
+        <p:nvSpPr>
+          <p:cNvPr id="13" name="TextBox 12"/>
+          <p:cNvSpPr txBox="1"/>
+          <p:nvPr/>
+        </p:nvSpPr>
+        <p:spPr>
+          <a:xfrm rot="16200000">
+            <a:off x="4443846" y="3852084"/>
+            <a:ext cx="543597" cy="522820"/>
+          </a:xfrm>
+          <a:prstGeom prst="rect">
+            <a:avLst/>
+          </a:prstGeom>
+          <a:noFill/>
+        </p:spPr>
+        <p:txBody>
+          <a:bodyPr wrap="none" rtlCol="0">
+            <a:spAutoFit/>
+          </a:bodyPr>
+          <a:lstStyle/>
+          <a:p>
+            <a:pPr defTabSz="914126">
+              <a:defRPr/>
+            </a:pPr>
+            <a:r>
+              <a:rPr lang="en-US" sz="2799">
+                <a:solidFill>
+                  <a:prstClr val="black"/>
+                </a:solidFill>
+                <a:latin typeface="Times"/>
+                <a:cs typeface="Times"/>
+              </a:rPr>
+              <a:t>→</a:t>
+            </a:r>
+            <a:endParaRPr lang="en-US" sz="2799">
+              <a:solidFill>
+                <a:prstClr val="black"/>
+              </a:solidFill>
+              <a:latin typeface="Calibri" panose="020F0502020204030204"/>
+              <a:cs typeface="Arial" charset="0"/>
+            </a:endParaRPr>
+          </a:p>
+        </p:txBody>
+      </p:sp>
+      <p:sp>
+        <p:nvSpPr>
+          <p:cNvPr id="14" name="TextBox 13"/>
+          <p:cNvSpPr txBox="1"/>
+          <p:nvPr/>
+        </p:nvSpPr>
+        <p:spPr>
+          <a:xfrm>
+            <a:off x="4268762" y="5817670"/>
+            <a:ext cx="1408426" cy="461545"/>
+          </a:xfrm>
+          <a:prstGeom prst="rect">
+            <a:avLst/>
+          </a:prstGeom>
+          <a:noFill/>
+        </p:spPr>
+        <p:txBody>
+          <a:bodyPr wrap="none" rtlCol="0">
+            <a:spAutoFit/>
+          </a:bodyPr>
+          <a:lstStyle/>
+          <a:p>
+            <a:pPr defTabSz="914126">
+              <a:defRPr/>
+            </a:pPr>
+            <a:r>
+              <a:rPr lang="en-US" sz="2399" b="1">
+                <a:solidFill>
+                  <a:prstClr val="black"/>
+                </a:solidFill>
+                <a:latin typeface="Calibri" panose="020F0502020204030204"/>
+                <a:cs typeface="Arial" charset="0"/>
+              </a:rPr>
+              <a:t>Response</a:t>
+            </a:r>
+          </a:p>
+        </p:txBody>
+      </p:sp>
+      <p:pic>
+        <p:nvPicPr>
+          <p:cNvPr id="15" name="Picture 14"/>
+          <p:cNvPicPr>
+            <a:picLocks noChangeAspect="1"/>
+          </p:cNvPicPr>
+          <p:nvPr/>
+        </p:nvPicPr>
+        <p:blipFill>
+          <a:blip r:embed="rId2"/>
+          <a:stretch>
+            <a:fillRect/>
+          </a:stretch>
+        </p:blipFill>
+        <p:spPr>
+          <a:xfrm>
+            <a:off x="8757200" y="1330036"/>
+            <a:ext cx="2891038" cy="1719825"/>
+          </a:xfrm>
+          <a:prstGeom prst="rect">
+            <a:avLst/>
+          </a:prstGeom>
+          <a:effectLst>
+            <a:outerShdw blurRad="50800" dist="38100" dir="2700000" algn="tl" rotWithShape="0">
+              <a:prstClr val="black">
+                <a:alpha val="40000"/>
+              </a:prstClr>
+            </a:outerShdw>
+          </a:effectLst>
+        </p:spPr>
+        <p:style>
+          <a:lnRef idx="2">
+            <a:schemeClr val="accent2"/>
+          </a:lnRef>
+          <a:fillRef idx="1">
+            <a:schemeClr val="lt1"/>
+          </a:fillRef>
+          <a:effectRef idx="0">
+            <a:schemeClr val="accent2"/>
+          </a:effectRef>
+          <a:fontRef idx="minor">
+            <a:schemeClr val="dk1"/>
+          </a:fontRef>
+        </p:style>
+      </p:pic>
+      <p:pic>
+        <p:nvPicPr>
+          <p:cNvPr id="16" name="Picture 15"/>
+          <p:cNvPicPr>
+            <a:picLocks noChangeAspect="1"/>
+          </p:cNvPicPr>
+          <p:nvPr/>
+        </p:nvPicPr>
+        <p:blipFill>
+          <a:blip r:embed="rId3"/>
+          <a:stretch>
+            <a:fillRect/>
+          </a:stretch>
+        </p:blipFill>
+        <p:spPr>
+          <a:xfrm>
+            <a:off x="9125023" y="3300206"/>
+            <a:ext cx="2155391" cy="2290699"/>
+          </a:xfrm>
+          <a:prstGeom prst="rect">
+            <a:avLst/>
+          </a:prstGeom>
+          <a:effectLst>
+            <a:outerShdw blurRad="50800" dist="38100" dir="2700000" algn="tl" rotWithShape="0">
+              <a:prstClr val="black">
+                <a:alpha val="40000"/>
+              </a:prstClr>
+            </a:outerShdw>
+          </a:effectLst>
+        </p:spPr>
+      </p:pic>
+      <p:pic>
+        <p:nvPicPr>
+          <p:cNvPr id="17" name="Picture 16"/>
+          <p:cNvPicPr>
+            <a:picLocks noChangeAspect="1"/>
+          </p:cNvPicPr>
+          <p:nvPr/>
+        </p:nvPicPr>
+        <p:blipFill>
+          <a:blip r:embed="rId4"/>
+          <a:stretch>
+            <a:fillRect/>
+          </a:stretch>
+        </p:blipFill>
+        <p:spPr>
+          <a:xfrm>
+            <a:off x="1006804" y="3437614"/>
+            <a:ext cx="2647595" cy="1996639"/>
+          </a:xfrm>
+          <a:prstGeom prst="rect">
+            <a:avLst/>
+          </a:prstGeom>
+          <a:ln>
+            <a:solidFill>
+              <a:srgbClr val="000090"/>
+            </a:solidFill>
+          </a:ln>
+          <a:effectLst>
+            <a:outerShdw blurRad="50800" dist="38100" dir="2700000" algn="tl" rotWithShape="0">
+              <a:prstClr val="black">
+                <a:alpha val="40000"/>
+              </a:prstClr>
+            </a:outerShdw>
+          </a:effectLst>
+        </p:spPr>
+        <p:style>
+          <a:lnRef idx="2">
+            <a:schemeClr val="accent2"/>
+          </a:lnRef>
+          <a:fillRef idx="1">
+            <a:schemeClr val="lt1"/>
+          </a:fillRef>
+          <a:effectRef idx="0">
+            <a:schemeClr val="accent2"/>
+          </a:effectRef>
+          <a:fontRef idx="minor">
+            <a:schemeClr val="dk1"/>
+          </a:fontRef>
+        </p:style>
+      </p:pic>
+      <p:pic>
+        <p:nvPicPr>
+          <p:cNvPr id="18" name="Picture 17"/>
+          <p:cNvPicPr>
+            <a:picLocks noChangeAspect="1"/>
+          </p:cNvPicPr>
+          <p:nvPr/>
+        </p:nvPicPr>
+        <p:blipFill>
+          <a:blip r:embed="rId5"/>
+          <a:stretch>
+            <a:fillRect/>
+          </a:stretch>
+        </p:blipFill>
+        <p:spPr>
+          <a:xfrm>
+            <a:off x="873665" y="1232767"/>
+            <a:ext cx="2913875" cy="1792568"/>
+          </a:xfrm>
+          <a:prstGeom prst="rect">
+            <a:avLst/>
+          </a:prstGeom>
+        </p:spPr>
+      </p:pic>
+      <p:sp>
+        <p:nvSpPr>
+          <p:cNvPr id="20" name="Rounded Rectangle 19"/>
+          <p:cNvSpPr/>
+          <p:nvPr/>
+        </p:nvSpPr>
+        <p:spPr>
+          <a:xfrm>
+            <a:off x="6511756" y="1707216"/>
+            <a:ext cx="1420993" cy="277720"/>
+          </a:xfrm>
+          <a:prstGeom prst="roundRect">
+            <a:avLst/>
+          </a:prstGeom>
+          <a:noFill/>
+          <a:ln w="19050">
+            <a:solidFill>
+              <a:srgbClr val="FF0000"/>
+            </a:solidFill>
+          </a:ln>
+        </p:spPr>
+        <p:style>
+          <a:lnRef idx="2">
+            <a:schemeClr val="accent1">
+              <a:shade val="50000"/>
+            </a:schemeClr>
+          </a:lnRef>
+          <a:fillRef idx="1">
+            <a:schemeClr val="accent1"/>
+          </a:fillRef>
+          <a:effectRef idx="0">
+            <a:schemeClr val="accent1"/>
+          </a:effectRef>
+          <a:fontRef idx="minor">
+            <a:schemeClr val="lt1"/>
+          </a:fontRef>
+        </p:style>
+        <p:txBody>
+          <a:bodyPr rtlCol="0" anchor="ctr"/>
+          <a:lstStyle/>
+          <a:p>
+            <a:pPr algn="ctr" defTabSz="914126">
+              <a:defRPr/>
+            </a:pPr>
+            <a:endParaRPr lang="en-US" sz="1799">
+              <a:solidFill>
+                <a:prstClr val="white"/>
+              </a:solidFill>
+              <a:latin typeface="Calibri" panose="020F0502020204030204"/>
+            </a:endParaRPr>
+          </a:p>
+        </p:txBody>
+      </p:sp>
+      <p:sp>
+        <p:nvSpPr>
+          <p:cNvPr id="21" name="Rounded Rectangle 20"/>
+          <p:cNvSpPr/>
+          <p:nvPr/>
+        </p:nvSpPr>
+        <p:spPr>
+          <a:xfrm>
+            <a:off x="6511756" y="1420607"/>
+            <a:ext cx="1420993" cy="277720"/>
+          </a:xfrm>
+          <a:prstGeom prst="roundRect">
+            <a:avLst/>
+          </a:prstGeom>
+          <a:noFill/>
+          <a:ln w="19050">
+            <a:solidFill>
+              <a:srgbClr val="FF0000"/>
+            </a:solidFill>
+          </a:ln>
+        </p:spPr>
+        <p:style>
+          <a:lnRef idx="2">
+            <a:schemeClr val="accent1">
+              <a:shade val="50000"/>
+            </a:schemeClr>
+          </a:lnRef>
+          <a:fillRef idx="1">
+            <a:schemeClr val="accent1"/>
+          </a:fillRef>
+          <a:effectRef idx="0">
+            <a:schemeClr val="accent1"/>
+          </a:effectRef>
+          <a:fontRef idx="minor">
+            <a:schemeClr val="lt1"/>
+          </a:fontRef>
+        </p:style>
+        <p:txBody>
+          <a:bodyPr rtlCol="0" anchor="ctr"/>
+          <a:lstStyle/>
+          <a:p>
+            <a:pPr algn="ctr" defTabSz="914126">
+              <a:defRPr/>
+            </a:pPr>
+            <a:endParaRPr lang="en-US" sz="1799">
+              <a:solidFill>
+                <a:prstClr val="white"/>
+              </a:solidFill>
+              <a:latin typeface="Calibri" panose="020F0502020204030204"/>
+            </a:endParaRPr>
+          </a:p>
+        </p:txBody>
+      </p:sp>
+      <p:sp>
+        <p:nvSpPr>
+          <p:cNvPr id="22" name="Rounded Rectangle 21"/>
+          <p:cNvSpPr/>
+          <p:nvPr/>
+        </p:nvSpPr>
+        <p:spPr>
+          <a:xfrm>
+            <a:off x="6511756" y="2332385"/>
+            <a:ext cx="1420993" cy="277720"/>
+          </a:xfrm>
+          <a:prstGeom prst="roundRect">
+            <a:avLst/>
+          </a:prstGeom>
+          <a:noFill/>
+          <a:ln w="19050">
+            <a:solidFill>
+              <a:srgbClr val="FF0000"/>
+            </a:solidFill>
+          </a:ln>
+        </p:spPr>
+        <p:style>
+          <a:lnRef idx="2">
+            <a:schemeClr val="accent1">
+              <a:shade val="50000"/>
+            </a:schemeClr>
+          </a:lnRef>
+          <a:fillRef idx="1">
+            <a:schemeClr val="accent1"/>
+          </a:fillRef>
+          <a:effectRef idx="0">
+            <a:schemeClr val="accent1"/>
+          </a:effectRef>
+          <a:fontRef idx="minor">
+            <a:schemeClr val="lt1"/>
+          </a:fontRef>
+        </p:style>
+        <p:txBody>
+          <a:bodyPr rtlCol="0" anchor="ctr"/>
+          <a:lstStyle/>
+          <a:p>
+            <a:pPr algn="ctr" defTabSz="914126">
+              <a:defRPr/>
+            </a:pPr>
+            <a:endParaRPr lang="en-US" sz="1799">
+              <a:solidFill>
+                <a:prstClr val="white"/>
+              </a:solidFill>
+              <a:latin typeface="Calibri" panose="020F0502020204030204"/>
+            </a:endParaRPr>
+          </a:p>
+        </p:txBody>
+      </p:sp>
+      <p:sp>
+        <p:nvSpPr>
+          <p:cNvPr id="23" name="Rounded Rectangle 22"/>
+          <p:cNvSpPr/>
+          <p:nvPr/>
+        </p:nvSpPr>
+        <p:spPr>
+          <a:xfrm>
+            <a:off x="4404645" y="5094645"/>
+            <a:ext cx="1420993" cy="277720"/>
+          </a:xfrm>
+          <a:prstGeom prst="roundRect">
+            <a:avLst/>
+          </a:prstGeom>
+          <a:noFill/>
+          <a:ln w="19050">
+            <a:solidFill>
+              <a:srgbClr val="FF0000"/>
+            </a:solidFill>
+          </a:ln>
+        </p:spPr>
+        <p:style>
+          <a:lnRef idx="2">
+            <a:schemeClr val="accent1">
+              <a:shade val="50000"/>
+            </a:schemeClr>
+          </a:lnRef>
+          <a:fillRef idx="1">
+            <a:schemeClr val="accent1"/>
+          </a:fillRef>
+          <a:effectRef idx="0">
+            <a:schemeClr val="accent1"/>
+          </a:effectRef>
+          <a:fontRef idx="minor">
+            <a:schemeClr val="lt1"/>
+          </a:fontRef>
+        </p:style>
+        <p:txBody>
+          <a:bodyPr rtlCol="0" anchor="ctr"/>
+          <a:lstStyle/>
+          <a:p>
+            <a:pPr algn="ctr" defTabSz="914126">
+              <a:defRPr/>
+            </a:pPr>
+            <a:endParaRPr lang="en-US" sz="1799">
+              <a:solidFill>
+                <a:prstClr val="white"/>
+              </a:solidFill>
+              <a:latin typeface="Calibri" panose="020F0502020204030204"/>
+            </a:endParaRPr>
+          </a:p>
+        </p:txBody>
+      </p:sp>
+      <p:sp>
+        <p:nvSpPr>
+          <p:cNvPr id="24" name="Rounded Rectangle 23"/>
+          <p:cNvSpPr/>
+          <p:nvPr/>
+        </p:nvSpPr>
+        <p:spPr>
+          <a:xfrm>
+            <a:off x="5998749" y="4438632"/>
+            <a:ext cx="2369191" cy="313303"/>
+          </a:xfrm>
+          <a:prstGeom prst="roundRect">
+            <a:avLst/>
+          </a:prstGeom>
+          <a:noFill/>
+          <a:ln w="19050">
+            <a:solidFill>
+              <a:srgbClr val="FF0000"/>
+            </a:solidFill>
+          </a:ln>
+        </p:spPr>
+        <p:style>
+          <a:lnRef idx="2">
+            <a:schemeClr val="accent1">
+              <a:shade val="50000"/>
+            </a:schemeClr>
+          </a:lnRef>
+          <a:fillRef idx="1">
+            <a:schemeClr val="accent1"/>
+          </a:fillRef>
+          <a:effectRef idx="0">
+            <a:schemeClr val="accent1"/>
+          </a:effectRef>
+          <a:fontRef idx="minor">
+            <a:schemeClr val="lt1"/>
+          </a:fontRef>
+        </p:style>
+        <p:txBody>
+          <a:bodyPr rtlCol="0" anchor="ctr"/>
+          <a:lstStyle/>
+          <a:p>
+            <a:pPr algn="ctr" defTabSz="914126">
+              <a:defRPr/>
+            </a:pPr>
+            <a:endParaRPr lang="en-US" sz="1799">
+              <a:solidFill>
+                <a:prstClr val="white"/>
+              </a:solidFill>
+              <a:latin typeface="Calibri" panose="020F0502020204030204"/>
+            </a:endParaRPr>
+          </a:p>
+        </p:txBody>
+      </p:sp>
+      <p:sp>
+        <p:nvSpPr>
+          <p:cNvPr id="25" name="Rounded Rectangle 24"/>
+          <p:cNvSpPr/>
+          <p:nvPr/>
+        </p:nvSpPr>
+        <p:spPr>
+          <a:xfrm>
+            <a:off x="6511756" y="2611484"/>
+            <a:ext cx="1420993" cy="277720"/>
+          </a:xfrm>
+          <a:prstGeom prst="roundRect">
+            <a:avLst/>
+          </a:prstGeom>
+          <a:noFill/>
+          <a:ln w="19050">
+            <a:solidFill>
+              <a:srgbClr val="FF0000"/>
+            </a:solidFill>
+          </a:ln>
+        </p:spPr>
+        <p:style>
+          <a:lnRef idx="2">
+            <a:schemeClr val="accent1">
+              <a:shade val="50000"/>
+            </a:schemeClr>
+          </a:lnRef>
+          <a:fillRef idx="1">
+            <a:schemeClr val="accent1"/>
+          </a:fillRef>
+          <a:effectRef idx="0">
+            <a:schemeClr val="accent1"/>
+          </a:effectRef>
+          <a:fontRef idx="minor">
+            <a:schemeClr val="lt1"/>
+          </a:fontRef>
+        </p:style>
+        <p:txBody>
+          <a:bodyPr rtlCol="0" anchor="ctr"/>
+          <a:lstStyle/>
+          <a:p>
+            <a:pPr algn="ctr" defTabSz="914126">
+              <a:defRPr/>
+            </a:pPr>
+            <a:endParaRPr lang="en-US" sz="1799">
+              <a:solidFill>
+                <a:prstClr val="white"/>
+              </a:solidFill>
+              <a:latin typeface="Calibri" panose="020F0502020204030204"/>
+            </a:endParaRPr>
+          </a:p>
+        </p:txBody>
+      </p:sp>
+      <p:sp>
+        <p:nvSpPr>
+          <p:cNvPr id="26" name="Rounded Rectangle 25"/>
+          <p:cNvSpPr/>
+          <p:nvPr/>
+        </p:nvSpPr>
+        <p:spPr>
+          <a:xfrm>
+            <a:off x="5988306" y="4747169"/>
+            <a:ext cx="2369191" cy="313303"/>
+          </a:xfrm>
+          <a:prstGeom prst="roundRect">
+            <a:avLst/>
+          </a:prstGeom>
+          <a:noFill/>
+          <a:ln w="19050">
+            <a:solidFill>
+              <a:srgbClr val="FF0000"/>
+            </a:solidFill>
+          </a:ln>
+        </p:spPr>
+        <p:style>
+          <a:lnRef idx="2">
+            <a:schemeClr val="accent1">
+              <a:shade val="50000"/>
+            </a:schemeClr>
+          </a:lnRef>
+          <a:fillRef idx="1">
+            <a:schemeClr val="accent1"/>
+          </a:fillRef>
+          <a:effectRef idx="0">
+            <a:schemeClr val="accent1"/>
+          </a:effectRef>
+          <a:fontRef idx="minor">
+            <a:schemeClr val="lt1"/>
+          </a:fontRef>
+        </p:style>
+        <p:txBody>
+          <a:bodyPr rtlCol="0" anchor="ctr"/>
+          <a:lstStyle/>
+          <a:p>
+            <a:pPr algn="ctr" defTabSz="914126">
+              <a:defRPr/>
+            </a:pPr>
+            <a:endParaRPr lang="en-US" sz="1799">
+              <a:solidFill>
+                <a:prstClr val="white"/>
+              </a:solidFill>
+              <a:latin typeface="Calibri" panose="020F0502020204030204"/>
+            </a:endParaRPr>
+          </a:p>
+        </p:txBody>
+      </p:sp>
+      <p:sp>
+        <p:nvSpPr>
+          <p:cNvPr id="27" name="Rounded Rectangle 26"/>
+          <p:cNvSpPr/>
+          <p:nvPr/>
+        </p:nvSpPr>
+        <p:spPr>
+          <a:xfrm>
+            <a:off x="5965207" y="5277602"/>
+            <a:ext cx="2369191" cy="313303"/>
+          </a:xfrm>
+          <a:prstGeom prst="roundRect">
+            <a:avLst/>
+          </a:prstGeom>
+          <a:noFill/>
+          <a:ln w="19050">
+            <a:solidFill>
+              <a:srgbClr val="FF0000"/>
+            </a:solidFill>
+          </a:ln>
+        </p:spPr>
+        <p:style>
+          <a:lnRef idx="2">
+            <a:schemeClr val="accent1">
+              <a:shade val="50000"/>
+            </a:schemeClr>
+          </a:lnRef>
+          <a:fillRef idx="1">
+            <a:schemeClr val="accent1"/>
+          </a:fillRef>
+          <a:effectRef idx="0">
+            <a:schemeClr val="accent1"/>
+          </a:effectRef>
+          <a:fontRef idx="minor">
+            <a:schemeClr val="lt1"/>
+          </a:fontRef>
+        </p:style>
+        <p:txBody>
+          <a:bodyPr rtlCol="0" anchor="ctr"/>
+          <a:lstStyle/>
+          <a:p>
+            <a:pPr algn="ctr" defTabSz="914126">
+              <a:defRPr/>
+            </a:pPr>
+            <a:endParaRPr lang="en-US" sz="1799">
+              <a:solidFill>
+                <a:prstClr val="white"/>
+              </a:solidFill>
+              <a:latin typeface="Calibri" panose="020F0502020204030204"/>
+            </a:endParaRPr>
+          </a:p>
+        </p:txBody>
+      </p:sp>
+      <p:sp>
+        <p:nvSpPr>
+          <p:cNvPr id="28" name="TextBox 27"/>
+          <p:cNvSpPr txBox="1"/>
+          <p:nvPr/>
+        </p:nvSpPr>
+        <p:spPr>
+          <a:xfrm>
+            <a:off x="4456660" y="2995709"/>
+            <a:ext cx="4300540" cy="923090"/>
+          </a:xfrm>
+          <a:prstGeom prst="rect">
+            <a:avLst/>
+          </a:prstGeom>
+          <a:solidFill>
+            <a:schemeClr val="bg1"/>
+          </a:solidFill>
+        </p:spPr>
+        <p:txBody>
+          <a:bodyPr wrap="none" rtlCol="0">
+            <a:spAutoFit/>
+          </a:bodyPr>
+          <a:lstStyle/>
+          <a:p>
+            <a:pPr defTabSz="914126">
+              <a:defRPr/>
+            </a:pPr>
+            <a:r>
+              <a:rPr lang="en-US" sz="4399" i="1">
+                <a:solidFill>
+                  <a:prstClr val="black"/>
+                </a:solidFill>
+                <a:latin typeface="Calibri" panose="020F0502020204030204"/>
+                <a:cs typeface="Arial" charset="0"/>
+              </a:rPr>
+              <a:t>𝓡 =</a:t>
+            </a:r>
+            <a:r>
+              <a:rPr lang="en-US" sz="5398" b="1" i="1">
+                <a:solidFill>
+                  <a:prstClr val="black"/>
+                </a:solidFill>
+                <a:latin typeface="Calibri" panose="020F0502020204030204"/>
+                <a:cs typeface="Arial" charset="0"/>
+              </a:rPr>
+              <a:t> 𝑓</a:t>
+            </a:r>
+            <a:r>
+              <a:rPr lang="en-US" sz="4399" i="1">
+                <a:solidFill>
+                  <a:prstClr val="black"/>
+                </a:solidFill>
+                <a:latin typeface="Calibri" panose="020F0502020204030204"/>
+                <a:cs typeface="Arial" charset="0"/>
+              </a:rPr>
+              <a:t>(𝓣, </a:t>
+            </a:r>
+            <a:r>
+              <a:rPr lang="en-US" sz="4399" i="1">
+                <a:solidFill>
+                  <a:srgbClr val="C00000"/>
+                </a:solidFill>
+                <a:latin typeface="Calibri" panose="020F0502020204030204"/>
+                <a:cs typeface="Arial" charset="0"/>
+              </a:rPr>
+              <a:t>𝓓</a:t>
+            </a:r>
+            <a:r>
+              <a:rPr lang="en-US" sz="4399" i="1" baseline="-25000">
+                <a:solidFill>
+                  <a:srgbClr val="C00000"/>
+                </a:solidFill>
+                <a:latin typeface="Calibri" panose="020F0502020204030204"/>
+                <a:cs typeface="Arial" charset="0"/>
+              </a:rPr>
+              <a:t>1</a:t>
+            </a:r>
+            <a:r>
+              <a:rPr lang="en-US" sz="4399" i="1">
+                <a:solidFill>
+                  <a:srgbClr val="C00000"/>
+                </a:solidFill>
+                <a:latin typeface="Calibri" panose="020F0502020204030204"/>
+                <a:cs typeface="Arial" charset="0"/>
+              </a:rPr>
+              <a:t> , 𝓓</a:t>
+            </a:r>
+            <a:r>
+              <a:rPr lang="en-US" sz="4399" i="1" baseline="-25000">
+                <a:solidFill>
+                  <a:srgbClr val="C00000"/>
+                </a:solidFill>
+                <a:latin typeface="Calibri" panose="020F0502020204030204"/>
+                <a:cs typeface="Arial" charset="0"/>
+              </a:rPr>
+              <a:t>2</a:t>
+            </a:r>
+            <a:r>
+              <a:rPr lang="en-US" sz="4399" i="1">
+                <a:solidFill>
+                  <a:prstClr val="black"/>
+                </a:solidFill>
+                <a:latin typeface="Calibri" panose="020F0502020204030204"/>
+                <a:cs typeface="Arial" charset="0"/>
+              </a:rPr>
+              <a:t>)</a:t>
+            </a:r>
+          </a:p>
+        </p:txBody>
+      </p:sp>
+      <p:sp>
+        <p:nvSpPr>
+          <p:cNvPr id="9" name="TextBox 8"/>
+          <p:cNvSpPr txBox="1"/>
+          <p:nvPr/>
+        </p:nvSpPr>
+        <p:spPr>
+          <a:xfrm rot="5400000">
+            <a:off x="6836097" y="2829379"/>
+            <a:ext cx="543597" cy="522820"/>
+          </a:xfrm>
+          <a:prstGeom prst="rect">
+            <a:avLst/>
+          </a:prstGeom>
+          <a:noFill/>
+        </p:spPr>
+        <p:txBody>
+          <a:bodyPr wrap="none" rtlCol="0">
+            <a:spAutoFit/>
+          </a:bodyPr>
+          <a:lstStyle/>
+          <a:p>
+            <a:pPr defTabSz="914126">
+              <a:defRPr/>
+            </a:pPr>
+            <a:r>
+              <a:rPr lang="en-US" sz="2799">
+                <a:solidFill>
+                  <a:prstClr val="black"/>
+                </a:solidFill>
+                <a:latin typeface="Times"/>
+                <a:cs typeface="Times"/>
+              </a:rPr>
+              <a:t>→</a:t>
+            </a:r>
+            <a:endParaRPr lang="en-US" sz="2799">
+              <a:solidFill>
+                <a:prstClr val="black"/>
+              </a:solidFill>
+              <a:latin typeface="Calibri" panose="020F0502020204030204"/>
+              <a:cs typeface="Arial" charset="0"/>
+            </a:endParaRPr>
+          </a:p>
+        </p:txBody>
+      </p:sp>
+      <p:pic>
+        <p:nvPicPr>
+          <p:cNvPr id="30" name="Picture 29">
+            <a:extLst>
+              <a:ext uri="{FF2B5EF4-FFF2-40B4-BE49-F238E27FC236}">
+                <a16:creationId xmlns="" xmlns:a16="http://schemas.microsoft.com/office/drawing/2014/main" id="{EF77F0D7-F414-724A-ABAA-7D530FAEDD10}"/>
+              </a:ext>
+            </a:extLst>
+          </p:cNvPr>
+          <p:cNvPicPr>
+            <a:picLocks noChangeAspect="1"/>
+          </p:cNvPicPr>
+          <p:nvPr/>
+        </p:nvPicPr>
+        <p:blipFill>
+          <a:blip r:embed="rId6"/>
+          <a:stretch>
+            <a:fillRect/>
+          </a:stretch>
+        </p:blipFill>
+        <p:spPr>
+          <a:xfrm>
+            <a:off x="0" y="6265206"/>
+            <a:ext cx="13196005" cy="571051"/>
+          </a:xfrm>
+          <a:prstGeom prst="rect">
+            <a:avLst/>
+          </a:prstGeom>
+        </p:spPr>
+      </p:pic>
+      <p:sp>
+        <p:nvSpPr>
+          <p:cNvPr id="29" name="Rounded Rectangle 28">
+            <a:extLst>
+              <a:ext uri="{FF2B5EF4-FFF2-40B4-BE49-F238E27FC236}">
+                <a16:creationId xmlns="" xmlns:a16="http://schemas.microsoft.com/office/drawing/2014/main" id="{2DA8F86B-500C-244D-8CDC-805A9034DD04}"/>
+              </a:ext>
+            </a:extLst>
+          </p:cNvPr>
+          <p:cNvSpPr/>
+          <p:nvPr/>
+        </p:nvSpPr>
+        <p:spPr>
+          <a:xfrm>
+            <a:off x="4404645" y="4801028"/>
+            <a:ext cx="1420993" cy="277720"/>
+          </a:xfrm>
+          <a:prstGeom prst="roundRect">
+            <a:avLst/>
+          </a:prstGeom>
+          <a:noFill/>
+          <a:ln w="19050">
+            <a:solidFill>
+              <a:srgbClr val="FF0000"/>
+            </a:solidFill>
+          </a:ln>
+        </p:spPr>
+        <p:style>
+          <a:lnRef idx="2">
+            <a:schemeClr val="accent1">
+              <a:shade val="50000"/>
+            </a:schemeClr>
+          </a:lnRef>
+          <a:fillRef idx="1">
+            <a:schemeClr val="accent1"/>
+          </a:fillRef>
+          <a:effectRef idx="0">
+            <a:schemeClr val="accent1"/>
+          </a:effectRef>
+          <a:fontRef idx="minor">
+            <a:schemeClr val="lt1"/>
+          </a:fontRef>
+        </p:style>
+        <p:txBody>
+          <a:bodyPr rtlCol="0" anchor="ctr"/>
+          <a:lstStyle/>
+          <a:p>
+            <a:pPr algn="ctr" defTabSz="914126">
+              <a:defRPr/>
+            </a:pPr>
+            <a:endParaRPr lang="en-US" sz="1799">
+              <a:solidFill>
+                <a:prstClr val="white"/>
+              </a:solidFill>
+              <a:latin typeface="Calibri" panose="020F0502020204030204"/>
+            </a:endParaRPr>
+          </a:p>
+        </p:txBody>
+      </p:sp>
+      <p:sp>
+        <p:nvSpPr>
+          <p:cNvPr id="31" name="Rounded Rectangle 30">
+            <a:extLst>
+              <a:ext uri="{FF2B5EF4-FFF2-40B4-BE49-F238E27FC236}">
+                <a16:creationId xmlns="" xmlns:a16="http://schemas.microsoft.com/office/drawing/2014/main" id="{379B3C29-368E-F942-B173-BBCAB20EC644}"/>
+              </a:ext>
+            </a:extLst>
+          </p:cNvPr>
+          <p:cNvSpPr/>
+          <p:nvPr/>
+        </p:nvSpPr>
+        <p:spPr>
+          <a:xfrm>
+            <a:off x="4391449" y="5364222"/>
+            <a:ext cx="1420993" cy="277720"/>
+          </a:xfrm>
+          <a:prstGeom prst="roundRect">
+            <a:avLst/>
+          </a:prstGeom>
+          <a:noFill/>
+          <a:ln w="19050">
+            <a:solidFill>
+              <a:srgbClr val="FF0000"/>
+            </a:solidFill>
+          </a:ln>
+        </p:spPr>
+        <p:style>
+          <a:lnRef idx="2">
+            <a:schemeClr val="accent1">
+              <a:shade val="50000"/>
+            </a:schemeClr>
+          </a:lnRef>
+          <a:fillRef idx="1">
+            <a:schemeClr val="accent1"/>
+          </a:fillRef>
+          <a:effectRef idx="0">
+            <a:schemeClr val="accent1"/>
+          </a:effectRef>
+          <a:fontRef idx="minor">
+            <a:schemeClr val="lt1"/>
+          </a:fontRef>
+        </p:style>
+        <p:txBody>
+          <a:bodyPr rtlCol="0" anchor="ctr"/>
+          <a:lstStyle/>
+          <a:p>
+            <a:pPr algn="ctr" defTabSz="914126">
+              <a:defRPr/>
+            </a:pPr>
+            <a:endParaRPr lang="en-US" sz="1799">
+              <a:solidFill>
+                <a:prstClr val="white"/>
+              </a:solidFill>
+              <a:latin typeface="Calibri" panose="020F0502020204030204"/>
+            </a:endParaRPr>
+          </a:p>
+        </p:txBody>
+      </p:sp>
+    </p:spTree>
+    <p:extLst>
+      <p:ext uri="{BB962C8B-B14F-4D97-AF65-F5344CB8AC3E}">
+        <p14:creationId xmlns:p14="http://schemas.microsoft.com/office/powerpoint/2010/main" val="672494908"/>
+      </p:ext>
+    </p:extLst>
+  </p:cSld>
+  <p:clrMapOvr>
+    <a:masterClrMapping/>
+  </p:clrMapOvr>
+  <p:timing>
+    <p:tnLst>
+      <p:par>
+        <p:cTn id="1" dur="indefinite" restart="never" nodeType="tmRoot">
+          <p:childTnLst>
+            <p:seq concurrent="1" nextAc="seek">
+              <p:cTn id="2" dur="indefinite" nodeType="mainSeq">
+                <p:childTnLst>
+                  <p:par>
+                    <p:cTn id="3" fill="hold">
+                      <p:stCondLst>
+                        <p:cond delay="indefinite"/>
+                      </p:stCondLst>
+                      <p:childTnLst>
+                        <p:par>
+                          <p:cTn id="4" fill="hold">
+                            <p:stCondLst>
+                              <p:cond delay="0"/>
+                            </p:stCondLst>
+                            <p:childTnLst>
+                              <p:par>
+                                <p:cTn id="5" presetID="1" presetClass="entr" presetSubtype="0" fill="hold" grpId="0" nodeType="clickEffect">
+                                  <p:stCondLst>
+                                    <p:cond delay="0"/>
+                                  </p:stCondLst>
+                                  <p:childTnLst>
+                                    <p:set>
+                                      <p:cBhvr>
+                                        <p:cTn id="6" dur="1" fill="hold">
+                                          <p:stCondLst>
+                                            <p:cond delay="0"/>
+                                          </p:stCondLst>
+                                        </p:cTn>
+                                        <p:tgtEl>
+                                          <p:spTgt spid="21"/>
+                                        </p:tgtEl>
+                                        <p:attrNameLst>
+                                          <p:attrName>style.visibility</p:attrName>
+                                        </p:attrNameLst>
+                                      </p:cBhvr>
+                                      <p:to>
+                                        <p:strVal val="visible"/>
+                                      </p:to>
+                                    </p:set>
+                                  </p:childTnLst>
+                                </p:cTn>
+                              </p:par>
+                              <p:par>
+                                <p:cTn id="7" presetID="1" presetClass="entr" presetSubtype="0" fill="hold" grpId="0" nodeType="withEffect">
+                                  <p:stCondLst>
+                                    <p:cond delay="0"/>
+                                  </p:stCondLst>
+                                  <p:childTnLst>
+                                    <p:set>
+                                      <p:cBhvr>
+                                        <p:cTn id="8" dur="1" fill="hold">
+                                          <p:stCondLst>
+                                            <p:cond delay="0"/>
+                                          </p:stCondLst>
+                                        </p:cTn>
+                                        <p:tgtEl>
+                                          <p:spTgt spid="20"/>
+                                        </p:tgtEl>
+                                        <p:attrNameLst>
+                                          <p:attrName>style.visibility</p:attrName>
+                                        </p:attrNameLst>
+                                      </p:cBhvr>
+                                      <p:to>
+                                        <p:strVal val="visible"/>
+                                      </p:to>
+                                    </p:set>
+                                  </p:childTnLst>
+                                </p:cTn>
+                              </p:par>
+                              <p:par>
+                                <p:cTn id="9" presetID="1" presetClass="entr" presetSubtype="0" fill="hold" grpId="0" nodeType="withEffect">
+                                  <p:stCondLst>
+                                    <p:cond delay="0"/>
+                                  </p:stCondLst>
+                                  <p:childTnLst>
+                                    <p:set>
+                                      <p:cBhvr>
+                                        <p:cTn id="10" dur="1" fill="hold">
+                                          <p:stCondLst>
+                                            <p:cond delay="0"/>
+                                          </p:stCondLst>
+                                        </p:cTn>
+                                        <p:tgtEl>
+                                          <p:spTgt spid="22"/>
+                                        </p:tgtEl>
+                                        <p:attrNameLst>
+                                          <p:attrName>style.visibility</p:attrName>
+                                        </p:attrNameLst>
+                                      </p:cBhvr>
+                                      <p:to>
+                                        <p:strVal val="visible"/>
+                                      </p:to>
+                                    </p:set>
+                                  </p:childTnLst>
+                                </p:cTn>
+                              </p:par>
+                              <p:par>
+                                <p:cTn id="11" presetID="1" presetClass="entr" presetSubtype="0" fill="hold" grpId="0" nodeType="withEffect">
+                                  <p:stCondLst>
+                                    <p:cond delay="0"/>
+                                  </p:stCondLst>
+                                  <p:childTnLst>
+                                    <p:set>
+                                      <p:cBhvr>
+                                        <p:cTn id="12" dur="1" fill="hold">
+                                          <p:stCondLst>
+                                            <p:cond delay="0"/>
+                                          </p:stCondLst>
+                                        </p:cTn>
+                                        <p:tgtEl>
+                                          <p:spTgt spid="25"/>
+                                        </p:tgtEl>
+                                        <p:attrNameLst>
+                                          <p:attrName>style.visibility</p:attrName>
+                                        </p:attrNameLst>
+                                      </p:cBhvr>
+                                      <p:to>
+                                        <p:strVal val="visible"/>
+                                      </p:to>
+                                    </p:set>
+                                  </p:childTnLst>
+                                </p:cTn>
+                              </p:par>
+                              <p:par>
+                                <p:cTn id="13" presetID="1" presetClass="entr" presetSubtype="0" fill="hold" grpId="0" nodeType="withEffect">
+                                  <p:stCondLst>
+                                    <p:cond delay="0"/>
+                                  </p:stCondLst>
+                                  <p:childTnLst>
+                                    <p:set>
+                                      <p:cBhvr>
+                                        <p:cTn id="14" dur="1" fill="hold">
+                                          <p:stCondLst>
+                                            <p:cond delay="0"/>
+                                          </p:stCondLst>
+                                        </p:cTn>
+                                        <p:tgtEl>
+                                          <p:spTgt spid="24"/>
+                                        </p:tgtEl>
+                                        <p:attrNameLst>
+                                          <p:attrName>style.visibility</p:attrName>
+                                        </p:attrNameLst>
+                                      </p:cBhvr>
+                                      <p:to>
+                                        <p:strVal val="visible"/>
+                                      </p:to>
+                                    </p:set>
+                                  </p:childTnLst>
+                                </p:cTn>
+                              </p:par>
+                              <p:par>
+                                <p:cTn id="15" presetID="1" presetClass="entr" presetSubtype="0" fill="hold" grpId="0" nodeType="withEffect">
+                                  <p:stCondLst>
+                                    <p:cond delay="0"/>
+                                  </p:stCondLst>
+                                  <p:childTnLst>
+                                    <p:set>
+                                      <p:cBhvr>
+                                        <p:cTn id="16" dur="1" fill="hold">
+                                          <p:stCondLst>
+                                            <p:cond delay="0"/>
+                                          </p:stCondLst>
+                                        </p:cTn>
+                                        <p:tgtEl>
+                                          <p:spTgt spid="23"/>
+                                        </p:tgtEl>
+                                        <p:attrNameLst>
+                                          <p:attrName>style.visibility</p:attrName>
+                                        </p:attrNameLst>
+                                      </p:cBhvr>
+                                      <p:to>
+                                        <p:strVal val="visible"/>
+                                      </p:to>
+                                    </p:set>
+                                  </p:childTnLst>
+                                </p:cTn>
+                              </p:par>
+                              <p:par>
+                                <p:cTn id="17" presetID="1" presetClass="entr" presetSubtype="0" fill="hold" grpId="0" nodeType="withEffect">
+                                  <p:stCondLst>
+                                    <p:cond delay="0"/>
+                                  </p:stCondLst>
+                                  <p:childTnLst>
+                                    <p:set>
+                                      <p:cBhvr>
+                                        <p:cTn id="18" dur="1" fill="hold">
+                                          <p:stCondLst>
+                                            <p:cond delay="0"/>
+                                          </p:stCondLst>
+                                        </p:cTn>
+                                        <p:tgtEl>
+                                          <p:spTgt spid="26"/>
+                                        </p:tgtEl>
+                                        <p:attrNameLst>
+                                          <p:attrName>style.visibility</p:attrName>
+                                        </p:attrNameLst>
+                                      </p:cBhvr>
+                                      <p:to>
+                                        <p:strVal val="visible"/>
+                                      </p:to>
+                                    </p:set>
+                                  </p:childTnLst>
+                                </p:cTn>
+                              </p:par>
+                              <p:par>
+                                <p:cTn id="19" presetID="1" presetClass="entr" presetSubtype="0" fill="hold" grpId="0" nodeType="withEffect">
+                                  <p:stCondLst>
+                                    <p:cond delay="0"/>
+                                  </p:stCondLst>
+                                  <p:childTnLst>
+                                    <p:set>
+                                      <p:cBhvr>
+                                        <p:cTn id="20" dur="1" fill="hold">
+                                          <p:stCondLst>
+                                            <p:cond delay="0"/>
+                                          </p:stCondLst>
+                                        </p:cTn>
+                                        <p:tgtEl>
+                                          <p:spTgt spid="27"/>
+                                        </p:tgtEl>
+                                        <p:attrNameLst>
+                                          <p:attrName>style.visibility</p:attrName>
+                                        </p:attrNameLst>
+                                      </p:cBhvr>
+                                      <p:to>
+                                        <p:strVal val="visible"/>
+                                      </p:to>
+                                    </p:set>
+                                  </p:childTnLst>
+                                </p:cTn>
+                              </p:par>
+                            </p:childTnLst>
+                          </p:cTn>
+                        </p:par>
+                      </p:childTnLst>
+                    </p:cTn>
+                  </p:par>
+                  <p:par>
+                    <p:cTn id="21" fill="hold">
+                      <p:stCondLst>
+                        <p:cond delay="indefinite"/>
+                      </p:stCondLst>
+                      <p:childTnLst>
+                        <p:par>
+                          <p:cTn id="22" fill="hold">
+                            <p:stCondLst>
+                              <p:cond delay="0"/>
+                            </p:stCondLst>
+                            <p:childTnLst>
+                              <p:par>
+                                <p:cTn id="23" presetID="1" presetClass="entr" presetSubtype="0" fill="hold" grpId="0" nodeType="clickEffect">
+                                  <p:stCondLst>
+                                    <p:cond delay="0"/>
+                                  </p:stCondLst>
+                                  <p:childTnLst>
+                                    <p:set>
+                                      <p:cBhvr>
+                                        <p:cTn id="24" dur="1" fill="hold">
+                                          <p:stCondLst>
+                                            <p:cond delay="0"/>
+                                          </p:stCondLst>
+                                        </p:cTn>
+                                        <p:tgtEl>
+                                          <p:spTgt spid="28"/>
+                                        </p:tgtEl>
+                                        <p:attrNameLst>
+                                          <p:attrName>style.visibility</p:attrName>
+                                        </p:attrNameLst>
+                                      </p:cBhvr>
+                                      <p:to>
+                                        <p:strVal val="visible"/>
+                                      </p:to>
+                                    </p:set>
+                                  </p:childTnLst>
+                                </p:cTn>
+                              </p:par>
+                              <p:par>
+                                <p:cTn id="25" presetID="1" presetClass="entr" presetSubtype="0" fill="hold" grpId="0" nodeType="withEffect">
+                                  <p:stCondLst>
+                                    <p:cond delay="0"/>
+                                  </p:stCondLst>
+                                  <p:childTnLst>
+                                    <p:set>
+                                      <p:cBhvr>
+                                        <p:cTn id="26" dur="1" fill="hold">
+                                          <p:stCondLst>
+                                            <p:cond delay="0"/>
+                                          </p:stCondLst>
+                                        </p:cTn>
+                                        <p:tgtEl>
+                                          <p:spTgt spid="29"/>
+                                        </p:tgtEl>
+                                        <p:attrNameLst>
+                                          <p:attrName>style.visibility</p:attrName>
+                                        </p:attrNameLst>
+                                      </p:cBhvr>
+                                      <p:to>
+                                        <p:strVal val="visible"/>
+                                      </p:to>
+                                    </p:set>
+                                  </p:childTnLst>
+                                </p:cTn>
+                              </p:par>
+                              <p:par>
+                                <p:cTn id="27" presetID="1" presetClass="entr" presetSubtype="0" fill="hold" grpId="0" nodeType="withEffect">
+                                  <p:stCondLst>
+                                    <p:cond delay="0"/>
+                                  </p:stCondLst>
+                                  <p:childTnLst>
+                                    <p:set>
+                                      <p:cBhvr>
+                                        <p:cTn id="28" dur="1" fill="hold">
+                                          <p:stCondLst>
+                                            <p:cond delay="0"/>
+                                          </p:stCondLst>
+                                        </p:cTn>
+                                        <p:tgtEl>
+                                          <p:spTgt spid="31"/>
+                                        </p:tgtEl>
+                                        <p:attrNameLst>
+                                          <p:attrName>style.visibility</p:attrName>
+                                        </p:attrNameLst>
+                                      </p:cBhvr>
+                                      <p:to>
+                                        <p:strVal val="visible"/>
+                                      </p:to>
+                                    </p:set>
+                                  </p:childTnLst>
+                                </p:cTn>
+                              </p:par>
+                            </p:childTnLst>
+                          </p:cTn>
+                        </p:par>
+                      </p:childTnLst>
+                    </p:cTn>
+                  </p:par>
+                </p:childTnLst>
+              </p:cTn>
+              <p:prevCondLst>
+                <p:cond evt="onPrev" delay="0">
+                  <p:tgtEl>
+                    <p:sldTgt/>
+                  </p:tgtEl>
+                </p:cond>
+              </p:prevCondLst>
+              <p:nextCondLst>
+                <p:cond evt="onNext" delay="0">
+                  <p:tgtEl>
+                    <p:sldTgt/>
+                  </p:tgtEl>
+                </p:cond>
+              </p:nextCondLst>
+            </p:seq>
+          </p:childTnLst>
+        </p:cTn>
+      </p:par>
+    </p:tnLst>
+    <p:bldLst>
+      <p:bldP spid="20" grpId="0" animBg="1"/>
+      <p:bldP spid="21" grpId="0" animBg="1"/>
+      <p:bldP spid="22" grpId="0" animBg="1"/>
+      <p:bldP spid="23" grpId="0" animBg="1"/>
+      <p:bldP spid="24" grpId="0" animBg="1"/>
+      <p:bldP spid="25" grpId="0" animBg="1"/>
+      <p:bldP spid="26" grpId="0" animBg="1"/>
+      <p:bldP spid="27" grpId="0" animBg="1"/>
+      <p:bldP spid="28" grpId="0" animBg="1"/>
+      <p:bldP spid="29" grpId="0" animBg="1"/>
+      <p:bldP spid="31" grpId="0" animBg="1"/>
+    </p:bldLst>
+  </p:timing>
+</p:sld>
+</file>
+
+<file path=ppt/slides/slide4.xml><?xml version="1.0" encoding="utf-8"?>
+<p:sld xmlns:a="http://schemas.openxmlformats.org/drawingml/2006/main" xmlns:r="http://schemas.openxmlformats.org/officeDocument/2006/relationships" xmlns:p="http://schemas.openxmlformats.org/presentationml/2006/main">
+  <p:cSld>
+    <p:spTree>
+      <p:nvGrpSpPr>
+        <p:cNvPr id="1" name=""/>
+        <p:cNvGrpSpPr/>
+        <p:nvPr/>
+      </p:nvGrpSpPr>
+      <p:grpSpPr>
+        <a:xfrm>
+          <a:off x="0" y="0"/>
+          <a:ext cx="0" cy="0"/>
+          <a:chOff x="0" y="0"/>
+          <a:chExt cx="0" cy="0"/>
+        </a:xfrm>
+      </p:grpSpPr>
+      <p:sp>
+        <p:nvSpPr>
+          <p:cNvPr id="2" name="Title 1"/>
+          <p:cNvSpPr>
+            <a:spLocks noGrp="1"/>
+          </p:cNvSpPr>
+          <p:nvPr>
+            <p:ph type="title"/>
+          </p:nvPr>
+        </p:nvSpPr>
         <p:spPr/>
         <p:txBody>
           <a:bodyPr/>
@@ -3740,7 +6694,7 @@
           <a:p>
             <a:r>
               <a:rPr lang="en-US" dirty="0" smtClean="0"/>
-              <a:t>Incremental learning</a:t>
+              <a:t>Data analysis workflow</a:t>
             </a:r>
             <a:endParaRPr lang="en-US" dirty="0"/>
           </a:p>
@@ -4572,7 +7526,7 @@
 </p:sld>
 </file>
 
-<file path=ppt/slides/slide4.xml><?xml version="1.0" encoding="utf-8"?>
+<file path=ppt/slides/slide5.xml><?xml version="1.0" encoding="utf-8"?>
 <p:sld xmlns:a="http://schemas.openxmlformats.org/drawingml/2006/main" xmlns:r="http://schemas.openxmlformats.org/officeDocument/2006/relationships" xmlns:p="http://schemas.openxmlformats.org/presentationml/2006/main">
   <p:cSld>
     <p:spTree>
@@ -4627,6 +7581,28 @@
           <a:bodyPr/>
           <a:lstStyle/>
           <a:p>
+            <a:endParaRPr lang="en-US" dirty="0" smtClean="0"/>
+          </a:p>
+          <a:p>
+            <a:endParaRPr lang="en-US" dirty="0"/>
+          </a:p>
+          <a:p>
+            <a:endParaRPr lang="en-US" dirty="0" smtClean="0"/>
+          </a:p>
+          <a:p>
+            <a:endParaRPr lang="en-US" dirty="0"/>
+          </a:p>
+          <a:p>
+            <a:endParaRPr lang="en-US" dirty="0" smtClean="0"/>
+          </a:p>
+          <a:p>
+            <a:endParaRPr lang="en-US" dirty="0"/>
+          </a:p>
+          <a:p>
+            <a:r>
+              <a:rPr lang="en-US" dirty="0" smtClean="0"/>
+              <a:t>Big picture- train on successively larger data sets</a:t>
+            </a:r>
             <a:endParaRPr lang="en-US" dirty="0"/>
           </a:p>
         </p:txBody>
@@ -4685,7 +7661,7 @@
 </p:sld>
 </file>
 
-<file path=ppt/slides/slide5.xml><?xml version="1.0" encoding="utf-8"?>
+<file path=ppt/slides/slide6.xml><?xml version="1.0" encoding="utf-8"?>
 <p:sld xmlns:a="http://schemas.openxmlformats.org/drawingml/2006/main" xmlns:r="http://schemas.openxmlformats.org/officeDocument/2006/relationships" xmlns:p="http://schemas.openxmlformats.org/presentationml/2006/main">
   <p:cSld>
     <p:spTree>
@@ -4735,11 +7711,39 @@
             <p:ph idx="1"/>
           </p:nvPr>
         </p:nvSpPr>
-        <p:spPr/>
+        <p:spPr>
+          <a:xfrm>
+            <a:off x="365761" y="1475740"/>
+            <a:ext cx="3671984" cy="4047778"/>
+          </a:xfrm>
+        </p:spPr>
         <p:txBody>
           <a:bodyPr/>
           <a:lstStyle/>
           <a:p>
+            <a:r>
+              <a:rPr lang="en-US" dirty="0" smtClean="0"/>
+              <a:t>Earlier stages have fewer models to train and typically train longer</a:t>
+            </a:r>
+          </a:p>
+          <a:p>
+            <a:r>
+              <a:rPr lang="en-US" dirty="0" smtClean="0"/>
+              <a:t>Want to start child runs as soon as parent is complete </a:t>
+            </a:r>
+            <a:br>
+              <a:rPr lang="en-US" dirty="0" smtClean="0"/>
+            </a:br>
+            <a:r>
+              <a:rPr lang="en-US" dirty="0" smtClean="0"/>
+              <a:t>(not whole stage)</a:t>
+            </a:r>
+          </a:p>
+          <a:p>
+            <a:r>
+              <a:rPr lang="en-US" dirty="0" smtClean="0"/>
+              <a:t>Use dataflow control</a:t>
+            </a:r>
             <a:endParaRPr lang="en-US" dirty="0"/>
           </a:p>
         </p:txBody>
@@ -4798,7 +7802,7 @@
 </p:sld>
 </file>
 
-<file path=ppt/slides/slide6.xml><?xml version="1.0" encoding="utf-8"?>
+<file path=ppt/slides/slide7.xml><?xml version="1.0" encoding="utf-8"?>
 <p:sld xmlns:a="http://schemas.openxmlformats.org/drawingml/2006/main" xmlns:r="http://schemas.openxmlformats.org/officeDocument/2006/relationships" xmlns:p="http://schemas.openxmlformats.org/presentationml/2006/main">
   <p:cSld>
     <p:spTree>
@@ -4862,7 +7866,7 @@
         </p:nvSpPr>
         <p:spPr>
           <a:xfrm>
-            <a:off x="365760" y="1475740"/>
+            <a:off x="365760" y="1646660"/>
             <a:ext cx="5659025" cy="4047778"/>
           </a:xfrm>
         </p:spPr>
@@ -4950,7 +7954,6 @@
               <a:rPr lang="en-US" sz="1400" dirty="0"/>
               <a:t>stage dependencies */</a:t>
             </a:r>
-            <a:endParaRPr lang="en-US" sz="1400" dirty="0"/>
           </a:p>
           <a:p>
             <a:pPr marL="0" indent="0">
@@ -4969,10 +7972,6 @@
               </a:rPr>
               <a:t>(void v)</a:t>
             </a:r>
-            <a:endParaRPr lang="en-US" sz="1400" dirty="0">
-              <a:latin typeface="Consolas" panose="020B0609020204030204" pitchFamily="49" charset="0"/>
-              <a:cs typeface="Consolas" panose="020B0609020204030204" pitchFamily="49" charset="0"/>
-            </a:endParaRPr>
           </a:p>
           <a:p>
             <a:pPr marL="0" indent="0">
@@ -5067,10 +8066,6 @@
               </a:rPr>
               <a:t>stage, void block)</a:t>
             </a:r>
-            <a:endParaRPr lang="en-US" sz="1400" dirty="0">
-              <a:latin typeface="Consolas" panose="020B0609020204030204" pitchFamily="49" charset="0"/>
-              <a:cs typeface="Consolas" panose="020B0609020204030204" pitchFamily="49" charset="0"/>
-            </a:endParaRPr>
           </a:p>
           <a:p>
             <a:pPr marL="0" indent="0">
@@ -5089,10 +8084,6 @@
               </a:rPr>
               <a:t>{</a:t>
             </a:r>
-            <a:endParaRPr lang="en-US" sz="1400" dirty="0">
-              <a:latin typeface="Consolas" panose="020B0609020204030204" pitchFamily="49" charset="0"/>
-              <a:cs typeface="Consolas" panose="020B0609020204030204" pitchFamily="49" charset="0"/>
-            </a:endParaRPr>
           </a:p>
           <a:p>
             <a:pPr marL="0" indent="0">
@@ -5111,10 +8102,6 @@
               </a:rPr>
               <a:t>  // Run the model for this workflow node</a:t>
             </a:r>
-            <a:endParaRPr lang="en-US" sz="1400" dirty="0">
-              <a:latin typeface="Consolas" panose="020B0609020204030204" pitchFamily="49" charset="0"/>
-              <a:cs typeface="Consolas" panose="020B0609020204030204" pitchFamily="49" charset="0"/>
-            </a:endParaRPr>
           </a:p>
           <a:p>
             <a:pPr marL="0" indent="0">
@@ -5147,10 +8134,6 @@
               </a:rPr>
               <a:t>(node, stage, block);</a:t>
             </a:r>
-            <a:endParaRPr lang="en-US" sz="1400" dirty="0">
-              <a:latin typeface="Consolas" panose="020B0609020204030204" pitchFamily="49" charset="0"/>
-              <a:cs typeface="Consolas" panose="020B0609020204030204" pitchFamily="49" charset="0"/>
-            </a:endParaRPr>
           </a:p>
           <a:p>
             <a:pPr marL="0" indent="0">
@@ -5225,10 +8208,6 @@
               </a:rPr>
               <a:t> to the child stages</a:t>
             </a:r>
-            <a:endParaRPr lang="en-US" sz="1400" dirty="0">
-              <a:latin typeface="Consolas" panose="020B0609020204030204" pitchFamily="49" charset="0"/>
-              <a:cs typeface="Consolas" panose="020B0609020204030204" pitchFamily="49" charset="0"/>
-            </a:endParaRPr>
           </a:p>
           <a:p>
             <a:pPr marL="0" indent="0">
@@ -5362,10 +8341,6 @@
               </a:rPr>
               <a:t>, parent);</a:t>
             </a:r>
-            <a:endParaRPr lang="en-US" sz="1400" dirty="0">
-              <a:latin typeface="Consolas" panose="020B0609020204030204" pitchFamily="49" charset="0"/>
-              <a:cs typeface="Consolas" panose="020B0609020204030204" pitchFamily="49" charset="0"/>
-            </a:endParaRPr>
           </a:p>
           <a:p>
             <a:pPr marL="0" indent="0">
@@ -5384,10 +8359,6 @@
               </a:rPr>
               <a:t>    }</a:t>
             </a:r>
-            <a:endParaRPr lang="en-US" sz="1400" dirty="0">
-              <a:latin typeface="Consolas" panose="020B0609020204030204" pitchFamily="49" charset="0"/>
-              <a:cs typeface="Consolas" panose="020B0609020204030204" pitchFamily="49" charset="0"/>
-            </a:endParaRPr>
           </a:p>
           <a:p>
             <a:pPr marL="0" indent="0">
@@ -5406,10 +8377,6 @@
               </a:rPr>
               <a:t>  }</a:t>
             </a:r>
-            <a:endParaRPr lang="en-US" sz="1400" dirty="0">
-              <a:latin typeface="Consolas" panose="020B0609020204030204" pitchFamily="49" charset="0"/>
-              <a:cs typeface="Consolas" panose="020B0609020204030204" pitchFamily="49" charset="0"/>
-            </a:endParaRPr>
           </a:p>
           <a:p>
             <a:pPr marL="0" indent="0">
@@ -5428,10 +8395,6 @@
               </a:rPr>
               <a:t>}</a:t>
             </a:r>
-            <a:endParaRPr lang="en-US" sz="1400" dirty="0">
-              <a:latin typeface="Consolas" panose="020B0609020204030204" pitchFamily="49" charset="0"/>
-              <a:cs typeface="Consolas" panose="020B0609020204030204" pitchFamily="49" charset="0"/>
-            </a:endParaRPr>
           </a:p>
           <a:p>
             <a:pPr marL="0" indent="0">
@@ -5470,8 +8433,8 @@
         </p:nvSpPr>
         <p:spPr bwMode="auto">
           <a:xfrm>
-            <a:off x="6269479" y="2221906"/>
-            <a:ext cx="5659025" cy="3454011"/>
+            <a:off x="6016239" y="2392826"/>
+            <a:ext cx="5912265" cy="3454011"/>
           </a:xfrm>
           <a:prstGeom prst="rect">
             <a:avLst/>
@@ -5688,26 +8651,36 @@
                 <a:latin typeface="Consolas" panose="020B0609020204030204" pitchFamily="49" charset="0"/>
                 <a:cs typeface="Consolas" panose="020B0609020204030204" pitchFamily="49" charset="0"/>
               </a:rPr>
-              <a:t>/** RUN SINGLE: Set up and run a single model via </a:t>
+              <a:t>/** </a:t>
+            </a:r>
+            <a:r>
+              <a:rPr lang="en-US" sz="1400" dirty="0">
+                <a:latin typeface="+mn-lt"/>
+                <a:cs typeface="Consolas" panose="020B0609020204030204" pitchFamily="49" charset="0"/>
+              </a:rPr>
+              <a:t>RUN SINGLE: Set up and run a single model via </a:t>
             </a:r>
             <a:r>
               <a:rPr lang="en-US" sz="1400" dirty="0" err="1">
-                <a:latin typeface="Consolas" panose="020B0609020204030204" pitchFamily="49" charset="0"/>
+                <a:latin typeface="+mn-lt"/>
                 <a:cs typeface="Consolas" panose="020B0609020204030204" pitchFamily="49" charset="0"/>
               </a:rPr>
               <a:t>candle_obj</a:t>
+            </a:r>
+            <a:r>
+              <a:rPr lang="en-US" sz="1400" dirty="0">
+                <a:latin typeface="+mn-lt"/>
+                <a:cs typeface="Consolas" panose="020B0609020204030204" pitchFamily="49" charset="0"/>
+              </a:rPr>
+              <a:t>() </a:t>
             </a:r>
             <a:r>
               <a:rPr lang="en-US" sz="1400" dirty="0">
                 <a:latin typeface="Consolas" panose="020B0609020204030204" pitchFamily="49" charset="0"/>
                 <a:cs typeface="Consolas" panose="020B0609020204030204" pitchFamily="49" charset="0"/>
               </a:rPr>
-              <a:t>() */</a:t>
-            </a:r>
-            <a:endParaRPr lang="en-US" sz="1400" dirty="0">
-              <a:latin typeface="Consolas" panose="020B0609020204030204" pitchFamily="49" charset="0"/>
-              <a:cs typeface="Consolas" panose="020B0609020204030204" pitchFamily="49" charset="0"/>
-            </a:endParaRPr>
+              <a:t>*/</a:t>
+            </a:r>
           </a:p>
           <a:p>
             <a:pPr marL="0" indent="0">
@@ -5781,10 +8754,6 @@
               </a:rPr>
               <a:t>parent)</a:t>
             </a:r>
-            <a:endParaRPr lang="en-US" sz="1400" dirty="0">
-              <a:latin typeface="Consolas" panose="020B0609020204030204" pitchFamily="49" charset="0"/>
-              <a:cs typeface="Consolas" panose="020B0609020204030204" pitchFamily="49" charset="0"/>
-            </a:endParaRPr>
           </a:p>
           <a:p>
             <a:pPr marL="0" indent="0">
@@ -5803,10 +8772,6 @@
               </a:rPr>
               <a:t>{</a:t>
             </a:r>
-            <a:endParaRPr lang="en-US" sz="1400" dirty="0">
-              <a:latin typeface="Consolas" panose="020B0609020204030204" pitchFamily="49" charset="0"/>
-              <a:cs typeface="Consolas" panose="020B0609020204030204" pitchFamily="49" charset="0"/>
-            </a:endParaRPr>
           </a:p>
           <a:p>
             <a:pPr marL="0" indent="0">
@@ -5839,10 +8804,6 @@
               </a:rPr>
               <a:t>  {</a:t>
             </a:r>
-            <a:endParaRPr lang="en-US" sz="1400" dirty="0">
-              <a:latin typeface="Consolas" panose="020B0609020204030204" pitchFamily="49" charset="0"/>
-              <a:cs typeface="Consolas" panose="020B0609020204030204" pitchFamily="49" charset="0"/>
-            </a:endParaRPr>
           </a:p>
           <a:p>
             <a:pPr marL="0" indent="0">
@@ -5861,10 +8822,6 @@
               </a:rPr>
               <a:t>    v = propagate();</a:t>
             </a:r>
-            <a:endParaRPr lang="en-US" sz="1400" dirty="0">
-              <a:latin typeface="Consolas" panose="020B0609020204030204" pitchFamily="49" charset="0"/>
-              <a:cs typeface="Consolas" panose="020B0609020204030204" pitchFamily="49" charset="0"/>
-            </a:endParaRPr>
           </a:p>
           <a:p>
             <a:pPr marL="0" indent="0">
@@ -5883,10 +8840,6 @@
               </a:rPr>
               <a:t>  }</a:t>
             </a:r>
-            <a:endParaRPr lang="en-US" sz="1400" dirty="0">
-              <a:latin typeface="Consolas" panose="020B0609020204030204" pitchFamily="49" charset="0"/>
-              <a:cs typeface="Consolas" panose="020B0609020204030204" pitchFamily="49" charset="0"/>
-            </a:endParaRPr>
           </a:p>
           <a:p>
             <a:pPr marL="0" indent="0">
@@ -5962,10 +8915,6 @@
               </a:rPr>
               <a:t>(node, stage);</a:t>
             </a:r>
-            <a:endParaRPr lang="en-US" sz="1400" dirty="0">
-              <a:latin typeface="Consolas" panose="020B0609020204030204" pitchFamily="49" charset="0"/>
-              <a:cs typeface="Consolas" panose="020B0609020204030204" pitchFamily="49" charset="0"/>
-            </a:endParaRPr>
           </a:p>
           <a:p>
             <a:pPr marL="0" indent="0">
@@ -6039,10 +8988,6 @@
               </a:rPr>
               <a:t>);</a:t>
             </a:r>
-            <a:endParaRPr lang="en-US" sz="1400" dirty="0">
-              <a:latin typeface="Consolas" panose="020B0609020204030204" pitchFamily="49" charset="0"/>
-              <a:cs typeface="Consolas" panose="020B0609020204030204" pitchFamily="49" charset="0"/>
-            </a:endParaRPr>
           </a:p>
           <a:p>
             <a:pPr marL="0" indent="0">
@@ -6104,10 +9049,6 @@
               </a:rPr>
               <a:t>      // Run the model</a:t>
             </a:r>
-            <a:endParaRPr lang="en-US" sz="1400" dirty="0">
-              <a:latin typeface="Consolas" panose="020B0609020204030204" pitchFamily="49" charset="0"/>
-              <a:cs typeface="Consolas" panose="020B0609020204030204" pitchFamily="49" charset="0"/>
-            </a:endParaRPr>
           </a:p>
           <a:p>
             <a:pPr marL="0" indent="0">
@@ -6168,10 +9109,6 @@
               </a:rPr>
               <a:t>, node);</a:t>
             </a:r>
-            <a:endParaRPr lang="en-US" sz="1400" dirty="0">
-              <a:latin typeface="Consolas" panose="020B0609020204030204" pitchFamily="49" charset="0"/>
-              <a:cs typeface="Consolas" panose="020B0609020204030204" pitchFamily="49" charset="0"/>
-            </a:endParaRPr>
           </a:p>
           <a:p>
             <a:pPr marL="0" indent="0">
@@ -6190,10 +9127,6 @@
               </a:rPr>
               <a:t>    }</a:t>
             </a:r>
-            <a:endParaRPr lang="en-US" sz="1400" dirty="0">
-              <a:latin typeface="Consolas" panose="020B0609020204030204" pitchFamily="49" charset="0"/>
-              <a:cs typeface="Consolas" panose="020B0609020204030204" pitchFamily="49" charset="0"/>
-            </a:endParaRPr>
           </a:p>
           <a:p>
             <a:pPr marL="0" indent="0">
@@ -6212,10 +9145,6 @@
               </a:rPr>
               <a:t>  }</a:t>
             </a:r>
-            <a:endParaRPr lang="en-US" sz="1400" dirty="0">
-              <a:latin typeface="Consolas" panose="020B0609020204030204" pitchFamily="49" charset="0"/>
-              <a:cs typeface="Consolas" panose="020B0609020204030204" pitchFamily="49" charset="0"/>
-            </a:endParaRPr>
           </a:p>
           <a:p>
             <a:pPr marL="0" indent="0">
@@ -6234,10 +9163,6 @@
               </a:rPr>
               <a:t>}</a:t>
             </a:r>
-            <a:endParaRPr lang="en-US" sz="1400" dirty="0">
-              <a:latin typeface="Consolas" panose="020B0609020204030204" pitchFamily="49" charset="0"/>
-              <a:cs typeface="Consolas" panose="020B0609020204030204" pitchFamily="49" charset="0"/>
-            </a:endParaRPr>
           </a:p>
           <a:p>
             <a:pPr marL="0" indent="0">
@@ -6269,481 +9194,284 @@
           </a:p>
         </p:txBody>
       </p:sp>
+      <p:sp>
+        <p:nvSpPr>
+          <p:cNvPr id="5" name="Content Placeholder 2">
+            <a:extLst>
+              <a:ext uri="{FF2B5EF4-FFF2-40B4-BE49-F238E27FC236}">
+                <a16:creationId xmlns="" xmlns:a16="http://schemas.microsoft.com/office/drawing/2014/main" id="{79DDA83B-D33A-1340-A2A9-75273506FE76}"/>
+              </a:ext>
+            </a:extLst>
+          </p:cNvPr>
+          <p:cNvSpPr txBox="1">
+            <a:spLocks/>
+          </p:cNvSpPr>
+          <p:nvPr/>
+        </p:nvSpPr>
+        <p:spPr bwMode="auto">
+          <a:xfrm>
+            <a:off x="803305" y="1081210"/>
+            <a:ext cx="10545509" cy="1388525"/>
+          </a:xfrm>
+          <a:prstGeom prst="rect">
+            <a:avLst/>
+          </a:prstGeom>
+          <a:noFill/>
+          <a:ln w="9525">
+            <a:noFill/>
+            <a:miter lim="800000"/>
+            <a:headEnd/>
+            <a:tailEnd/>
+          </a:ln>
+        </p:spPr>
+        <p:txBody>
+          <a:bodyPr vert="horz" wrap="square" lIns="91440" tIns="45720" rIns="91440" bIns="45720" numCol="1" anchor="t" anchorCtr="0" compatLnSpc="1">
+            <a:prstTxWarp prst="textNoShape">
+              <a:avLst/>
+            </a:prstTxWarp>
+            <a:noAutofit/>
+          </a:bodyPr>
+          <a:lstStyle>
+            <a:lvl1pPr marL="230188" indent="-230188" algn="l" rtl="0" eaLnBrk="1" fontAlgn="base" hangingPunct="1">
+              <a:lnSpc>
+                <a:spcPct val="90000"/>
+              </a:lnSpc>
+              <a:spcBef>
+                <a:spcPts val="1400"/>
+              </a:spcBef>
+              <a:spcAft>
+                <a:spcPct val="0"/>
+              </a:spcAft>
+              <a:buClr>
+                <a:schemeClr val="tx1"/>
+              </a:buClr>
+              <a:buFont typeface="Arial" charset="0"/>
+              <a:buChar char="•"/>
+              <a:defRPr sz="2800" kern="1200">
+                <a:solidFill>
+                  <a:schemeClr val="tx1"/>
+                </a:solidFill>
+                <a:latin typeface="Arial" panose="020B0604020202020204" pitchFamily="34" charset="0"/>
+                <a:ea typeface="+mn-ea"/>
+                <a:cs typeface="Arial" panose="020B0604020202020204" pitchFamily="34" charset="0"/>
+              </a:defRPr>
+            </a:lvl1pPr>
+            <a:lvl2pPr marL="625475" indent="-279400" algn="l" rtl="0" eaLnBrk="1" fontAlgn="base" hangingPunct="1">
+              <a:lnSpc>
+                <a:spcPct val="90000"/>
+              </a:lnSpc>
+              <a:spcBef>
+                <a:spcPts val="800"/>
+              </a:spcBef>
+              <a:spcAft>
+                <a:spcPct val="0"/>
+              </a:spcAft>
+              <a:buClr>
+                <a:schemeClr val="tx1"/>
+              </a:buClr>
+              <a:buFont typeface="Arial" charset="0"/>
+              <a:buChar char="–"/>
+              <a:defRPr sz="2400" kern="1200">
+                <a:solidFill>
+                  <a:schemeClr val="tx1"/>
+                </a:solidFill>
+                <a:latin typeface="Arial" panose="020B0604020202020204" pitchFamily="34" charset="0"/>
+                <a:ea typeface="+mn-ea"/>
+                <a:cs typeface="Arial" panose="020B0604020202020204" pitchFamily="34" charset="0"/>
+              </a:defRPr>
+            </a:lvl2pPr>
+            <a:lvl3pPr marL="914400" indent="-230188" algn="l" rtl="0" eaLnBrk="1" fontAlgn="base" hangingPunct="1">
+              <a:lnSpc>
+                <a:spcPct val="90000"/>
+              </a:lnSpc>
+              <a:spcBef>
+                <a:spcPts val="800"/>
+              </a:spcBef>
+              <a:spcAft>
+                <a:spcPct val="0"/>
+              </a:spcAft>
+              <a:buClr>
+                <a:schemeClr val="tx1"/>
+              </a:buClr>
+              <a:buFont typeface="Arial" charset="0"/>
+              <a:buChar char="•"/>
+              <a:defRPr sz="2000" kern="1200">
+                <a:solidFill>
+                  <a:schemeClr val="tx1"/>
+                </a:solidFill>
+                <a:latin typeface="Arial" panose="020B0604020202020204" pitchFamily="34" charset="0"/>
+                <a:ea typeface="+mn-ea"/>
+                <a:cs typeface="Arial" panose="020B0604020202020204" pitchFamily="34" charset="0"/>
+              </a:defRPr>
+            </a:lvl3pPr>
+            <a:lvl4pPr marL="1144588" indent="-173038" algn="l" rtl="0" eaLnBrk="1" fontAlgn="base" hangingPunct="1">
+              <a:lnSpc>
+                <a:spcPct val="90000"/>
+              </a:lnSpc>
+              <a:spcBef>
+                <a:spcPts val="800"/>
+              </a:spcBef>
+              <a:spcAft>
+                <a:spcPct val="0"/>
+              </a:spcAft>
+              <a:buClr>
+                <a:schemeClr val="tx1"/>
+              </a:buClr>
+              <a:buFont typeface="Arial" charset="0"/>
+              <a:buChar char="–"/>
+              <a:defRPr sz="1800" kern="1200">
+                <a:solidFill>
+                  <a:schemeClr val="tx1"/>
+                </a:solidFill>
+                <a:latin typeface="Arial" panose="020B0604020202020204" pitchFamily="34" charset="0"/>
+                <a:ea typeface="+mn-ea"/>
+                <a:cs typeface="Arial" panose="020B0604020202020204" pitchFamily="34" charset="0"/>
+              </a:defRPr>
+            </a:lvl4pPr>
+            <a:lvl5pPr marL="1482725" indent="-222250" algn="l" rtl="0" eaLnBrk="1" fontAlgn="base" hangingPunct="1">
+              <a:lnSpc>
+                <a:spcPct val="90000"/>
+              </a:lnSpc>
+              <a:spcBef>
+                <a:spcPts val="600"/>
+              </a:spcBef>
+              <a:spcAft>
+                <a:spcPct val="0"/>
+              </a:spcAft>
+              <a:buClr>
+                <a:schemeClr val="tx1"/>
+              </a:buClr>
+              <a:buFont typeface="Arial" panose="020B0604020202020204" pitchFamily="34" charset="0"/>
+              <a:buChar char="•"/>
+              <a:defRPr sz="1800" kern="1200">
+                <a:solidFill>
+                  <a:schemeClr val="tx1"/>
+                </a:solidFill>
+                <a:latin typeface="Arial" panose="020B0604020202020204" pitchFamily="34" charset="0"/>
+                <a:ea typeface="+mn-ea"/>
+                <a:cs typeface="Arial" panose="020B0604020202020204" pitchFamily="34" charset="0"/>
+              </a:defRPr>
+            </a:lvl5pPr>
+            <a:lvl6pPr marL="2514600" indent="-228600" algn="l" defTabSz="914400" rtl="0" eaLnBrk="1" latinLnBrk="0" hangingPunct="1">
+              <a:spcBef>
+                <a:spcPct val="20000"/>
+              </a:spcBef>
+              <a:buFont typeface="Arial" pitchFamily="34" charset="0"/>
+              <a:buChar char="•"/>
+              <a:defRPr sz="2000" kern="1200">
+                <a:solidFill>
+                  <a:schemeClr val="tx1"/>
+                </a:solidFill>
+                <a:latin typeface="+mn-lt"/>
+                <a:ea typeface="+mn-ea"/>
+                <a:cs typeface="+mn-cs"/>
+              </a:defRPr>
+            </a:lvl6pPr>
+            <a:lvl7pPr marL="2971800" indent="-228600" algn="l" defTabSz="914400" rtl="0" eaLnBrk="1" latinLnBrk="0" hangingPunct="1">
+              <a:spcBef>
+                <a:spcPct val="20000"/>
+              </a:spcBef>
+              <a:buFont typeface="Arial" pitchFamily="34" charset="0"/>
+              <a:buChar char="•"/>
+              <a:defRPr sz="2000" kern="1200">
+                <a:solidFill>
+                  <a:schemeClr val="tx1"/>
+                </a:solidFill>
+                <a:latin typeface="+mn-lt"/>
+                <a:ea typeface="+mn-ea"/>
+                <a:cs typeface="+mn-cs"/>
+              </a:defRPr>
+            </a:lvl7pPr>
+            <a:lvl8pPr marL="3429000" indent="-228600" algn="l" defTabSz="914400" rtl="0" eaLnBrk="1" latinLnBrk="0" hangingPunct="1">
+              <a:spcBef>
+                <a:spcPct val="20000"/>
+              </a:spcBef>
+              <a:buFont typeface="Arial" pitchFamily="34" charset="0"/>
+              <a:buChar char="•"/>
+              <a:defRPr sz="2000" kern="1200">
+                <a:solidFill>
+                  <a:schemeClr val="tx1"/>
+                </a:solidFill>
+                <a:latin typeface="+mn-lt"/>
+                <a:ea typeface="+mn-ea"/>
+                <a:cs typeface="+mn-cs"/>
+              </a:defRPr>
+            </a:lvl8pPr>
+            <a:lvl9pPr marL="3886200" indent="-228600" algn="l" defTabSz="914400" rtl="0" eaLnBrk="1" latinLnBrk="0" hangingPunct="1">
+              <a:spcBef>
+                <a:spcPct val="20000"/>
+              </a:spcBef>
+              <a:buFont typeface="Arial" pitchFamily="34" charset="0"/>
+              <a:buChar char="•"/>
+              <a:defRPr sz="2000" kern="1200">
+                <a:solidFill>
+                  <a:schemeClr val="tx1"/>
+                </a:solidFill>
+                <a:latin typeface="+mn-lt"/>
+                <a:ea typeface="+mn-ea"/>
+                <a:cs typeface="+mn-cs"/>
+              </a:defRPr>
+            </a:lvl9pPr>
+          </a:lstStyle>
+          <a:p>
+            <a:pPr>
+              <a:lnSpc>
+                <a:spcPct val="100000"/>
+              </a:lnSpc>
+              <a:spcBef>
+                <a:spcPts val="0"/>
+              </a:spcBef>
+            </a:pPr>
+            <a:r>
+              <a:rPr lang="en-US" sz="2400" dirty="0" smtClean="0"/>
+              <a:t>Implemented as a recursively defined dataflow structure</a:t>
+            </a:r>
+          </a:p>
+          <a:p>
+            <a:pPr>
+              <a:lnSpc>
+                <a:spcPct val="100000"/>
+              </a:lnSpc>
+              <a:spcBef>
+                <a:spcPts val="0"/>
+              </a:spcBef>
+            </a:pPr>
+            <a:r>
+              <a:rPr lang="en-US" sz="2400" dirty="0" smtClean="0"/>
+              <a:t>Swift/T exploits all available concurrency among calls to </a:t>
+            </a:r>
+            <a:r>
+              <a:rPr lang="en-US" sz="2400" dirty="0" err="1" smtClean="0">
+                <a:latin typeface="Consolas" panose="020B0609020204030204" pitchFamily="49" charset="0"/>
+                <a:cs typeface="Consolas" panose="020B0609020204030204" pitchFamily="49" charset="0"/>
+              </a:rPr>
+              <a:t>candle_obj</a:t>
+            </a:r>
+            <a:r>
+              <a:rPr lang="en-US" sz="2400" dirty="0" smtClean="0">
+                <a:latin typeface="Consolas" panose="020B0609020204030204" pitchFamily="49" charset="0"/>
+                <a:cs typeface="Consolas" panose="020B0609020204030204" pitchFamily="49" charset="0"/>
+              </a:rPr>
+              <a:t>() </a:t>
+            </a:r>
+            <a:br>
+              <a:rPr lang="en-US" sz="2400" dirty="0" smtClean="0">
+                <a:latin typeface="Consolas" panose="020B0609020204030204" pitchFamily="49" charset="0"/>
+                <a:cs typeface="Consolas" panose="020B0609020204030204" pitchFamily="49" charset="0"/>
+              </a:rPr>
+            </a:br>
+            <a:r>
+              <a:rPr lang="en-US" sz="2400" dirty="0" smtClean="0"/>
+              <a:t>(a CANDLE utility that ultimately runs TensorFlow)</a:t>
+            </a:r>
+            <a:endParaRPr lang="en-US" sz="2400" dirty="0"/>
+          </a:p>
+        </p:txBody>
+      </p:sp>
     </p:spTree>
     <p:extLst>
       <p:ext uri="{BB962C8B-B14F-4D97-AF65-F5344CB8AC3E}">
         <p14:creationId xmlns:p14="http://schemas.microsoft.com/office/powerpoint/2010/main" val="1014811772"/>
-      </p:ext>
-    </p:extLst>
-  </p:cSld>
-  <p:clrMapOvr>
-    <a:masterClrMapping/>
-  </p:clrMapOvr>
-</p:sld>
-</file>
-
-<file path=ppt/slides/slide7.xml><?xml version="1.0" encoding="utf-8"?>
-<p:sld xmlns:a="http://schemas.openxmlformats.org/drawingml/2006/main" xmlns:r="http://schemas.openxmlformats.org/officeDocument/2006/relationships" xmlns:p="http://schemas.openxmlformats.org/presentationml/2006/main">
-  <p:cSld>
-    <p:spTree>
-      <p:nvGrpSpPr>
-        <p:cNvPr id="1" name=""/>
-        <p:cNvGrpSpPr/>
-        <p:nvPr/>
-      </p:nvGrpSpPr>
-      <p:grpSpPr>
-        <a:xfrm>
-          <a:off x="0" y="0"/>
-          <a:ext cx="0" cy="0"/>
-          <a:chOff x="0" y="0"/>
-          <a:chExt cx="0" cy="0"/>
-        </a:xfrm>
-      </p:grpSpPr>
-      <p:sp>
-        <p:nvSpPr>
-          <p:cNvPr id="2" name="Title 1"/>
-          <p:cNvSpPr>
-            <a:spLocks noGrp="1"/>
-          </p:cNvSpPr>
-          <p:nvPr>
-            <p:ph type="title"/>
-          </p:nvPr>
-        </p:nvSpPr>
-        <p:spPr/>
-        <p:txBody>
-          <a:bodyPr/>
-          <a:lstStyle/>
-          <a:p>
-            <a:r>
-              <a:rPr lang="en-US" dirty="0" smtClean="0"/>
-              <a:t>Leave-out workflow: Epoch strategies</a:t>
-            </a:r>
-            <a:endParaRPr lang="en-US" dirty="0"/>
-          </a:p>
-        </p:txBody>
-      </p:sp>
-      <p:sp>
-        <p:nvSpPr>
-          <p:cNvPr id="3" name="Content Placeholder 2"/>
-          <p:cNvSpPr>
-            <a:spLocks noGrp="1"/>
-          </p:cNvSpPr>
-          <p:nvPr>
-            <p:ph idx="1"/>
-          </p:nvPr>
-        </p:nvSpPr>
-        <p:spPr/>
-        <p:txBody>
-          <a:bodyPr/>
-          <a:lstStyle/>
-          <a:p>
-            <a:endParaRPr lang="en-US" dirty="0" smtClean="0"/>
-          </a:p>
-          <a:p>
-            <a:endParaRPr lang="en-US" dirty="0"/>
-          </a:p>
-          <a:p>
-            <a:endParaRPr lang="en-US" dirty="0"/>
-          </a:p>
-        </p:txBody>
-      </p:sp>
-      <p:graphicFrame>
-        <p:nvGraphicFramePr>
-          <p:cNvPr id="6" name="Table 5"/>
-          <p:cNvGraphicFramePr>
-            <a:graphicFrameLocks noGrp="1"/>
-          </p:cNvGraphicFramePr>
-          <p:nvPr>
-            <p:extLst>
-              <p:ext uri="{D42A27DB-BD31-4B8C-83A1-F6EECF244321}">
-                <p14:modId xmlns:p14="http://schemas.microsoft.com/office/powerpoint/2010/main" val="470052477"/>
-              </p:ext>
-            </p:extLst>
-          </p:nvPr>
-        </p:nvGraphicFramePr>
-        <p:xfrm>
-          <a:off x="1219621" y="1784845"/>
-          <a:ext cx="8125884" cy="2123440"/>
-        </p:xfrm>
-        <a:graphic>
-          <a:graphicData uri="http://schemas.openxmlformats.org/drawingml/2006/table">
-            <a:tbl>
-              <a:tblPr bandRow="1">
-                <a:tableStyleId>{5C22544A-7EE6-4342-B048-85BDC9FD1C3A}</a:tableStyleId>
-              </a:tblPr>
-              <a:tblGrid>
-                <a:gridCol w="2708628"/>
-                <a:gridCol w="2708628"/>
-                <a:gridCol w="2708628"/>
-              </a:tblGrid>
-              <a:tr h="0">
-                <a:tc>
-                  <a:txBody>
-                    <a:bodyPr/>
-                    <a:lstStyle/>
-                    <a:p>
-                      <a:pPr rtl="0" fontAlgn="t">
-                        <a:spcBef>
-                          <a:spcPts val="0"/>
-                        </a:spcBef>
-                        <a:spcAft>
-                          <a:spcPts val="0"/>
-                        </a:spcAft>
-                      </a:pPr>
-                      <a:r>
-                        <a:rPr lang="en-US" sz="1100" b="0" i="0" u="none" strike="noStrike" dirty="0">
-                          <a:solidFill>
-                            <a:srgbClr val="000000"/>
-                          </a:solidFill>
-                          <a:effectLst/>
-                          <a:latin typeface="Times New Roman"/>
-                        </a:rPr>
-                        <a:t>F-20</a:t>
-                      </a:r>
-                      <a:endParaRPr lang="en-US" dirty="0">
-                        <a:effectLst/>
-                      </a:endParaRPr>
-                    </a:p>
-                  </a:txBody>
-                  <a:tcPr marL="63500" marR="63500" marT="63500" marB="63500"/>
-                </a:tc>
-                <a:tc>
-                  <a:txBody>
-                    <a:bodyPr/>
-                    <a:lstStyle/>
-                    <a:p>
-                      <a:pPr rtl="0" fontAlgn="t">
-                        <a:spcBef>
-                          <a:spcPts val="0"/>
-                        </a:spcBef>
-                        <a:spcAft>
-                          <a:spcPts val="0"/>
-                        </a:spcAft>
-                      </a:pPr>
-                      <a:r>
-                        <a:rPr lang="en-US" sz="1100" b="0" i="0" u="none" strike="noStrike" dirty="0">
-                          <a:solidFill>
-                            <a:srgbClr val="000000"/>
-                          </a:solidFill>
-                          <a:effectLst/>
-                          <a:latin typeface="Times New Roman"/>
-                        </a:rPr>
-                        <a:t>Flat-20: Simply train for 20 epochs</a:t>
-                      </a:r>
-                      <a:endParaRPr lang="en-US" dirty="0">
-                        <a:effectLst/>
-                      </a:endParaRPr>
-                    </a:p>
-                  </a:txBody>
-                  <a:tcPr marL="63500" marR="63500" marT="63500" marB="63500"/>
-                </a:tc>
-                <a:tc>
-                  <a:txBody>
-                    <a:bodyPr/>
-                    <a:lstStyle/>
-                    <a:p>
-                      <a:endParaRPr lang="en-US"/>
-                    </a:p>
-                  </a:txBody>
-                  <a:tcPr/>
-                </a:tc>
-              </a:tr>
-              <a:tr h="370840">
-                <a:tc>
-                  <a:txBody>
-                    <a:bodyPr/>
-                    <a:lstStyle/>
-                    <a:p>
-                      <a:pPr rtl="0" fontAlgn="t">
-                        <a:spcBef>
-                          <a:spcPts val="0"/>
-                        </a:spcBef>
-                        <a:spcAft>
-                          <a:spcPts val="0"/>
-                        </a:spcAft>
-                      </a:pPr>
-                      <a:r>
-                        <a:rPr lang="en-US" sz="1100" b="0" i="0" u="none" strike="noStrike" dirty="0">
-                          <a:solidFill>
-                            <a:srgbClr val="000000"/>
-                          </a:solidFill>
-                          <a:effectLst/>
-                          <a:latin typeface="Times New Roman"/>
-                        </a:rPr>
-                        <a:t>F-10</a:t>
-                      </a:r>
-                      <a:endParaRPr lang="en-US" dirty="0">
-                        <a:effectLst/>
-                      </a:endParaRPr>
-                    </a:p>
-                  </a:txBody>
-                  <a:tcPr marL="63500" marR="63500" marT="63500" marB="63500"/>
-                </a:tc>
-                <a:tc>
-                  <a:txBody>
-                    <a:bodyPr/>
-                    <a:lstStyle/>
-                    <a:p>
-                      <a:pPr algn="just" rtl="0" fontAlgn="t">
-                        <a:spcBef>
-                          <a:spcPts val="0"/>
-                        </a:spcBef>
-                        <a:spcAft>
-                          <a:spcPts val="0"/>
-                        </a:spcAft>
-                      </a:pPr>
-                      <a:r>
-                        <a:rPr lang="en-US" sz="1100" b="0" i="0" u="none" strike="noStrike">
-                          <a:solidFill>
-                            <a:srgbClr val="000000"/>
-                          </a:solidFill>
-                          <a:effectLst/>
-                          <a:latin typeface="Times New Roman"/>
-                        </a:rPr>
-                        <a:t>Flat-10: Simply train for 10 epochs</a:t>
-                      </a:r>
-                      <a:endParaRPr lang="en-US">
-                        <a:effectLst/>
-                      </a:endParaRPr>
-                    </a:p>
-                  </a:txBody>
-                  <a:tcPr marL="63500" marR="63500" marT="63500" marB="63500"/>
-                </a:tc>
-                <a:tc>
-                  <a:txBody>
-                    <a:bodyPr/>
-                    <a:lstStyle/>
-                    <a:p>
-                      <a:endParaRPr lang="en-US"/>
-                    </a:p>
-                  </a:txBody>
-                  <a:tcPr/>
-                </a:tc>
-              </a:tr>
-              <a:tr h="370840">
-                <a:tc>
-                  <a:txBody>
-                    <a:bodyPr/>
-                    <a:lstStyle/>
-                    <a:p>
-                      <a:pPr rtl="0" fontAlgn="t">
-                        <a:spcBef>
-                          <a:spcPts val="0"/>
-                        </a:spcBef>
-                        <a:spcAft>
-                          <a:spcPts val="0"/>
-                        </a:spcAft>
-                      </a:pPr>
-                      <a:r>
-                        <a:rPr lang="en-US" sz="1100" b="0" i="0" u="none" strike="noStrike">
-                          <a:solidFill>
-                            <a:srgbClr val="000000"/>
-                          </a:solidFill>
-                          <a:effectLst/>
-                          <a:latin typeface="Times New Roman"/>
-                        </a:rPr>
-                        <a:t>LINE</a:t>
-                      </a:r>
-                      <a:endParaRPr lang="en-US">
-                        <a:effectLst/>
-                      </a:endParaRPr>
-                    </a:p>
-                  </a:txBody>
-                  <a:tcPr marL="63500" marR="63500" marT="63500" marB="63500"/>
-                </a:tc>
-                <a:tc>
-                  <a:txBody>
-                    <a:bodyPr/>
-                    <a:lstStyle/>
-                    <a:p>
-                      <a:pPr algn="just" rtl="0" fontAlgn="t">
-                        <a:spcBef>
-                          <a:spcPts val="0"/>
-                        </a:spcBef>
-                        <a:spcAft>
-                          <a:spcPts val="0"/>
-                        </a:spcAft>
-                      </a:pPr>
-                      <a:r>
-                        <a:rPr lang="en-US" sz="1100" b="0" i="0" u="none" strike="noStrike">
-                          <a:solidFill>
-                            <a:srgbClr val="000000"/>
-                          </a:solidFill>
-                          <a:effectLst/>
-                          <a:latin typeface="Times New Roman"/>
-                        </a:rPr>
-                        <a:t>Linear: Train for a linearly decreasing number of epochs, starting from 20</a:t>
-                      </a:r>
-                      <a:endParaRPr lang="en-US">
-                        <a:effectLst/>
-                      </a:endParaRPr>
-                    </a:p>
-                  </a:txBody>
-                  <a:tcPr marL="63500" marR="63500" marT="63500" marB="63500"/>
-                </a:tc>
-                <a:tc>
-                  <a:txBody>
-                    <a:bodyPr/>
-                    <a:lstStyle/>
-                    <a:p>
-                      <a:endParaRPr lang="en-US"/>
-                    </a:p>
-                  </a:txBody>
-                  <a:tcPr/>
-                </a:tc>
-              </a:tr>
-              <a:tr h="370840">
-                <a:tc>
-                  <a:txBody>
-                    <a:bodyPr/>
-                    <a:lstStyle/>
-                    <a:p>
-                      <a:pPr rtl="0" fontAlgn="t">
-                        <a:spcBef>
-                          <a:spcPts val="0"/>
-                        </a:spcBef>
-                        <a:spcAft>
-                          <a:spcPts val="0"/>
-                        </a:spcAft>
-                      </a:pPr>
-                      <a:r>
-                        <a:rPr lang="en-US" sz="1100" b="0" i="0" u="none" strike="noStrike">
-                          <a:solidFill>
-                            <a:srgbClr val="000000"/>
-                          </a:solidFill>
-                          <a:effectLst/>
-                          <a:latin typeface="Times New Roman"/>
-                        </a:rPr>
-                        <a:t>SQRT</a:t>
-                      </a:r>
-                      <a:endParaRPr lang="en-US">
-                        <a:effectLst/>
-                      </a:endParaRPr>
-                    </a:p>
-                  </a:txBody>
-                  <a:tcPr marL="63500" marR="63500" marT="63500" marB="63500"/>
-                </a:tc>
-                <a:tc>
-                  <a:txBody>
-                    <a:bodyPr/>
-                    <a:lstStyle/>
-                    <a:p>
-                      <a:pPr algn="just" rtl="0" fontAlgn="t">
-                        <a:spcBef>
-                          <a:spcPts val="0"/>
-                        </a:spcBef>
-                        <a:spcAft>
-                          <a:spcPts val="0"/>
-                        </a:spcAft>
-                      </a:pPr>
-                      <a:r>
-                        <a:rPr lang="en-US" sz="1100" b="0" i="0" u="none" strike="noStrike">
-                          <a:solidFill>
-                            <a:srgbClr val="000000"/>
-                          </a:solidFill>
-                          <a:effectLst/>
-                          <a:latin typeface="Times New Roman"/>
-                        </a:rPr>
-                        <a:t>Square root: Train for a number of epochs equal to 20 / sqrt(stage)</a:t>
-                      </a:r>
-                      <a:endParaRPr lang="en-US">
-                        <a:effectLst/>
-                      </a:endParaRPr>
-                    </a:p>
-                  </a:txBody>
-                  <a:tcPr marL="63500" marR="63500" marT="63500" marB="63500"/>
-                </a:tc>
-                <a:tc>
-                  <a:txBody>
-                    <a:bodyPr/>
-                    <a:lstStyle/>
-                    <a:p>
-                      <a:endParaRPr lang="en-US"/>
-                    </a:p>
-                  </a:txBody>
-                  <a:tcPr/>
-                </a:tc>
-              </a:tr>
-              <a:tr h="370840">
-                <a:tc>
-                  <a:txBody>
-                    <a:bodyPr/>
-                    <a:lstStyle/>
-                    <a:p>
-                      <a:pPr rtl="0" fontAlgn="t">
-                        <a:spcBef>
-                          <a:spcPts val="0"/>
-                        </a:spcBef>
-                        <a:spcAft>
-                          <a:spcPts val="0"/>
-                        </a:spcAft>
-                      </a:pPr>
-                      <a:r>
-                        <a:rPr lang="en-US" sz="1100" b="0" i="0" u="none" strike="noStrike">
-                          <a:solidFill>
-                            <a:srgbClr val="000000"/>
-                          </a:solidFill>
-                          <a:effectLst/>
-                          <a:latin typeface="Times New Roman"/>
-                        </a:rPr>
-                        <a:t>EXP2</a:t>
-                      </a:r>
-                      <a:endParaRPr lang="en-US">
-                        <a:effectLst/>
-                      </a:endParaRPr>
-                    </a:p>
-                  </a:txBody>
-                  <a:tcPr marL="63500" marR="63500" marT="63500" marB="63500"/>
-                </a:tc>
-                <a:tc>
-                  <a:txBody>
-                    <a:bodyPr/>
-                    <a:lstStyle/>
-                    <a:p>
-                      <a:pPr algn="just" rtl="0" fontAlgn="t">
-                        <a:spcBef>
-                          <a:spcPts val="0"/>
-                        </a:spcBef>
-                        <a:spcAft>
-                          <a:spcPts val="0"/>
-                        </a:spcAft>
-                      </a:pPr>
-                      <a:r>
-                        <a:rPr lang="en-US" sz="1100" b="0" i="0" u="none" strike="noStrike" dirty="0">
-                          <a:solidFill>
-                            <a:srgbClr val="000000"/>
-                          </a:solidFill>
-                          <a:effectLst/>
-                          <a:latin typeface="Times New Roman"/>
-                        </a:rPr>
-                        <a:t>Exponential: Train for a number of epochs equal to 20 / 2^(stage-1)</a:t>
-                      </a:r>
-                      <a:endParaRPr lang="en-US" dirty="0">
-                        <a:effectLst/>
-                      </a:endParaRPr>
-                    </a:p>
-                  </a:txBody>
-                  <a:tcPr marL="63500" marR="63500" marT="63500" marB="63500"/>
-                </a:tc>
-                <a:tc>
-                  <a:txBody>
-                    <a:bodyPr/>
-                    <a:lstStyle/>
-                    <a:p>
-                      <a:endParaRPr lang="en-US" dirty="0"/>
-                    </a:p>
-                  </a:txBody>
-                  <a:tcPr/>
-                </a:tc>
-              </a:tr>
-            </a:tbl>
-          </a:graphicData>
-        </a:graphic>
-      </p:graphicFrame>
-    </p:spTree>
-    <p:extLst>
-      <p:ext uri="{BB962C8B-B14F-4D97-AF65-F5344CB8AC3E}">
-        <p14:creationId xmlns:p14="http://schemas.microsoft.com/office/powerpoint/2010/main" val="1122651148"/>
       </p:ext>
     </p:extLst>
   </p:cSld>
@@ -6787,11 +9515,11 @@
           <a:p>
             <a:r>
               <a:rPr lang="en-US" dirty="0"/>
-              <a:t>Leave-out workflow</a:t>
+              <a:t>Data analysis workflow: </a:t>
             </a:r>
             <a:r>
               <a:rPr lang="en-US" dirty="0" smtClean="0"/>
-              <a:t>: </a:t>
+              <a:t>Epoch strategies</a:t>
             </a:r>
             <a:endParaRPr lang="en-US" dirty="0"/>
           </a:p>
@@ -6812,55 +9540,654 @@
           <a:bodyPr/>
           <a:lstStyle/>
           <a:p>
+            <a:endParaRPr lang="en-US" dirty="0" smtClean="0"/>
+          </a:p>
+          <a:p>
+            <a:endParaRPr lang="en-US" dirty="0"/>
+          </a:p>
+          <a:p>
             <a:endParaRPr lang="en-US" dirty="0"/>
           </a:p>
         </p:txBody>
       </p:sp>
-      <p:pic>
-        <p:nvPicPr>
-          <p:cNvPr id="3074" name="Picture 2" descr="https://lh5.googleusercontent.com/qQKzSuVLu99fyhK2DcHwtmT4oPsWXa9rRGxx6yvErDorDE-L-Q026Q3v0xcXiNN4bMwYQ6vcaWkUBMc-keAur7ID_rSgqeWOeHomM6RXALiDCB0eke53GSq1YmNWn_PgbVvWkT2w"/>
-          <p:cNvPicPr>
-            <a:picLocks noChangeAspect="1" noChangeArrowheads="1"/>
-          </p:cNvPicPr>
+      <p:sp>
+        <p:nvSpPr>
+          <p:cNvPr id="5" name="Content Placeholder 2"/>
+          <p:cNvSpPr txBox="1">
+            <a:spLocks/>
+          </p:cNvSpPr>
           <p:nvPr/>
-        </p:nvPicPr>
-        <p:blipFill>
-          <a:blip r:embed="rId2">
-            <a:extLst>
-              <a:ext uri="{28A0092B-C50C-407E-A947-70E740481C1C}">
-                <a14:useLocalDpi xmlns:a14="http://schemas.microsoft.com/office/drawing/2010/main" val="0"/>
-              </a:ext>
-            </a:extLst>
-          </a:blip>
-          <a:srcRect/>
-          <a:stretch>
-            <a:fillRect/>
-          </a:stretch>
-        </p:blipFill>
+        </p:nvSpPr>
         <p:spPr bwMode="auto">
           <a:xfrm>
-            <a:off x="7596025" y="1553198"/>
-            <a:ext cx="3810000" cy="3810000"/>
+            <a:off x="1033582" y="1660554"/>
+            <a:ext cx="10309088" cy="2023889"/>
           </a:xfrm>
           <a:prstGeom prst="rect">
             <a:avLst/>
           </a:prstGeom>
           <a:noFill/>
-          <a:extLst>
-            <a:ext uri="{909E8E84-426E-40DD-AFC4-6F175D3DCCD1}">
-              <a14:hiddenFill xmlns:a14="http://schemas.microsoft.com/office/drawing/2010/main">
+          <a:ln w="9525">
+            <a:noFill/>
+            <a:miter lim="800000"/>
+            <a:headEnd/>
+            <a:tailEnd/>
+          </a:ln>
+        </p:spPr>
+        <p:txBody>
+          <a:bodyPr vert="horz" wrap="square" lIns="91440" tIns="45720" rIns="91440" bIns="45720" numCol="1" anchor="t" anchorCtr="0" compatLnSpc="1">
+            <a:prstTxWarp prst="textNoShape">
+              <a:avLst/>
+            </a:prstTxWarp>
+            <a:noAutofit/>
+          </a:bodyPr>
+          <a:lstStyle>
+            <a:lvl1pPr marL="230188" indent="-230188" algn="l" rtl="0" eaLnBrk="1" fontAlgn="base" hangingPunct="1">
+              <a:lnSpc>
+                <a:spcPct val="90000"/>
+              </a:lnSpc>
+              <a:spcBef>
+                <a:spcPts val="1400"/>
+              </a:spcBef>
+              <a:spcAft>
+                <a:spcPct val="0"/>
+              </a:spcAft>
+              <a:buClr>
+                <a:schemeClr val="tx1"/>
+              </a:buClr>
+              <a:buFont typeface="Arial" charset="0"/>
+              <a:buChar char="•"/>
+              <a:defRPr sz="2800" kern="1200">
                 <a:solidFill>
-                  <a:srgbClr val="FFFFFF"/>
+                  <a:schemeClr val="tx1"/>
                 </a:solidFill>
-              </a14:hiddenFill>
-            </a:ext>
-          </a:extLst>
-        </p:spPr>
-      </p:pic>
+                <a:latin typeface="Arial" panose="020B0604020202020204" pitchFamily="34" charset="0"/>
+                <a:ea typeface="+mn-ea"/>
+                <a:cs typeface="Arial" panose="020B0604020202020204" pitchFamily="34" charset="0"/>
+              </a:defRPr>
+            </a:lvl1pPr>
+            <a:lvl2pPr marL="625475" indent="-279400" algn="l" rtl="0" eaLnBrk="1" fontAlgn="base" hangingPunct="1">
+              <a:lnSpc>
+                <a:spcPct val="90000"/>
+              </a:lnSpc>
+              <a:spcBef>
+                <a:spcPts val="800"/>
+              </a:spcBef>
+              <a:spcAft>
+                <a:spcPct val="0"/>
+              </a:spcAft>
+              <a:buClr>
+                <a:schemeClr val="tx1"/>
+              </a:buClr>
+              <a:buFont typeface="Arial" charset="0"/>
+              <a:buChar char="–"/>
+              <a:defRPr sz="2400" kern="1200">
+                <a:solidFill>
+                  <a:schemeClr val="tx1"/>
+                </a:solidFill>
+                <a:latin typeface="Arial" panose="020B0604020202020204" pitchFamily="34" charset="0"/>
+                <a:ea typeface="+mn-ea"/>
+                <a:cs typeface="Arial" panose="020B0604020202020204" pitchFamily="34" charset="0"/>
+              </a:defRPr>
+            </a:lvl2pPr>
+            <a:lvl3pPr marL="914400" indent="-230188" algn="l" rtl="0" eaLnBrk="1" fontAlgn="base" hangingPunct="1">
+              <a:lnSpc>
+                <a:spcPct val="90000"/>
+              </a:lnSpc>
+              <a:spcBef>
+                <a:spcPts val="800"/>
+              </a:spcBef>
+              <a:spcAft>
+                <a:spcPct val="0"/>
+              </a:spcAft>
+              <a:buClr>
+                <a:schemeClr val="tx1"/>
+              </a:buClr>
+              <a:buFont typeface="Arial" charset="0"/>
+              <a:buChar char="•"/>
+              <a:defRPr sz="2000" kern="1200">
+                <a:solidFill>
+                  <a:schemeClr val="tx1"/>
+                </a:solidFill>
+                <a:latin typeface="Arial" panose="020B0604020202020204" pitchFamily="34" charset="0"/>
+                <a:ea typeface="+mn-ea"/>
+                <a:cs typeface="Arial" panose="020B0604020202020204" pitchFamily="34" charset="0"/>
+              </a:defRPr>
+            </a:lvl3pPr>
+            <a:lvl4pPr marL="1144588" indent="-173038" algn="l" rtl="0" eaLnBrk="1" fontAlgn="base" hangingPunct="1">
+              <a:lnSpc>
+                <a:spcPct val="90000"/>
+              </a:lnSpc>
+              <a:spcBef>
+                <a:spcPts val="800"/>
+              </a:spcBef>
+              <a:spcAft>
+                <a:spcPct val="0"/>
+              </a:spcAft>
+              <a:buClr>
+                <a:schemeClr val="tx1"/>
+              </a:buClr>
+              <a:buFont typeface="Arial" charset="0"/>
+              <a:buChar char="–"/>
+              <a:defRPr sz="1800" kern="1200">
+                <a:solidFill>
+                  <a:schemeClr val="tx1"/>
+                </a:solidFill>
+                <a:latin typeface="Arial" panose="020B0604020202020204" pitchFamily="34" charset="0"/>
+                <a:ea typeface="+mn-ea"/>
+                <a:cs typeface="Arial" panose="020B0604020202020204" pitchFamily="34" charset="0"/>
+              </a:defRPr>
+            </a:lvl4pPr>
+            <a:lvl5pPr marL="1482725" indent="-222250" algn="l" rtl="0" eaLnBrk="1" fontAlgn="base" hangingPunct="1">
+              <a:lnSpc>
+                <a:spcPct val="90000"/>
+              </a:lnSpc>
+              <a:spcBef>
+                <a:spcPts val="600"/>
+              </a:spcBef>
+              <a:spcAft>
+                <a:spcPct val="0"/>
+              </a:spcAft>
+              <a:buClr>
+                <a:schemeClr val="tx1"/>
+              </a:buClr>
+              <a:buFont typeface="Arial" panose="020B0604020202020204" pitchFamily="34" charset="0"/>
+              <a:buChar char="•"/>
+              <a:defRPr sz="1800" kern="1200">
+                <a:solidFill>
+                  <a:schemeClr val="tx1"/>
+                </a:solidFill>
+                <a:latin typeface="Arial" panose="020B0604020202020204" pitchFamily="34" charset="0"/>
+                <a:ea typeface="+mn-ea"/>
+                <a:cs typeface="Arial" panose="020B0604020202020204" pitchFamily="34" charset="0"/>
+              </a:defRPr>
+            </a:lvl5pPr>
+            <a:lvl6pPr marL="2514600" indent="-228600" algn="l" defTabSz="914400" rtl="0" eaLnBrk="1" latinLnBrk="0" hangingPunct="1">
+              <a:spcBef>
+                <a:spcPct val="20000"/>
+              </a:spcBef>
+              <a:buFont typeface="Arial" pitchFamily="34" charset="0"/>
+              <a:buChar char="•"/>
+              <a:defRPr sz="2000" kern="1200">
+                <a:solidFill>
+                  <a:schemeClr val="tx1"/>
+                </a:solidFill>
+                <a:latin typeface="+mn-lt"/>
+                <a:ea typeface="+mn-ea"/>
+                <a:cs typeface="+mn-cs"/>
+              </a:defRPr>
+            </a:lvl6pPr>
+            <a:lvl7pPr marL="2971800" indent="-228600" algn="l" defTabSz="914400" rtl="0" eaLnBrk="1" latinLnBrk="0" hangingPunct="1">
+              <a:spcBef>
+                <a:spcPct val="20000"/>
+              </a:spcBef>
+              <a:buFont typeface="Arial" pitchFamily="34" charset="0"/>
+              <a:buChar char="•"/>
+              <a:defRPr sz="2000" kern="1200">
+                <a:solidFill>
+                  <a:schemeClr val="tx1"/>
+                </a:solidFill>
+                <a:latin typeface="+mn-lt"/>
+                <a:ea typeface="+mn-ea"/>
+                <a:cs typeface="+mn-cs"/>
+              </a:defRPr>
+            </a:lvl7pPr>
+            <a:lvl8pPr marL="3429000" indent="-228600" algn="l" defTabSz="914400" rtl="0" eaLnBrk="1" latinLnBrk="0" hangingPunct="1">
+              <a:spcBef>
+                <a:spcPct val="20000"/>
+              </a:spcBef>
+              <a:buFont typeface="Arial" pitchFamily="34" charset="0"/>
+              <a:buChar char="•"/>
+              <a:defRPr sz="2000" kern="1200">
+                <a:solidFill>
+                  <a:schemeClr val="tx1"/>
+                </a:solidFill>
+                <a:latin typeface="+mn-lt"/>
+                <a:ea typeface="+mn-ea"/>
+                <a:cs typeface="+mn-cs"/>
+              </a:defRPr>
+            </a:lvl8pPr>
+            <a:lvl9pPr marL="3886200" indent="-228600" algn="l" defTabSz="914400" rtl="0" eaLnBrk="1" latinLnBrk="0" hangingPunct="1">
+              <a:spcBef>
+                <a:spcPct val="20000"/>
+              </a:spcBef>
+              <a:buFont typeface="Arial" pitchFamily="34" charset="0"/>
+              <a:buChar char="•"/>
+              <a:defRPr sz="2000" kern="1200">
+                <a:solidFill>
+                  <a:schemeClr val="tx1"/>
+                </a:solidFill>
+                <a:latin typeface="+mn-lt"/>
+                <a:ea typeface="+mn-ea"/>
+                <a:cs typeface="+mn-cs"/>
+              </a:defRPr>
+            </a:lvl9pPr>
+          </a:lstStyle>
+          <a:p>
+            <a:r>
+              <a:rPr lang="en-US" dirty="0" smtClean="0"/>
+              <a:t>Ideally, training becomes cheaper in later stages</a:t>
+            </a:r>
+          </a:p>
+          <a:p>
+            <a:r>
+              <a:rPr lang="en-US" dirty="0" smtClean="0"/>
+              <a:t>Ran varying strategies to reduce epochs by stage</a:t>
+            </a:r>
+          </a:p>
+          <a:p>
+            <a:r>
+              <a:rPr lang="en-US" dirty="0" smtClean="0"/>
+              <a:t>Training stops early if no progress (Keras </a:t>
+            </a:r>
+            <a:r>
+              <a:rPr lang="en-US" dirty="0" err="1" smtClean="0"/>
+              <a:t>EarlyStopping</a:t>
+            </a:r>
+            <a:r>
+              <a:rPr lang="en-US" dirty="0" smtClean="0"/>
+              <a:t>=3)</a:t>
+            </a:r>
+            <a:endParaRPr lang="en-US" dirty="0"/>
+          </a:p>
+        </p:txBody>
+      </p:sp>
+      <p:graphicFrame>
+        <p:nvGraphicFramePr>
+          <p:cNvPr id="4" name="Table 3"/>
+          <p:cNvGraphicFramePr>
+            <a:graphicFrameLocks noGrp="1"/>
+          </p:cNvGraphicFramePr>
+          <p:nvPr>
+            <p:extLst>
+              <p:ext uri="{D42A27DB-BD31-4B8C-83A1-F6EECF244321}">
+                <p14:modId xmlns:p14="http://schemas.microsoft.com/office/powerpoint/2010/main" val="1862749682"/>
+              </p:ext>
+            </p:extLst>
+          </p:nvPr>
+        </p:nvGraphicFramePr>
+        <p:xfrm>
+          <a:off x="1323799" y="3884812"/>
+          <a:ext cx="9474340" cy="2006600"/>
+        </p:xfrm>
+        <a:graphic>
+          <a:graphicData uri="http://schemas.openxmlformats.org/drawingml/2006/table">
+            <a:tbl>
+              <a:tblPr>
+                <a:tableStyleId>{073A0DAA-6AF3-43AB-8588-CEC1D06C72B9}</a:tableStyleId>
+              </a:tblPr>
+              <a:tblGrid>
+                <a:gridCol w="1404269"/>
+                <a:gridCol w="8070071"/>
+              </a:tblGrid>
+              <a:tr h="370840">
+                <a:tc>
+                  <a:txBody>
+                    <a:bodyPr/>
+                    <a:lstStyle/>
+                    <a:p>
+                      <a:pPr rtl="0" fontAlgn="t">
+                        <a:spcBef>
+                          <a:spcPts val="0"/>
+                        </a:spcBef>
+                        <a:spcAft>
+                          <a:spcPts val="0"/>
+                        </a:spcAft>
+                      </a:pPr>
+                      <a:r>
+                        <a:rPr lang="en-US" sz="1800" b="0" i="0" u="none" strike="noStrike" dirty="0">
+                          <a:solidFill>
+                            <a:srgbClr val="000000"/>
+                          </a:solidFill>
+                          <a:effectLst/>
+                          <a:latin typeface="+mj-lt"/>
+                        </a:rPr>
+                        <a:t>F-20</a:t>
+                      </a:r>
+                      <a:endParaRPr lang="en-US" sz="1800" dirty="0">
+                        <a:effectLst/>
+                        <a:latin typeface="+mj-lt"/>
+                      </a:endParaRPr>
+                    </a:p>
+                  </a:txBody>
+                  <a:tcPr marL="63500" marR="63500" marT="63500" marB="63500">
+                    <a:solidFill>
+                      <a:schemeClr val="bg1"/>
+                    </a:solidFill>
+                  </a:tcPr>
+                </a:tc>
+                <a:tc>
+                  <a:txBody>
+                    <a:bodyPr/>
+                    <a:lstStyle/>
+                    <a:p>
+                      <a:pPr rtl="0" fontAlgn="t">
+                        <a:spcBef>
+                          <a:spcPts val="0"/>
+                        </a:spcBef>
+                        <a:spcAft>
+                          <a:spcPts val="0"/>
+                        </a:spcAft>
+                      </a:pPr>
+                      <a:r>
+                        <a:rPr lang="en-US" sz="1800" b="0" i="0" u="none" strike="noStrike" dirty="0">
+                          <a:solidFill>
+                            <a:srgbClr val="000000"/>
+                          </a:solidFill>
+                          <a:effectLst/>
+                          <a:latin typeface="+mj-lt"/>
+                        </a:rPr>
+                        <a:t>Flat-20: Simply train for 20 epochs</a:t>
+                      </a:r>
+                      <a:endParaRPr lang="en-US" sz="1800" dirty="0">
+                        <a:effectLst/>
+                        <a:latin typeface="+mj-lt"/>
+                      </a:endParaRPr>
+                    </a:p>
+                  </a:txBody>
+                  <a:tcPr marL="63500" marR="63500" marT="63500" marB="63500">
+                    <a:solidFill>
+                      <a:schemeClr val="bg1"/>
+                    </a:solidFill>
+                  </a:tcPr>
+                </a:tc>
+              </a:tr>
+              <a:tr h="370840">
+                <a:tc>
+                  <a:txBody>
+                    <a:bodyPr/>
+                    <a:lstStyle/>
+                    <a:p>
+                      <a:pPr rtl="0" fontAlgn="t">
+                        <a:spcBef>
+                          <a:spcPts val="0"/>
+                        </a:spcBef>
+                        <a:spcAft>
+                          <a:spcPts val="0"/>
+                        </a:spcAft>
+                      </a:pPr>
+                      <a:r>
+                        <a:rPr lang="en-US" sz="1800" b="0" i="0" u="none" strike="noStrike" dirty="0">
+                          <a:solidFill>
+                            <a:srgbClr val="000000"/>
+                          </a:solidFill>
+                          <a:effectLst/>
+                          <a:latin typeface="+mj-lt"/>
+                        </a:rPr>
+                        <a:t>F-10</a:t>
+                      </a:r>
+                      <a:endParaRPr lang="en-US" sz="1800" dirty="0">
+                        <a:effectLst/>
+                        <a:latin typeface="+mj-lt"/>
+                      </a:endParaRPr>
+                    </a:p>
+                  </a:txBody>
+                  <a:tcPr marL="63500" marR="63500" marT="63500" marB="63500">
+                    <a:solidFill>
+                      <a:schemeClr val="bg1"/>
+                    </a:solidFill>
+                  </a:tcPr>
+                </a:tc>
+                <a:tc>
+                  <a:txBody>
+                    <a:bodyPr/>
+                    <a:lstStyle/>
+                    <a:p>
+                      <a:pPr algn="just" rtl="0" fontAlgn="t">
+                        <a:spcBef>
+                          <a:spcPts val="0"/>
+                        </a:spcBef>
+                        <a:spcAft>
+                          <a:spcPts val="0"/>
+                        </a:spcAft>
+                      </a:pPr>
+                      <a:r>
+                        <a:rPr lang="en-US" sz="1800" b="0" i="0" u="none" strike="noStrike" dirty="0">
+                          <a:solidFill>
+                            <a:srgbClr val="000000"/>
+                          </a:solidFill>
+                          <a:effectLst/>
+                          <a:latin typeface="+mj-lt"/>
+                        </a:rPr>
+                        <a:t>Flat-10: Simply train for 10 epochs</a:t>
+                      </a:r>
+                      <a:endParaRPr lang="en-US" sz="1800" dirty="0">
+                        <a:effectLst/>
+                        <a:latin typeface="+mj-lt"/>
+                      </a:endParaRPr>
+                    </a:p>
+                  </a:txBody>
+                  <a:tcPr marL="63500" marR="63500" marT="63500" marB="63500">
+                    <a:solidFill>
+                      <a:schemeClr val="bg1"/>
+                    </a:solidFill>
+                  </a:tcPr>
+                </a:tc>
+              </a:tr>
+              <a:tr h="370840">
+                <a:tc>
+                  <a:txBody>
+                    <a:bodyPr/>
+                    <a:lstStyle/>
+                    <a:p>
+                      <a:pPr rtl="0" fontAlgn="t">
+                        <a:spcBef>
+                          <a:spcPts val="0"/>
+                        </a:spcBef>
+                        <a:spcAft>
+                          <a:spcPts val="0"/>
+                        </a:spcAft>
+                      </a:pPr>
+                      <a:r>
+                        <a:rPr lang="en-US" sz="1800" b="0" i="0" u="none" strike="noStrike" dirty="0">
+                          <a:solidFill>
+                            <a:srgbClr val="000000"/>
+                          </a:solidFill>
+                          <a:effectLst/>
+                          <a:latin typeface="+mj-lt"/>
+                        </a:rPr>
+                        <a:t>LINE</a:t>
+                      </a:r>
+                      <a:endParaRPr lang="en-US" sz="1800" dirty="0">
+                        <a:effectLst/>
+                        <a:latin typeface="+mj-lt"/>
+                      </a:endParaRPr>
+                    </a:p>
+                  </a:txBody>
+                  <a:tcPr marL="63500" marR="63500" marT="63500" marB="63500">
+                    <a:solidFill>
+                      <a:schemeClr val="bg1"/>
+                    </a:solidFill>
+                  </a:tcPr>
+                </a:tc>
+                <a:tc>
+                  <a:txBody>
+                    <a:bodyPr/>
+                    <a:lstStyle/>
+                    <a:p>
+                      <a:pPr algn="just" rtl="0" fontAlgn="t">
+                        <a:spcBef>
+                          <a:spcPts val="0"/>
+                        </a:spcBef>
+                        <a:spcAft>
+                          <a:spcPts val="0"/>
+                        </a:spcAft>
+                      </a:pPr>
+                      <a:r>
+                        <a:rPr lang="en-US" sz="1800" b="0" i="0" u="none" strike="noStrike" dirty="0">
+                          <a:solidFill>
+                            <a:srgbClr val="000000"/>
+                          </a:solidFill>
+                          <a:effectLst/>
+                          <a:latin typeface="+mj-lt"/>
+                        </a:rPr>
+                        <a:t>Linear: Train for a linearly decreasing number of epochs, starting from 20</a:t>
+                      </a:r>
+                      <a:endParaRPr lang="en-US" sz="1800" dirty="0">
+                        <a:effectLst/>
+                        <a:latin typeface="+mj-lt"/>
+                      </a:endParaRPr>
+                    </a:p>
+                  </a:txBody>
+                  <a:tcPr marL="63500" marR="63500" marT="63500" marB="63500">
+                    <a:solidFill>
+                      <a:schemeClr val="bg1"/>
+                    </a:solidFill>
+                  </a:tcPr>
+                </a:tc>
+              </a:tr>
+              <a:tr h="370840">
+                <a:tc>
+                  <a:txBody>
+                    <a:bodyPr/>
+                    <a:lstStyle/>
+                    <a:p>
+                      <a:pPr rtl="0" fontAlgn="t">
+                        <a:spcBef>
+                          <a:spcPts val="0"/>
+                        </a:spcBef>
+                        <a:spcAft>
+                          <a:spcPts val="0"/>
+                        </a:spcAft>
+                      </a:pPr>
+                      <a:r>
+                        <a:rPr lang="en-US" sz="1800" b="0" i="0" u="none" strike="noStrike">
+                          <a:solidFill>
+                            <a:srgbClr val="000000"/>
+                          </a:solidFill>
+                          <a:effectLst/>
+                          <a:latin typeface="+mj-lt"/>
+                        </a:rPr>
+                        <a:t>SQRT</a:t>
+                      </a:r>
+                      <a:endParaRPr lang="en-US" sz="1800">
+                        <a:effectLst/>
+                        <a:latin typeface="+mj-lt"/>
+                      </a:endParaRPr>
+                    </a:p>
+                  </a:txBody>
+                  <a:tcPr marL="63500" marR="63500" marT="63500" marB="63500">
+                    <a:solidFill>
+                      <a:schemeClr val="bg1"/>
+                    </a:solidFill>
+                  </a:tcPr>
+                </a:tc>
+                <a:tc>
+                  <a:txBody>
+                    <a:bodyPr/>
+                    <a:lstStyle/>
+                    <a:p>
+                      <a:pPr algn="just" rtl="0" fontAlgn="t">
+                        <a:spcBef>
+                          <a:spcPts val="0"/>
+                        </a:spcBef>
+                        <a:spcAft>
+                          <a:spcPts val="0"/>
+                        </a:spcAft>
+                      </a:pPr>
+                      <a:r>
+                        <a:rPr lang="en-US" sz="1800" b="0" i="0" u="none" strike="noStrike">
+                          <a:solidFill>
+                            <a:srgbClr val="000000"/>
+                          </a:solidFill>
+                          <a:effectLst/>
+                          <a:latin typeface="+mj-lt"/>
+                        </a:rPr>
+                        <a:t>Square root: Train for a number of epochs equal to 20 / sqrt(stage)</a:t>
+                      </a:r>
+                      <a:endParaRPr lang="en-US" sz="1800">
+                        <a:effectLst/>
+                        <a:latin typeface="+mj-lt"/>
+                      </a:endParaRPr>
+                    </a:p>
+                  </a:txBody>
+                  <a:tcPr marL="63500" marR="63500" marT="63500" marB="63500">
+                    <a:solidFill>
+                      <a:schemeClr val="bg1"/>
+                    </a:solidFill>
+                  </a:tcPr>
+                </a:tc>
+              </a:tr>
+              <a:tr h="370840">
+                <a:tc>
+                  <a:txBody>
+                    <a:bodyPr/>
+                    <a:lstStyle/>
+                    <a:p>
+                      <a:pPr rtl="0" fontAlgn="t">
+                        <a:spcBef>
+                          <a:spcPts val="0"/>
+                        </a:spcBef>
+                        <a:spcAft>
+                          <a:spcPts val="0"/>
+                        </a:spcAft>
+                      </a:pPr>
+                      <a:r>
+                        <a:rPr lang="en-US" sz="1800" b="0" i="0" u="none" strike="noStrike" dirty="0">
+                          <a:solidFill>
+                            <a:srgbClr val="000000"/>
+                          </a:solidFill>
+                          <a:effectLst/>
+                          <a:latin typeface="+mj-lt"/>
+                        </a:rPr>
+                        <a:t>EXP2</a:t>
+                      </a:r>
+                      <a:endParaRPr lang="en-US" sz="1800" dirty="0">
+                        <a:effectLst/>
+                        <a:latin typeface="+mj-lt"/>
+                      </a:endParaRPr>
+                    </a:p>
+                  </a:txBody>
+                  <a:tcPr marL="63500" marR="63500" marT="63500" marB="63500">
+                    <a:solidFill>
+                      <a:schemeClr val="bg1"/>
+                    </a:solidFill>
+                  </a:tcPr>
+                </a:tc>
+                <a:tc>
+                  <a:txBody>
+                    <a:bodyPr/>
+                    <a:lstStyle/>
+                    <a:p>
+                      <a:pPr algn="just" rtl="0" fontAlgn="t">
+                        <a:spcBef>
+                          <a:spcPts val="0"/>
+                        </a:spcBef>
+                        <a:spcAft>
+                          <a:spcPts val="0"/>
+                        </a:spcAft>
+                      </a:pPr>
+                      <a:r>
+                        <a:rPr lang="en-US" sz="1800" b="0" i="0" u="none" strike="noStrike" dirty="0">
+                          <a:solidFill>
+                            <a:srgbClr val="000000"/>
+                          </a:solidFill>
+                          <a:effectLst/>
+                          <a:latin typeface="+mj-lt"/>
+                        </a:rPr>
+                        <a:t>Exponential: Train for a number of epochs equal to 20 / 2^(stage-1)</a:t>
+                      </a:r>
+                      <a:endParaRPr lang="en-US" sz="1800" dirty="0">
+                        <a:effectLst/>
+                        <a:latin typeface="+mj-lt"/>
+                      </a:endParaRPr>
+                    </a:p>
+                  </a:txBody>
+                  <a:tcPr marL="63500" marR="63500" marT="63500" marB="63500">
+                    <a:solidFill>
+                      <a:schemeClr val="bg1"/>
+                    </a:solidFill>
+                  </a:tcPr>
+                </a:tc>
+              </a:tr>
+            </a:tbl>
+          </a:graphicData>
+        </a:graphic>
+      </p:graphicFrame>
     </p:spTree>
     <p:extLst>
       <p:ext uri="{BB962C8B-B14F-4D97-AF65-F5344CB8AC3E}">
-        <p14:creationId xmlns:p14="http://schemas.microsoft.com/office/powerpoint/2010/main" val="3875243667"/>
+        <p14:creationId xmlns:p14="http://schemas.microsoft.com/office/powerpoint/2010/main" val="1122651148"/>
       </p:ext>
     </p:extLst>
   </p:cSld>
@@ -6889,30 +10216,6 @@
       </p:grpSpPr>
       <p:sp>
         <p:nvSpPr>
-          <p:cNvPr id="5" name="Content Placeholder 4"/>
-          <p:cNvSpPr>
-            <a:spLocks noGrp="1"/>
-          </p:cNvSpPr>
-          <p:nvPr>
-            <p:ph idx="1"/>
-          </p:nvPr>
-        </p:nvSpPr>
-        <p:spPr>
-          <a:xfrm>
-            <a:off x="709302" y="1475740"/>
-            <a:ext cx="11026268" cy="4047778"/>
-          </a:xfrm>
-        </p:spPr>
-        <p:txBody>
-          <a:bodyPr/>
-          <a:lstStyle/>
-          <a:p>
-            <a:endParaRPr lang="en-US" dirty="0"/>
-          </a:p>
-        </p:txBody>
-      </p:sp>
-      <p:sp>
-        <p:nvSpPr>
           <p:cNvPr id="2" name="Title 1"/>
           <p:cNvSpPr>
             <a:spLocks noGrp="1"/>
@@ -6928,11 +10231,66 @@
           <a:p>
             <a:r>
               <a:rPr lang="en-US" dirty="0"/>
-              <a:t>Leave-out workflow</a:t>
+              <a:t>Data analysis workflow: </a:t>
             </a:r>
             <a:r>
               <a:rPr lang="en-US" dirty="0" smtClean="0"/>
-              <a:t>: </a:t>
+              <a:t>Early stopping percentage</a:t>
+            </a:r>
+            <a:endParaRPr lang="en-US" dirty="0"/>
+          </a:p>
+        </p:txBody>
+      </p:sp>
+      <p:sp>
+        <p:nvSpPr>
+          <p:cNvPr id="3" name="Content Placeholder 2"/>
+          <p:cNvSpPr>
+            <a:spLocks noGrp="1"/>
+          </p:cNvSpPr>
+          <p:nvPr>
+            <p:ph idx="1"/>
+          </p:nvPr>
+        </p:nvSpPr>
+        <p:spPr>
+          <a:xfrm>
+            <a:off x="365761" y="1475740"/>
+            <a:ext cx="6949440" cy="4047778"/>
+          </a:xfrm>
+        </p:spPr>
+        <p:txBody>
+          <a:bodyPr/>
+          <a:lstStyle/>
+          <a:p>
+            <a:r>
+              <a:rPr lang="en-US" dirty="0" smtClean="0"/>
+              <a:t>First: how many early stops occur by strategy and stage</a:t>
+            </a:r>
+          </a:p>
+          <a:p>
+            <a:r>
+              <a:rPr lang="en-US" dirty="0" smtClean="0"/>
+              <a:t>F-20: 100% early stopping rate</a:t>
+            </a:r>
+          </a:p>
+          <a:p>
+            <a:r>
+              <a:rPr lang="en-US" dirty="0" smtClean="0"/>
+              <a:t>F-10: 90+% early stopping rate</a:t>
+            </a:r>
+          </a:p>
+          <a:p>
+            <a:r>
+              <a:rPr lang="en-US" dirty="0" smtClean="0"/>
+              <a:t>LINE: Decreasing early stopping rate</a:t>
+            </a:r>
+          </a:p>
+          <a:p>
+            <a:endParaRPr lang="en-US" dirty="0"/>
+          </a:p>
+          <a:p>
+            <a:r>
+              <a:rPr lang="en-US" dirty="0" smtClean="0"/>
+              <a:t>LINE is probably what one would want</a:t>
             </a:r>
             <a:endParaRPr lang="en-US" dirty="0"/>
           </a:p>
@@ -6940,14 +10298,14 @@
       </p:sp>
       <p:pic>
         <p:nvPicPr>
-          <p:cNvPr id="4098" name="Picture 2" descr="https://lh4.googleusercontent.com/7rkuQ7wKWCs31SIEh89ta-mtuoi25Me4paiV0s0kVNLky7YXsueYhFkjoq3E66dJOoQh4vED7A6kCuw2pWaaJiZeAGfB7JW4GBgBh1uTTICAO7JVXcho7HjNJOXJI6nOogi_JThx"/>
+          <p:cNvPr id="3074" name="Picture 2" descr="https://lh5.googleusercontent.com/qQKzSuVLu99fyhK2DcHwtmT4oPsWXa9rRGxx6yvErDorDE-L-Q026Q3v0xcXiNN4bMwYQ6vcaWkUBMc-keAur7ID_rSgqeWOeHomM6RXALiDCB0eke53GSq1YmNWn_PgbVvWkT2w"/>
           <p:cNvPicPr>
             <a:picLocks noChangeAspect="1" noChangeArrowheads="1"/>
           </p:cNvPicPr>
           <p:nvPr/>
         </p:nvPicPr>
         <p:blipFill>
-          <a:blip r:embed="rId2" cstate="print">
+          <a:blip r:embed="rId2">
             <a:extLst>
               <a:ext uri="{28A0092B-C50C-407E-A947-70E740481C1C}">
                 <a14:useLocalDpi xmlns:a14="http://schemas.microsoft.com/office/drawing/2010/main" val="0"/>
@@ -6961,213 +10319,8 @@
         </p:blipFill>
         <p:spPr bwMode="auto">
           <a:xfrm>
-            <a:off x="7596024" y="1420693"/>
-            <a:ext cx="4162425" cy="4171951"/>
-          </a:xfrm>
-          <a:prstGeom prst="rect">
-            <a:avLst/>
-          </a:prstGeom>
-          <a:noFill/>
-          <a:extLst>
-            <a:ext uri="{909E8E84-426E-40DD-AFC4-6F175D3DCCD1}">
-              <a14:hiddenFill xmlns:a14="http://schemas.microsoft.com/office/drawing/2010/main">
-                <a:solidFill>
-                  <a:srgbClr val="FFFFFF"/>
-                </a:solidFill>
-              </a14:hiddenFill>
-            </a:ext>
-          </a:extLst>
-        </p:spPr>
-      </p:pic>
-      <p:pic>
-        <p:nvPicPr>
-          <p:cNvPr id="4101" name="Picture 5" descr="https://lh5.googleusercontent.com/sub9rASlsHdleL3QXBLKKBRSzLQtWaDgMYcUAOwpCcaltLJx9fz6cXcmJE1r176eiSp5BwatDTLJj1_HF18zyz4lAs9ofR_Qid2m-Tk6uiNLpsfss_J_uxr7hfO9Gz4JggiY_5rz"/>
-          <p:cNvPicPr>
-            <a:picLocks noChangeAspect="1" noChangeArrowheads="1"/>
-          </p:cNvPicPr>
-          <p:nvPr/>
-        </p:nvPicPr>
-        <p:blipFill>
-          <a:blip r:embed="rId3" cstate="print">
-            <a:extLst>
-              <a:ext uri="{28A0092B-C50C-407E-A947-70E740481C1C}">
-                <a14:useLocalDpi xmlns:a14="http://schemas.microsoft.com/office/drawing/2010/main" val="0"/>
-              </a:ext>
-            </a:extLst>
-          </a:blip>
-          <a:srcRect/>
-          <a:stretch>
-            <a:fillRect/>
-          </a:stretch>
-        </p:blipFill>
-        <p:spPr bwMode="auto">
-          <a:xfrm>
-            <a:off x="3864376" y="2048943"/>
-            <a:ext cx="1847850" cy="1857375"/>
-          </a:xfrm>
-          <a:prstGeom prst="rect">
-            <a:avLst/>
-          </a:prstGeom>
-          <a:noFill/>
-          <a:extLst>
-            <a:ext uri="{909E8E84-426E-40DD-AFC4-6F175D3DCCD1}">
-              <a14:hiddenFill xmlns:a14="http://schemas.microsoft.com/office/drawing/2010/main">
-                <a:solidFill>
-                  <a:srgbClr val="FFFFFF"/>
-                </a:solidFill>
-              </a14:hiddenFill>
-            </a:ext>
-          </a:extLst>
-        </p:spPr>
-      </p:pic>
-      <p:pic>
-        <p:nvPicPr>
-          <p:cNvPr id="4102" name="Picture 6" descr="https://lh3.googleusercontent.com/x9tp3zV5jOlrj1ib_v0Avi2ZDY6yrtuCYpUws9bqOlPVf4zg3vevFY5E1VZfQOJw0FZZbXA9Brkp6RRU0MwFa9-GmAnzKkYxZw9LtYYF4b_QcFwFdJqUlt5pl_xvUDewgcmThOuA"/>
-          <p:cNvPicPr>
-            <a:picLocks noChangeAspect="1" noChangeArrowheads="1"/>
-          </p:cNvPicPr>
-          <p:nvPr/>
-        </p:nvPicPr>
-        <p:blipFill>
-          <a:blip r:embed="rId4" cstate="print">
-            <a:extLst>
-              <a:ext uri="{28A0092B-C50C-407E-A947-70E740481C1C}">
-                <a14:useLocalDpi xmlns:a14="http://schemas.microsoft.com/office/drawing/2010/main" val="0"/>
-              </a:ext>
-            </a:extLst>
-          </a:blip>
-          <a:srcRect/>
-          <a:stretch>
-            <a:fillRect/>
-          </a:stretch>
-        </p:blipFill>
-        <p:spPr bwMode="auto">
-          <a:xfrm>
-            <a:off x="5917325" y="3389830"/>
-            <a:ext cx="1847850" cy="1857375"/>
-          </a:xfrm>
-          <a:prstGeom prst="rect">
-            <a:avLst/>
-          </a:prstGeom>
-          <a:noFill/>
-          <a:extLst>
-            <a:ext uri="{909E8E84-426E-40DD-AFC4-6F175D3DCCD1}">
-              <a14:hiddenFill xmlns:a14="http://schemas.microsoft.com/office/drawing/2010/main">
-                <a:solidFill>
-                  <a:srgbClr val="FFFFFF"/>
-                </a:solidFill>
-              </a14:hiddenFill>
-            </a:ext>
-          </a:extLst>
-        </p:spPr>
-      </p:pic>
-      <p:pic>
-        <p:nvPicPr>
-          <p:cNvPr id="4103" name="Picture 7" descr="https://lh4.googleusercontent.com/QSZsONTfsZzcr_cWu19JzxMe6R3YCB3reitbpC8LeE1iLupHFJNV36ljRndRtbaKFZLRMEd3k0DpTRLe8wzXsQTco2wlVspn6OLkYPN8jyrA3QKbPHgLHf4CNi0j44nVAs5gGsdd"/>
-          <p:cNvPicPr>
-            <a:picLocks noChangeAspect="1" noChangeArrowheads="1"/>
-          </p:cNvPicPr>
-          <p:nvPr/>
-        </p:nvPicPr>
-        <p:blipFill>
-          <a:blip r:embed="rId5" cstate="print">
-            <a:extLst>
-              <a:ext uri="{28A0092B-C50C-407E-A947-70E740481C1C}">
-                <a14:useLocalDpi xmlns:a14="http://schemas.microsoft.com/office/drawing/2010/main" val="0"/>
-              </a:ext>
-            </a:extLst>
-          </a:blip>
-          <a:srcRect/>
-          <a:stretch>
-            <a:fillRect/>
-          </a:stretch>
-        </p:blipFill>
-        <p:spPr bwMode="auto">
-          <a:xfrm>
-            <a:off x="1319406" y="3968141"/>
-            <a:ext cx="1847850" cy="1857375"/>
-          </a:xfrm>
-          <a:prstGeom prst="rect">
-            <a:avLst/>
-          </a:prstGeom>
-          <a:noFill/>
-          <a:extLst>
-            <a:ext uri="{909E8E84-426E-40DD-AFC4-6F175D3DCCD1}">
-              <a14:hiddenFill xmlns:a14="http://schemas.microsoft.com/office/drawing/2010/main">
-                <a:solidFill>
-                  <a:srgbClr val="FFFFFF"/>
-                </a:solidFill>
-              </a14:hiddenFill>
-            </a:ext>
-          </a:extLst>
-        </p:spPr>
-      </p:pic>
-      <p:pic>
-        <p:nvPicPr>
-          <p:cNvPr id="4104" name="Picture 8" descr="https://lh4.googleusercontent.com/y1ZlvL9vjgFJDu_MooLQJ4ElKkQnt-a9n7rcu7tlPSm14qq2j7aqj8Dp8efHlYrI6VzEWJ5nvDFeGeeWawFZJvEKy_bZ9_8UXlOBuIMRSMJ8Y78IIxIfQHeuouC0gUZy9BMpJJV9"/>
-          <p:cNvPicPr>
-            <a:picLocks noChangeAspect="1" noChangeArrowheads="1"/>
-          </p:cNvPicPr>
-          <p:nvPr/>
-        </p:nvPicPr>
-        <p:blipFill>
-          <a:blip r:embed="rId6" cstate="print">
-            <a:extLst>
-              <a:ext uri="{28A0092B-C50C-407E-A947-70E740481C1C}">
-                <a14:useLocalDpi xmlns:a14="http://schemas.microsoft.com/office/drawing/2010/main" val="0"/>
-              </a:ext>
-            </a:extLst>
-          </a:blip>
-          <a:srcRect/>
-          <a:stretch>
-            <a:fillRect/>
-          </a:stretch>
-        </p:blipFill>
-        <p:spPr bwMode="auto">
-          <a:xfrm>
-            <a:off x="3677348" y="3822862"/>
-            <a:ext cx="1847850" cy="1857375"/>
-          </a:xfrm>
-          <a:prstGeom prst="rect">
-            <a:avLst/>
-          </a:prstGeom>
-          <a:noFill/>
-          <a:extLst>
-            <a:ext uri="{909E8E84-426E-40DD-AFC4-6F175D3DCCD1}">
-              <a14:hiddenFill xmlns:a14="http://schemas.microsoft.com/office/drawing/2010/main">
-                <a:solidFill>
-                  <a:srgbClr val="FFFFFF"/>
-                </a:solidFill>
-              </a14:hiddenFill>
-            </a:ext>
-          </a:extLst>
-        </p:spPr>
-      </p:pic>
-      <p:pic>
-        <p:nvPicPr>
-          <p:cNvPr id="4100" name="Picture 4" descr="https://lh6.googleusercontent.com/k-u9_MhjxT0LtEbAdFkGxKFpH0Aws_i93a1SYY1w2YqfXePUNjnrbfaK66rfmT1_tNfNxI76Ri5_DHb1hFfbcPY-MnXv1tbkvbqhiDZ7TDLImGeViu023vFd8rtjildnu4txqTOV"/>
-          <p:cNvPicPr>
-            <a:picLocks noChangeAspect="1" noChangeArrowheads="1"/>
-          </p:cNvPicPr>
-          <p:nvPr/>
-        </p:nvPicPr>
-        <p:blipFill>
-          <a:blip r:embed="rId7" cstate="print">
-            <a:extLst>
-              <a:ext uri="{28A0092B-C50C-407E-A947-70E740481C1C}">
-                <a14:useLocalDpi xmlns:a14="http://schemas.microsoft.com/office/drawing/2010/main" val="0"/>
-              </a:ext>
-            </a:extLst>
-          </a:blip>
-          <a:srcRect/>
-          <a:stretch>
-            <a:fillRect/>
-          </a:stretch>
-        </p:blipFill>
-        <p:spPr bwMode="auto">
-          <a:xfrm>
-            <a:off x="1319406" y="1965487"/>
-            <a:ext cx="1847850" cy="1857375"/>
+            <a:off x="7164599" y="967570"/>
+            <a:ext cx="4785957" cy="4785957"/>
           </a:xfrm>
           <a:prstGeom prst="rect">
             <a:avLst/>
@@ -7187,7 +10340,7 @@
     </p:spTree>
     <p:extLst>
       <p:ext uri="{BB962C8B-B14F-4D97-AF65-F5344CB8AC3E}">
-        <p14:creationId xmlns:p14="http://schemas.microsoft.com/office/powerpoint/2010/main" val="3588300581"/>
+        <p14:creationId xmlns:p14="http://schemas.microsoft.com/office/powerpoint/2010/main" val="3875243667"/>
       </p:ext>
     </p:extLst>
   </p:cSld>
@@ -8203,13 +11356,14 @@
 <file path=customXml/itemProps2.xml><?xml version="1.0" encoding="utf-8"?>
 <ds:datastoreItem xmlns:ds="http://schemas.openxmlformats.org/officeDocument/2006/customXml" ds:itemID="{A50EC660-24D0-43A0-AE5E-E274115E726B}">
   <ds:schemaRefs>
-    <ds:schemaRef ds:uri="http://purl.org/dc/terms/"/>
+    <ds:schemaRef ds:uri="http://schemas.microsoft.com/office/2006/documentManagement/types"/>
     <ds:schemaRef ds:uri="http://schemas.openxmlformats.org/package/2006/metadata/core-properties"/>
-    <ds:schemaRef ds:uri="http://schemas.microsoft.com/office/2006/documentManagement/types"/>
     <ds:schemaRef ds:uri="http://purl.org/dc/elements/1.1/"/>
     <ds:schemaRef ds:uri="http://schemas.microsoft.com/office/2006/metadata/properties"/>
+    <ds:schemaRef ds:uri="http://purl.org/dc/terms/"/>
     <ds:schemaRef ds:uri="http://www.w3.org/XML/1998/namespace"/>
     <ds:schemaRef ds:uri="http://purl.org/dc/dcmitype/"/>
+    <ds:schemaRef ds:uri="http://schemas.microsoft.com/office/infopath/2007/PartnerControls"/>
   </ds:schemaRefs>
 </ds:datastoreItem>
 </file>

--- a/2020/ECP/slides/09-cplo.pptx
+++ b/2020/ECP/slides/09-cplo.pptx
@@ -277,7 +277,7 @@
           <a:p>
             <a:fld id="{0B842F42-2CE9-4E35-95C1-410DC08A50B1}" type="datetimeFigureOut">
               <a:rPr lang="en-US" smtClean="0"/>
-              <a:t>2/3/2020</a:t>
+              <a:t>2/4/2020</a:t>
             </a:fld>
             <a:endParaRPr lang="en-US"/>
           </a:p>
@@ -442,7 +442,7 @@
           <a:p>
             <a:fld id="{6F282904-F315-4730-8D91-37D99E141A6F}" type="datetimeFigureOut">
               <a:rPr lang="en-US" smtClean="0"/>
-              <a:t>2/3/2020</a:t>
+              <a:t>2/4/2020</a:t>
             </a:fld>
             <a:endParaRPr lang="en-US"/>
           </a:p>
@@ -3276,7 +3276,11 @@
             </a:br>
             <a:r>
               <a:rPr lang="en-US" dirty="0"/>
-              <a:t>January 2019</a:t>
+              <a:t>February 4, </a:t>
+            </a:r>
+            <a:r>
+              <a:rPr lang="en-US" dirty="0" smtClean="0"/>
+              <a:t>2020</a:t>
             </a:r>
           </a:p>
           <a:p>
@@ -4113,9 +4117,77 @@
           <a:p>
             <a:r>
               <a:rPr lang="en-US" dirty="0" smtClean="0"/>
-              <a:t>Greatly reduces the work needed to find unexpected data</a:t>
-            </a:r>
-            <a:endParaRPr lang="en-US" dirty="0"/>
+              <a:t>Greatly reduces the work needed to find unexpected </a:t>
+            </a:r>
+            <a:r>
+              <a:rPr lang="en-US" dirty="0" smtClean="0"/>
+              <a:t>data</a:t>
+            </a:r>
+          </a:p>
+          <a:p>
+            <a:r>
+              <a:rPr lang="en-US" sz="1400" dirty="0" smtClean="0">
+                <a:solidFill>
+                  <a:schemeClr val="tx1">
+                    <a:lumMod val="50000"/>
+                    <a:lumOff val="50000"/>
+                  </a:schemeClr>
+                </a:solidFill>
+              </a:rPr>
+              <a:t>Under review</a:t>
+            </a:r>
+            <a:r>
+              <a:rPr lang="en-US" sz="1400" dirty="0">
+                <a:solidFill>
+                  <a:schemeClr val="tx1">
+                    <a:lumMod val="50000"/>
+                    <a:lumOff val="50000"/>
+                  </a:schemeClr>
+                </a:solidFill>
+              </a:rPr>
+              <a:t>: </a:t>
+            </a:r>
+            <a:r>
+              <a:rPr lang="en-US" sz="1400" dirty="0" smtClean="0">
+                <a:solidFill>
+                  <a:schemeClr val="tx1">
+                    <a:lumMod val="50000"/>
+                    <a:lumOff val="50000"/>
+                  </a:schemeClr>
+                </a:solidFill>
+              </a:rPr>
+              <a:t>Wozniak, Yoo, Mohd-Yusof, et al.  High-bypass </a:t>
+            </a:r>
+            <a:r>
+              <a:rPr lang="en-US" sz="1400" dirty="0">
+                <a:solidFill>
+                  <a:schemeClr val="tx1">
+                    <a:lumMod val="50000"/>
+                    <a:lumOff val="50000"/>
+                  </a:schemeClr>
+                </a:solidFill>
+              </a:rPr>
+              <a:t>Learning: Automated Detection of Tumor Cells that Significantly Impact Drug Response </a:t>
+            </a:r>
+            <a:r>
+              <a:rPr lang="en-US" sz="1400" dirty="0" smtClean="0">
+                <a:solidFill>
+                  <a:schemeClr val="tx1">
+                    <a:lumMod val="50000"/>
+                    <a:lumOff val="50000"/>
+                  </a:schemeClr>
+                </a:solidFill>
+              </a:rPr>
+              <a:t>Treatment.  Royal Society Interfaces Focus, 2020.</a:t>
+            </a:r>
+            <a:endParaRPr lang="en-US" sz="1400" dirty="0">
+              <a:solidFill>
+                <a:schemeClr val="tx1">
+                  <a:lumMod val="50000"/>
+                  <a:lumOff val="50000"/>
+                </a:schemeClr>
+              </a:solidFill>
+            </a:endParaRPr>
           </a:p>
         </p:txBody>
       </p:sp>

--- a/2020/ECP/slides/09-cplo.pptx
+++ b/2020/ECP/slides/09-cplo.pptx
@@ -158,7 +158,7 @@
   </p:defaultTextStyle>
   <p:extLst>
     <p:ext uri="{EFAFB233-063F-42B5-8137-9DF3F51BA10A}">
-      <p15:sldGuideLst xmlns="" xmlns:p15="http://schemas.microsoft.com/office/powerpoint/2012/main">
+      <p15:sldGuideLst xmlns:p15="http://schemas.microsoft.com/office/powerpoint/2012/main" xmlns="">
         <p15:guide id="2" pos="282">
           <p15:clr>
             <a:srgbClr val="A4A3A4"/>
@@ -172,7 +172,7 @@
       </p15:sldGuideLst>
     </p:ext>
     <p:ext uri="{2D200454-40CA-4A62-9FC3-DE9A4176ACB9}">
-      <p15:notesGuideLst xmlns="" xmlns:p15="http://schemas.microsoft.com/office/powerpoint/2012/main">
+      <p15:notesGuideLst xmlns:p15="http://schemas.microsoft.com/office/powerpoint/2012/main" xmlns="">
         <p15:guide id="1" orient="horz" pos="2928">
           <p15:clr>
             <a:srgbClr val="A4A3A4"/>
@@ -3228,7 +3228,7 @@
         <p:spPr>
           <a:xfrm>
             <a:off x="365759" y="411481"/>
-            <a:ext cx="10171611" cy="929485"/>
+            <a:ext cx="10171611" cy="510909"/>
           </a:xfrm>
         </p:spPr>
         <p:txBody>
@@ -3240,8 +3240,8 @@
               <a:t>CANDLE Tutorial: </a:t>
             </a:r>
             <a:r>
-              <a:rPr lang="en-US" dirty="0" smtClean="0"/>
-              <a:t>Challenge Problem Workflow</a:t>
+              <a:rPr lang="en-US" smtClean="0"/>
+              <a:t>Data Analysis Workflow</a:t>
             </a:r>
             <a:endParaRPr lang="en-US" i="1" dirty="0"/>
           </a:p>
@@ -4117,11 +4117,7 @@
           <a:p>
             <a:r>
               <a:rPr lang="en-US" dirty="0" smtClean="0"/>
-              <a:t>Greatly reduces the work needed to find unexpected </a:t>
-            </a:r>
-            <a:r>
-              <a:rPr lang="en-US" dirty="0" smtClean="0"/>
-              <a:t>data</a:t>
+              <a:t>Greatly reduces the work needed to find unexpected data</a:t>
             </a:r>
           </a:p>
           <a:p>
@@ -6200,7 +6196,7 @@
           <p:cNvPr id="30" name="Picture 29">
             <a:extLst>
               <a:ext uri="{FF2B5EF4-FFF2-40B4-BE49-F238E27FC236}">
-                <a16:creationId xmlns="" xmlns:a16="http://schemas.microsoft.com/office/drawing/2014/main" id="{EF77F0D7-F414-724A-ABAA-7D530FAEDD10}"/>
+                <a16:creationId xmlns:a16="http://schemas.microsoft.com/office/drawing/2014/main" xmlns="" id="{EF77F0D7-F414-724A-ABAA-7D530FAEDD10}"/>
               </a:ext>
             </a:extLst>
           </p:cNvPr>
@@ -6230,7 +6226,7 @@
           <p:cNvPr id="29" name="Rounded Rectangle 28">
             <a:extLst>
               <a:ext uri="{FF2B5EF4-FFF2-40B4-BE49-F238E27FC236}">
-                <a16:creationId xmlns="" xmlns:a16="http://schemas.microsoft.com/office/drawing/2014/main" id="{2DA8F86B-500C-244D-8CDC-805A9034DD04}"/>
+                <a16:creationId xmlns:a16="http://schemas.microsoft.com/office/drawing/2014/main" xmlns="" id="{2DA8F86B-500C-244D-8CDC-805A9034DD04}"/>
               </a:ext>
             </a:extLst>
           </p:cNvPr>
@@ -6289,7 +6285,7 @@
           <p:cNvPr id="31" name="Rounded Rectangle 30">
             <a:extLst>
               <a:ext uri="{FF2B5EF4-FFF2-40B4-BE49-F238E27FC236}">
-                <a16:creationId xmlns="" xmlns:a16="http://schemas.microsoft.com/office/drawing/2014/main" id="{379B3C29-368E-F942-B173-BBCAB20EC644}"/>
+                <a16:creationId xmlns:a16="http://schemas.microsoft.com/office/drawing/2014/main" xmlns="" id="{379B3C29-368E-F942-B173-BBCAB20EC644}"/>
               </a:ext>
             </a:extLst>
           </p:cNvPr>
@@ -7896,7 +7892,7 @@
           <p:cNvPr id="2" name="Title 1">
             <a:extLst>
               <a:ext uri="{FF2B5EF4-FFF2-40B4-BE49-F238E27FC236}">
-                <a16:creationId xmlns="" xmlns:a16="http://schemas.microsoft.com/office/drawing/2014/main" id="{B0E33EF4-7CD6-D546-972C-5F24984D6602}"/>
+                <a16:creationId xmlns:a16="http://schemas.microsoft.com/office/drawing/2014/main" xmlns="" id="{B0E33EF4-7CD6-D546-972C-5F24984D6602}"/>
               </a:ext>
             </a:extLst>
           </p:cNvPr>
@@ -7925,7 +7921,7 @@
           <p:cNvPr id="3" name="Content Placeholder 2">
             <a:extLst>
               <a:ext uri="{FF2B5EF4-FFF2-40B4-BE49-F238E27FC236}">
-                <a16:creationId xmlns="" xmlns:a16="http://schemas.microsoft.com/office/drawing/2014/main" id="{79DDA83B-D33A-1340-A2A9-75273506FE76}"/>
+                <a16:creationId xmlns:a16="http://schemas.microsoft.com/office/drawing/2014/main" xmlns="" id="{79DDA83B-D33A-1340-A2A9-75273506FE76}"/>
               </a:ext>
             </a:extLst>
           </p:cNvPr>
@@ -8494,7 +8490,7 @@
           <p:cNvPr id="4" name="Content Placeholder 2">
             <a:extLst>
               <a:ext uri="{FF2B5EF4-FFF2-40B4-BE49-F238E27FC236}">
-                <a16:creationId xmlns="" xmlns:a16="http://schemas.microsoft.com/office/drawing/2014/main" id="{79DDA83B-D33A-1340-A2A9-75273506FE76}"/>
+                <a16:creationId xmlns:a16="http://schemas.microsoft.com/office/drawing/2014/main" xmlns="" id="{79DDA83B-D33A-1340-A2A9-75273506FE76}"/>
               </a:ext>
             </a:extLst>
           </p:cNvPr>
@@ -9271,7 +9267,7 @@
           <p:cNvPr id="5" name="Content Placeholder 2">
             <a:extLst>
               <a:ext uri="{FF2B5EF4-FFF2-40B4-BE49-F238E27FC236}">
-                <a16:creationId xmlns="" xmlns:a16="http://schemas.microsoft.com/office/drawing/2014/main" id="{79DDA83B-D33A-1340-A2A9-75273506FE76}"/>
+                <a16:creationId xmlns:a16="http://schemas.microsoft.com/office/drawing/2014/main" xmlns="" id="{79DDA83B-D33A-1340-A2A9-75273506FE76}"/>
               </a:ext>
             </a:extLst>
           </p:cNvPr>
@@ -10777,7 +10773,7 @@
   <a:extraClrSchemeLst/>
   <a:extLst>
     <a:ext uri="{05A4C25C-085E-4340-85A3-A5531E510DB2}">
-      <thm15:themeFamily xmlns="" xmlns:thm15="http://schemas.microsoft.com/office/thememl/2012/main" name="CANDLELib_ECP_2019" id="{8C0C58F9-E13D-C749-9CD8-D6ACD55E54AE}" vid="{C7F1EDA4-5412-C244-BA03-3C19A48BF1ED}"/>
+      <thm15:themeFamily xmlns:thm15="http://schemas.microsoft.com/office/thememl/2012/main" xmlns="" name="CANDLELib_ECP_2019" id="{8C0C58F9-E13D-C749-9CD8-D6ACD55E54AE}" vid="{C7F1EDA4-5412-C244-BA03-3C19A48BF1ED}"/>
     </a:ext>
   </a:extLst>
 </a:theme>
@@ -11354,21 +11350,6 @@
 </file>
 
 <file path=customXml/item1.xml><?xml version="1.0" encoding="utf-8"?>
-<?mso-contentType ?>
-<FormTemplates xmlns="http://schemas.microsoft.com/sharepoint/v3/contenttype/forms">
-  <Display>DocumentLibraryForm</Display>
-  <Edit>DocumentLibraryForm</Edit>
-  <New>DocumentLibraryForm</New>
-</FormTemplates>
-</file>
-
-<file path=customXml/item2.xml><?xml version="1.0" encoding="utf-8"?>
-<p:properties xmlns:p="http://schemas.microsoft.com/office/2006/metadata/properties" xmlns:xsi="http://www.w3.org/2001/XMLSchema-instance" xmlns:pc="http://schemas.microsoft.com/office/infopath/2007/PartnerControls">
-  <documentManagement/>
-</p:properties>
-</file>
-
-<file path=customXml/item3.xml><?xml version="1.0" encoding="utf-8"?>
 <ct:contentTypeSchema xmlns:ct="http://schemas.microsoft.com/office/2006/metadata/contentType" xmlns:ma="http://schemas.microsoft.com/office/2006/metadata/properties/metaAttributes" ct:_="" ma:_="" ma:contentTypeName="Document" ma:contentTypeID="0x010100693156C96291C349BBF8B640319D465D" ma:contentTypeVersion="0" ma:contentTypeDescription="Create a new document." ma:contentTypeScope="" ma:versionID="8a71be8d30b42e8e74cf70a4a4cbda4c">
   <xsd:schema xmlns:xsd="http://www.w3.org/2001/XMLSchema" xmlns:p="http://schemas.microsoft.com/office/2006/metadata/properties" targetNamespace="http://schemas.microsoft.com/office/2006/metadata/properties" ma:root="true" ma:fieldsID="4aeb20c0e3442673af7ee10786458764">
     <xsd:element name="properties">
@@ -11417,10 +11398,32 @@
 </ct:contentTypeSchema>
 </file>
 
+<file path=customXml/item2.xml><?xml version="1.0" encoding="utf-8"?>
+<p:properties xmlns:p="http://schemas.microsoft.com/office/2006/metadata/properties" xmlns:xsi="http://www.w3.org/2001/XMLSchema-instance" xmlns:pc="http://schemas.microsoft.com/office/infopath/2007/PartnerControls">
+  <documentManagement/>
+</p:properties>
+</file>
+
+<file path=customXml/item3.xml><?xml version="1.0" encoding="utf-8"?>
+<?mso-contentType ?>
+<FormTemplates xmlns="http://schemas.microsoft.com/sharepoint/v3/contenttype/forms">
+  <Display>DocumentLibraryForm</Display>
+  <Edit>DocumentLibraryForm</Edit>
+  <New>DocumentLibraryForm</New>
+</FormTemplates>
+</file>
+
 <file path=customXml/itemProps1.xml><?xml version="1.0" encoding="utf-8"?>
-<ds:datastoreItem xmlns:ds="http://schemas.openxmlformats.org/officeDocument/2006/customXml" ds:itemID="{19E20559-B232-4371-8690-E3D8007EDB82}">
+<ds:datastoreItem xmlns:ds="http://schemas.openxmlformats.org/officeDocument/2006/customXml" ds:itemID="{D85F602D-FF92-4BDD-B4C2-093468CCF754}">
   <ds:schemaRefs>
-    <ds:schemaRef ds:uri="http://schemas.microsoft.com/sharepoint/v3/contenttype/forms"/>
+    <ds:schemaRef ds:uri="http://schemas.microsoft.com/office/2006/metadata/contentType"/>
+    <ds:schemaRef ds:uri="http://schemas.microsoft.com/office/2006/metadata/properties/metaAttributes"/>
+    <ds:schemaRef ds:uri="http://www.w3.org/2001/XMLSchema"/>
+    <ds:schemaRef ds:uri="http://schemas.microsoft.com/office/2006/metadata/properties"/>
+    <ds:schemaRef ds:uri="http://schemas.openxmlformats.org/package/2006/metadata/core-properties"/>
+    <ds:schemaRef ds:uri="http://purl.org/dc/elements/1.1/"/>
+    <ds:schemaRef ds:uri="http://purl.org/dc/terms/"/>
+    <ds:schemaRef ds:uri="http://schemas.microsoft.com/office/internal/2005/internalDocumentation"/>
   </ds:schemaRefs>
 </ds:datastoreItem>
 </file>
@@ -11441,16 +11444,9 @@
 </file>
 
 <file path=customXml/itemProps3.xml><?xml version="1.0" encoding="utf-8"?>
-<ds:datastoreItem xmlns:ds="http://schemas.openxmlformats.org/officeDocument/2006/customXml" ds:itemID="{D85F602D-FF92-4BDD-B4C2-093468CCF754}">
+<ds:datastoreItem xmlns:ds="http://schemas.openxmlformats.org/officeDocument/2006/customXml" ds:itemID="{19E20559-B232-4371-8690-E3D8007EDB82}">
   <ds:schemaRefs>
-    <ds:schemaRef ds:uri="http://schemas.microsoft.com/office/2006/metadata/contentType"/>
-    <ds:schemaRef ds:uri="http://schemas.microsoft.com/office/2006/metadata/properties/metaAttributes"/>
-    <ds:schemaRef ds:uri="http://www.w3.org/2001/XMLSchema"/>
-    <ds:schemaRef ds:uri="http://schemas.microsoft.com/office/2006/metadata/properties"/>
-    <ds:schemaRef ds:uri="http://schemas.openxmlformats.org/package/2006/metadata/core-properties"/>
-    <ds:schemaRef ds:uri="http://purl.org/dc/elements/1.1/"/>
-    <ds:schemaRef ds:uri="http://purl.org/dc/terms/"/>
-    <ds:schemaRef ds:uri="http://schemas.microsoft.com/office/internal/2005/internalDocumentation"/>
+    <ds:schemaRef ds:uri="http://schemas.microsoft.com/sharepoint/v3/contenttype/forms"/>
   </ds:schemaRefs>
 </ds:datastoreItem>
 </file>